--- a/Bootstrap.pptx
+++ b/Bootstrap.pptx
@@ -25,6 +25,12 @@
     <p:sldId id="273" r:id="rId19"/>
     <p:sldId id="274" r:id="rId20"/>
     <p:sldId id="275" r:id="rId21"/>
+    <p:sldId id="276" r:id="rId22"/>
+    <p:sldId id="278" r:id="rId23"/>
+    <p:sldId id="279" r:id="rId24"/>
+    <p:sldId id="280" r:id="rId25"/>
+    <p:sldId id="281" r:id="rId26"/>
+    <p:sldId id="282" r:id="rId27"/>
   </p:sldIdLst>
   <p:sldSz cx="12192000" cy="6858000"/>
   <p:notesSz cx="6858000" cy="9144000"/>
@@ -278,7 +284,7 @@
           <a:p>
             <a:fld id="{5DA42134-4FE6-4A1E-8902-9959BF8D3D41}" type="datetimeFigureOut">
               <a:rPr lang="en-US" smtClean="0"/>
-              <a:t>7/18/2024</a:t>
+              <a:t>7/19/2024</a:t>
             </a:fld>
             <a:endParaRPr lang="en-US"/>
           </a:p>
@@ -476,7 +482,7 @@
           <a:p>
             <a:fld id="{5DA42134-4FE6-4A1E-8902-9959BF8D3D41}" type="datetimeFigureOut">
               <a:rPr lang="en-US" smtClean="0"/>
-              <a:t>7/18/2024</a:t>
+              <a:t>7/19/2024</a:t>
             </a:fld>
             <a:endParaRPr lang="en-US"/>
           </a:p>
@@ -684,7 +690,7 @@
           <a:p>
             <a:fld id="{5DA42134-4FE6-4A1E-8902-9959BF8D3D41}" type="datetimeFigureOut">
               <a:rPr lang="en-US" smtClean="0"/>
-              <a:t>7/18/2024</a:t>
+              <a:t>7/19/2024</a:t>
             </a:fld>
             <a:endParaRPr lang="en-US"/>
           </a:p>
@@ -882,7 +888,7 @@
           <a:p>
             <a:fld id="{5DA42134-4FE6-4A1E-8902-9959BF8D3D41}" type="datetimeFigureOut">
               <a:rPr lang="en-US" smtClean="0"/>
-              <a:t>7/18/2024</a:t>
+              <a:t>7/19/2024</a:t>
             </a:fld>
             <a:endParaRPr lang="en-US"/>
           </a:p>
@@ -1157,7 +1163,7 @@
           <a:p>
             <a:fld id="{5DA42134-4FE6-4A1E-8902-9959BF8D3D41}" type="datetimeFigureOut">
               <a:rPr lang="en-US" smtClean="0"/>
-              <a:t>7/18/2024</a:t>
+              <a:t>7/19/2024</a:t>
             </a:fld>
             <a:endParaRPr lang="en-US"/>
           </a:p>
@@ -1422,7 +1428,7 @@
           <a:p>
             <a:fld id="{5DA42134-4FE6-4A1E-8902-9959BF8D3D41}" type="datetimeFigureOut">
               <a:rPr lang="en-US" smtClean="0"/>
-              <a:t>7/18/2024</a:t>
+              <a:t>7/19/2024</a:t>
             </a:fld>
             <a:endParaRPr lang="en-US"/>
           </a:p>
@@ -1834,7 +1840,7 @@
           <a:p>
             <a:fld id="{5DA42134-4FE6-4A1E-8902-9959BF8D3D41}" type="datetimeFigureOut">
               <a:rPr lang="en-US" smtClean="0"/>
-              <a:t>7/18/2024</a:t>
+              <a:t>7/19/2024</a:t>
             </a:fld>
             <a:endParaRPr lang="en-US"/>
           </a:p>
@@ -1975,7 +1981,7 @@
           <a:p>
             <a:fld id="{5DA42134-4FE6-4A1E-8902-9959BF8D3D41}" type="datetimeFigureOut">
               <a:rPr lang="en-US" smtClean="0"/>
-              <a:t>7/18/2024</a:t>
+              <a:t>7/19/2024</a:t>
             </a:fld>
             <a:endParaRPr lang="en-US"/>
           </a:p>
@@ -2088,7 +2094,7 @@
           <a:p>
             <a:fld id="{5DA42134-4FE6-4A1E-8902-9959BF8D3D41}" type="datetimeFigureOut">
               <a:rPr lang="en-US" smtClean="0"/>
-              <a:t>7/18/2024</a:t>
+              <a:t>7/19/2024</a:t>
             </a:fld>
             <a:endParaRPr lang="en-US"/>
           </a:p>
@@ -2399,7 +2405,7 @@
           <a:p>
             <a:fld id="{5DA42134-4FE6-4A1E-8902-9959BF8D3D41}" type="datetimeFigureOut">
               <a:rPr lang="en-US" smtClean="0"/>
-              <a:t>7/18/2024</a:t>
+              <a:t>7/19/2024</a:t>
             </a:fld>
             <a:endParaRPr lang="en-US"/>
           </a:p>
@@ -2687,7 +2693,7 @@
           <a:p>
             <a:fld id="{5DA42134-4FE6-4A1E-8902-9959BF8D3D41}" type="datetimeFigureOut">
               <a:rPr lang="en-US" smtClean="0"/>
-              <a:t>7/18/2024</a:t>
+              <a:t>7/19/2024</a:t>
             </a:fld>
             <a:endParaRPr lang="en-US"/>
           </a:p>
@@ -2928,7 +2934,7 @@
           <a:p>
             <a:fld id="{5DA42134-4FE6-4A1E-8902-9959BF8D3D41}" type="datetimeFigureOut">
               <a:rPr lang="en-US" smtClean="0"/>
-              <a:t>7/18/2024</a:t>
+              <a:t>7/19/2024</a:t>
             </a:fld>
             <a:endParaRPr lang="en-US"/>
           </a:p>
@@ -8841,6 +8847,2935 @@
 </p:sld>
 </file>
 
+<file path=ppt/slides/slide21.xml><?xml version="1.0" encoding="utf-8"?>
+<p:sld xmlns:a="http://schemas.openxmlformats.org/drawingml/2006/main" xmlns:r="http://schemas.openxmlformats.org/officeDocument/2006/relationships" xmlns:p="http://schemas.openxmlformats.org/presentationml/2006/main">
+  <p:cSld>
+    <p:spTree>
+      <p:nvGrpSpPr>
+        <p:cNvPr id="1" name=""/>
+        <p:cNvGrpSpPr/>
+        <p:nvPr/>
+      </p:nvGrpSpPr>
+      <p:grpSpPr>
+        <a:xfrm>
+          <a:off x="0" y="0"/>
+          <a:ext cx="0" cy="0"/>
+          <a:chOff x="0" y="0"/>
+          <a:chExt cx="0" cy="0"/>
+        </a:xfrm>
+      </p:grpSpPr>
+      <p:sp>
+        <p:nvSpPr>
+          <p:cNvPr id="2" name="Title 1">
+            <a:extLst>
+              <a:ext uri="{FF2B5EF4-FFF2-40B4-BE49-F238E27FC236}">
+                <a16:creationId xmlns:a16="http://schemas.microsoft.com/office/drawing/2014/main" id="{81191154-4C9A-ED04-BD38-68FE9D24DDAB}"/>
+              </a:ext>
+            </a:extLst>
+          </p:cNvPr>
+          <p:cNvSpPr>
+            <a:spLocks noGrp="1"/>
+          </p:cNvSpPr>
+          <p:nvPr>
+            <p:ph type="title"/>
+          </p:nvPr>
+        </p:nvSpPr>
+        <p:spPr/>
+        <p:txBody>
+          <a:bodyPr/>
+          <a:lstStyle/>
+          <a:p>
+            <a:r>
+              <a:rPr lang="en-US" dirty="0"/>
+              <a:t>Bootstrap Offset Class</a:t>
+            </a:r>
+          </a:p>
+        </p:txBody>
+      </p:sp>
+      <p:sp>
+        <p:nvSpPr>
+          <p:cNvPr id="4" name="Rectangle 3">
+            <a:extLst>
+              <a:ext uri="{FF2B5EF4-FFF2-40B4-BE49-F238E27FC236}">
+                <a16:creationId xmlns:a16="http://schemas.microsoft.com/office/drawing/2014/main" id="{EBA1247F-9D8B-7114-2BC5-7326048FF465}"/>
+              </a:ext>
+            </a:extLst>
+          </p:cNvPr>
+          <p:cNvSpPr/>
+          <p:nvPr/>
+        </p:nvSpPr>
+        <p:spPr>
+          <a:xfrm>
+            <a:off x="1456871" y="1872343"/>
+            <a:ext cx="9278257" cy="725714"/>
+          </a:xfrm>
+          <a:prstGeom prst="rect">
+            <a:avLst/>
+          </a:prstGeom>
+        </p:spPr>
+        <p:style>
+          <a:lnRef idx="2">
+            <a:schemeClr val="accent1">
+              <a:shade val="15000"/>
+            </a:schemeClr>
+          </a:lnRef>
+          <a:fillRef idx="1">
+            <a:schemeClr val="accent1"/>
+          </a:fillRef>
+          <a:effectRef idx="0">
+            <a:schemeClr val="accent1"/>
+          </a:effectRef>
+          <a:fontRef idx="minor">
+            <a:schemeClr val="lt1"/>
+          </a:fontRef>
+        </p:style>
+        <p:txBody>
+          <a:bodyPr rtlCol="0" anchor="ctr"/>
+          <a:lstStyle/>
+          <a:p>
+            <a:pPr algn="ctr"/>
+            <a:endParaRPr lang="en-US"/>
+          </a:p>
+        </p:txBody>
+      </p:sp>
+      <p:sp>
+        <p:nvSpPr>
+          <p:cNvPr id="5" name="TextBox 4">
+            <a:extLst>
+              <a:ext uri="{FF2B5EF4-FFF2-40B4-BE49-F238E27FC236}">
+                <a16:creationId xmlns:a16="http://schemas.microsoft.com/office/drawing/2014/main" id="{28118AEB-513C-D3F9-520D-6479524EEF63}"/>
+              </a:ext>
+            </a:extLst>
+          </p:cNvPr>
+          <p:cNvSpPr txBox="1"/>
+          <p:nvPr/>
+        </p:nvSpPr>
+        <p:spPr>
+          <a:xfrm>
+            <a:off x="5916385" y="1553029"/>
+            <a:ext cx="604846" cy="369332"/>
+          </a:xfrm>
+          <a:prstGeom prst="rect">
+            <a:avLst/>
+          </a:prstGeom>
+          <a:noFill/>
+        </p:spPr>
+        <p:txBody>
+          <a:bodyPr wrap="none" rtlCol="0">
+            <a:spAutoFit/>
+          </a:bodyPr>
+          <a:lstStyle/>
+          <a:p>
+            <a:r>
+              <a:rPr lang="en-US" dirty="0"/>
+              <a:t>.row</a:t>
+            </a:r>
+          </a:p>
+        </p:txBody>
+      </p:sp>
+      <p:sp>
+        <p:nvSpPr>
+          <p:cNvPr id="6" name="Rectangle 5">
+            <a:extLst>
+              <a:ext uri="{FF2B5EF4-FFF2-40B4-BE49-F238E27FC236}">
+                <a16:creationId xmlns:a16="http://schemas.microsoft.com/office/drawing/2014/main" id="{E72494FC-B9C0-7411-FE01-D03619774F3C}"/>
+              </a:ext>
+            </a:extLst>
+          </p:cNvPr>
+          <p:cNvSpPr/>
+          <p:nvPr/>
+        </p:nvSpPr>
+        <p:spPr>
+          <a:xfrm>
+            <a:off x="1562100" y="1952171"/>
+            <a:ext cx="624115" cy="566057"/>
+          </a:xfrm>
+          <a:prstGeom prst="rect">
+            <a:avLst/>
+          </a:prstGeom>
+          <a:solidFill>
+            <a:schemeClr val="accent2"/>
+          </a:solidFill>
+        </p:spPr>
+        <p:style>
+          <a:lnRef idx="2">
+            <a:schemeClr val="accent1">
+              <a:shade val="15000"/>
+            </a:schemeClr>
+          </a:lnRef>
+          <a:fillRef idx="1">
+            <a:schemeClr val="accent1"/>
+          </a:fillRef>
+          <a:effectRef idx="0">
+            <a:schemeClr val="accent1"/>
+          </a:effectRef>
+          <a:fontRef idx="minor">
+            <a:schemeClr val="lt1"/>
+          </a:fontRef>
+        </p:style>
+        <p:txBody>
+          <a:bodyPr rtlCol="0" anchor="ctr"/>
+          <a:lstStyle/>
+          <a:p>
+            <a:pPr algn="ctr"/>
+            <a:r>
+              <a:rPr lang="en-US" dirty="0"/>
+              <a:t>1</a:t>
+            </a:r>
+          </a:p>
+        </p:txBody>
+      </p:sp>
+      <p:sp>
+        <p:nvSpPr>
+          <p:cNvPr id="7" name="Rectangle 6">
+            <a:extLst>
+              <a:ext uri="{FF2B5EF4-FFF2-40B4-BE49-F238E27FC236}">
+                <a16:creationId xmlns:a16="http://schemas.microsoft.com/office/drawing/2014/main" id="{606ED2F1-0478-7ACC-36B3-A4B8FDBB7EF5}"/>
+              </a:ext>
+            </a:extLst>
+          </p:cNvPr>
+          <p:cNvSpPr/>
+          <p:nvPr/>
+        </p:nvSpPr>
+        <p:spPr>
+          <a:xfrm>
+            <a:off x="2291444" y="1952171"/>
+            <a:ext cx="624115" cy="566057"/>
+          </a:xfrm>
+          <a:prstGeom prst="rect">
+            <a:avLst/>
+          </a:prstGeom>
+          <a:solidFill>
+            <a:schemeClr val="accent2"/>
+          </a:solidFill>
+        </p:spPr>
+        <p:style>
+          <a:lnRef idx="2">
+            <a:schemeClr val="accent1">
+              <a:shade val="15000"/>
+            </a:schemeClr>
+          </a:lnRef>
+          <a:fillRef idx="1">
+            <a:schemeClr val="accent1"/>
+          </a:fillRef>
+          <a:effectRef idx="0">
+            <a:schemeClr val="accent1"/>
+          </a:effectRef>
+          <a:fontRef idx="minor">
+            <a:schemeClr val="lt1"/>
+          </a:fontRef>
+        </p:style>
+        <p:txBody>
+          <a:bodyPr rtlCol="0" anchor="ctr"/>
+          <a:lstStyle/>
+          <a:p>
+            <a:pPr algn="ctr"/>
+            <a:r>
+              <a:rPr lang="en-US" dirty="0"/>
+              <a:t>2</a:t>
+            </a:r>
+          </a:p>
+        </p:txBody>
+      </p:sp>
+      <p:sp>
+        <p:nvSpPr>
+          <p:cNvPr id="8" name="Rectangle 7">
+            <a:extLst>
+              <a:ext uri="{FF2B5EF4-FFF2-40B4-BE49-F238E27FC236}">
+                <a16:creationId xmlns:a16="http://schemas.microsoft.com/office/drawing/2014/main" id="{E30AADB3-F82B-DE56-2E1E-AEADC7A4AE5C}"/>
+              </a:ext>
+            </a:extLst>
+          </p:cNvPr>
+          <p:cNvSpPr/>
+          <p:nvPr/>
+        </p:nvSpPr>
+        <p:spPr>
+          <a:xfrm>
+            <a:off x="3020788" y="1937655"/>
+            <a:ext cx="624115" cy="566057"/>
+          </a:xfrm>
+          <a:prstGeom prst="rect">
+            <a:avLst/>
+          </a:prstGeom>
+          <a:solidFill>
+            <a:schemeClr val="accent2"/>
+          </a:solidFill>
+        </p:spPr>
+        <p:style>
+          <a:lnRef idx="2">
+            <a:schemeClr val="accent1">
+              <a:shade val="15000"/>
+            </a:schemeClr>
+          </a:lnRef>
+          <a:fillRef idx="1">
+            <a:schemeClr val="accent1"/>
+          </a:fillRef>
+          <a:effectRef idx="0">
+            <a:schemeClr val="accent1"/>
+          </a:effectRef>
+          <a:fontRef idx="minor">
+            <a:schemeClr val="lt1"/>
+          </a:fontRef>
+        </p:style>
+        <p:txBody>
+          <a:bodyPr rtlCol="0" anchor="ctr"/>
+          <a:lstStyle/>
+          <a:p>
+            <a:pPr algn="ctr"/>
+            <a:r>
+              <a:rPr lang="en-US" dirty="0"/>
+              <a:t>3</a:t>
+            </a:r>
+          </a:p>
+        </p:txBody>
+      </p:sp>
+      <p:sp>
+        <p:nvSpPr>
+          <p:cNvPr id="9" name="Rectangle 8">
+            <a:extLst>
+              <a:ext uri="{FF2B5EF4-FFF2-40B4-BE49-F238E27FC236}">
+                <a16:creationId xmlns:a16="http://schemas.microsoft.com/office/drawing/2014/main" id="{4406EA52-E759-9AE7-F395-5DC20917CAD6}"/>
+              </a:ext>
+            </a:extLst>
+          </p:cNvPr>
+          <p:cNvSpPr/>
+          <p:nvPr/>
+        </p:nvSpPr>
+        <p:spPr>
+          <a:xfrm>
+            <a:off x="3822706" y="1952170"/>
+            <a:ext cx="624115" cy="566057"/>
+          </a:xfrm>
+          <a:prstGeom prst="rect">
+            <a:avLst/>
+          </a:prstGeom>
+          <a:solidFill>
+            <a:schemeClr val="accent2"/>
+          </a:solidFill>
+        </p:spPr>
+        <p:style>
+          <a:lnRef idx="2">
+            <a:schemeClr val="accent1">
+              <a:shade val="15000"/>
+            </a:schemeClr>
+          </a:lnRef>
+          <a:fillRef idx="1">
+            <a:schemeClr val="accent1"/>
+          </a:fillRef>
+          <a:effectRef idx="0">
+            <a:schemeClr val="accent1"/>
+          </a:effectRef>
+          <a:fontRef idx="minor">
+            <a:schemeClr val="lt1"/>
+          </a:fontRef>
+        </p:style>
+        <p:txBody>
+          <a:bodyPr rtlCol="0" anchor="ctr"/>
+          <a:lstStyle/>
+          <a:p>
+            <a:pPr algn="ctr"/>
+            <a:r>
+              <a:rPr lang="en-US" dirty="0"/>
+              <a:t>4</a:t>
+            </a:r>
+          </a:p>
+        </p:txBody>
+      </p:sp>
+      <p:sp>
+        <p:nvSpPr>
+          <p:cNvPr id="10" name="Rectangle 9">
+            <a:extLst>
+              <a:ext uri="{FF2B5EF4-FFF2-40B4-BE49-F238E27FC236}">
+                <a16:creationId xmlns:a16="http://schemas.microsoft.com/office/drawing/2014/main" id="{C6513890-B25D-47E9-1E2C-D0A43AE0FC37}"/>
+              </a:ext>
+            </a:extLst>
+          </p:cNvPr>
+          <p:cNvSpPr/>
+          <p:nvPr/>
+        </p:nvSpPr>
+        <p:spPr>
+          <a:xfrm>
+            <a:off x="4584705" y="1952170"/>
+            <a:ext cx="624115" cy="566057"/>
+          </a:xfrm>
+          <a:prstGeom prst="rect">
+            <a:avLst/>
+          </a:prstGeom>
+          <a:solidFill>
+            <a:schemeClr val="accent2"/>
+          </a:solidFill>
+        </p:spPr>
+        <p:style>
+          <a:lnRef idx="2">
+            <a:schemeClr val="accent1">
+              <a:shade val="15000"/>
+            </a:schemeClr>
+          </a:lnRef>
+          <a:fillRef idx="1">
+            <a:schemeClr val="accent1"/>
+          </a:fillRef>
+          <a:effectRef idx="0">
+            <a:schemeClr val="accent1"/>
+          </a:effectRef>
+          <a:fontRef idx="minor">
+            <a:schemeClr val="lt1"/>
+          </a:fontRef>
+        </p:style>
+        <p:txBody>
+          <a:bodyPr rtlCol="0" anchor="ctr"/>
+          <a:lstStyle/>
+          <a:p>
+            <a:pPr algn="ctr"/>
+            <a:r>
+              <a:rPr lang="en-US" dirty="0"/>
+              <a:t>5</a:t>
+            </a:r>
+          </a:p>
+        </p:txBody>
+      </p:sp>
+      <p:sp>
+        <p:nvSpPr>
+          <p:cNvPr id="11" name="Rectangle 10">
+            <a:extLst>
+              <a:ext uri="{FF2B5EF4-FFF2-40B4-BE49-F238E27FC236}">
+                <a16:creationId xmlns:a16="http://schemas.microsoft.com/office/drawing/2014/main" id="{A22B8A40-BCFE-597D-0B56-A256D63A4B37}"/>
+              </a:ext>
+            </a:extLst>
+          </p:cNvPr>
+          <p:cNvSpPr/>
+          <p:nvPr/>
+        </p:nvSpPr>
+        <p:spPr>
+          <a:xfrm>
+            <a:off x="5353968" y="1952170"/>
+            <a:ext cx="624115" cy="566057"/>
+          </a:xfrm>
+          <a:prstGeom prst="rect">
+            <a:avLst/>
+          </a:prstGeom>
+          <a:solidFill>
+            <a:schemeClr val="accent2"/>
+          </a:solidFill>
+        </p:spPr>
+        <p:style>
+          <a:lnRef idx="2">
+            <a:schemeClr val="accent1">
+              <a:shade val="15000"/>
+            </a:schemeClr>
+          </a:lnRef>
+          <a:fillRef idx="1">
+            <a:schemeClr val="accent1"/>
+          </a:fillRef>
+          <a:effectRef idx="0">
+            <a:schemeClr val="accent1"/>
+          </a:effectRef>
+          <a:fontRef idx="minor">
+            <a:schemeClr val="lt1"/>
+          </a:fontRef>
+        </p:style>
+        <p:txBody>
+          <a:bodyPr rtlCol="0" anchor="ctr"/>
+          <a:lstStyle/>
+          <a:p>
+            <a:pPr algn="ctr"/>
+            <a:r>
+              <a:rPr lang="en-US" dirty="0"/>
+              <a:t>6</a:t>
+            </a:r>
+          </a:p>
+        </p:txBody>
+      </p:sp>
+      <p:sp>
+        <p:nvSpPr>
+          <p:cNvPr id="12" name="Rectangle 11">
+            <a:extLst>
+              <a:ext uri="{FF2B5EF4-FFF2-40B4-BE49-F238E27FC236}">
+                <a16:creationId xmlns:a16="http://schemas.microsoft.com/office/drawing/2014/main" id="{18EC053C-E7F4-D9A2-A1DA-4D042A0EA717}"/>
+              </a:ext>
+            </a:extLst>
+          </p:cNvPr>
+          <p:cNvSpPr/>
+          <p:nvPr/>
+        </p:nvSpPr>
+        <p:spPr>
+          <a:xfrm>
+            <a:off x="6130455" y="1981197"/>
+            <a:ext cx="624115" cy="566057"/>
+          </a:xfrm>
+          <a:prstGeom prst="rect">
+            <a:avLst/>
+          </a:prstGeom>
+          <a:solidFill>
+            <a:schemeClr val="accent2"/>
+          </a:solidFill>
+        </p:spPr>
+        <p:style>
+          <a:lnRef idx="2">
+            <a:schemeClr val="accent1">
+              <a:shade val="15000"/>
+            </a:schemeClr>
+          </a:lnRef>
+          <a:fillRef idx="1">
+            <a:schemeClr val="accent1"/>
+          </a:fillRef>
+          <a:effectRef idx="0">
+            <a:schemeClr val="accent1"/>
+          </a:effectRef>
+          <a:fontRef idx="minor">
+            <a:schemeClr val="lt1"/>
+          </a:fontRef>
+        </p:style>
+        <p:txBody>
+          <a:bodyPr rtlCol="0" anchor="ctr"/>
+          <a:lstStyle/>
+          <a:p>
+            <a:pPr algn="ctr"/>
+            <a:r>
+              <a:rPr lang="en-US" dirty="0"/>
+              <a:t>7</a:t>
+            </a:r>
+          </a:p>
+        </p:txBody>
+      </p:sp>
+      <p:sp>
+        <p:nvSpPr>
+          <p:cNvPr id="13" name="Rectangle 12">
+            <a:extLst>
+              <a:ext uri="{FF2B5EF4-FFF2-40B4-BE49-F238E27FC236}">
+                <a16:creationId xmlns:a16="http://schemas.microsoft.com/office/drawing/2014/main" id="{CC327119-66BE-C047-9D4D-C104234B903D}"/>
+              </a:ext>
+            </a:extLst>
+          </p:cNvPr>
+          <p:cNvSpPr/>
+          <p:nvPr/>
+        </p:nvSpPr>
+        <p:spPr>
+          <a:xfrm>
+            <a:off x="6859799" y="1981197"/>
+            <a:ext cx="624115" cy="566057"/>
+          </a:xfrm>
+          <a:prstGeom prst="rect">
+            <a:avLst/>
+          </a:prstGeom>
+          <a:solidFill>
+            <a:schemeClr val="accent2"/>
+          </a:solidFill>
+        </p:spPr>
+        <p:style>
+          <a:lnRef idx="2">
+            <a:schemeClr val="accent1">
+              <a:shade val="15000"/>
+            </a:schemeClr>
+          </a:lnRef>
+          <a:fillRef idx="1">
+            <a:schemeClr val="accent1"/>
+          </a:fillRef>
+          <a:effectRef idx="0">
+            <a:schemeClr val="accent1"/>
+          </a:effectRef>
+          <a:fontRef idx="minor">
+            <a:schemeClr val="lt1"/>
+          </a:fontRef>
+        </p:style>
+        <p:txBody>
+          <a:bodyPr rtlCol="0" anchor="ctr"/>
+          <a:lstStyle/>
+          <a:p>
+            <a:pPr algn="ctr"/>
+            <a:r>
+              <a:rPr lang="en-US" dirty="0"/>
+              <a:t>8</a:t>
+            </a:r>
+          </a:p>
+        </p:txBody>
+      </p:sp>
+      <p:sp>
+        <p:nvSpPr>
+          <p:cNvPr id="14" name="Rectangle 13">
+            <a:extLst>
+              <a:ext uri="{FF2B5EF4-FFF2-40B4-BE49-F238E27FC236}">
+                <a16:creationId xmlns:a16="http://schemas.microsoft.com/office/drawing/2014/main" id="{6EAC8313-C22F-92FF-5F53-C28DEC46B71A}"/>
+              </a:ext>
+            </a:extLst>
+          </p:cNvPr>
+          <p:cNvSpPr/>
+          <p:nvPr/>
+        </p:nvSpPr>
+        <p:spPr>
+          <a:xfrm>
+            <a:off x="7589143" y="1966681"/>
+            <a:ext cx="624115" cy="566057"/>
+          </a:xfrm>
+          <a:prstGeom prst="rect">
+            <a:avLst/>
+          </a:prstGeom>
+          <a:solidFill>
+            <a:schemeClr val="accent2"/>
+          </a:solidFill>
+        </p:spPr>
+        <p:style>
+          <a:lnRef idx="2">
+            <a:schemeClr val="accent1">
+              <a:shade val="15000"/>
+            </a:schemeClr>
+          </a:lnRef>
+          <a:fillRef idx="1">
+            <a:schemeClr val="accent1"/>
+          </a:fillRef>
+          <a:effectRef idx="0">
+            <a:schemeClr val="accent1"/>
+          </a:effectRef>
+          <a:fontRef idx="minor">
+            <a:schemeClr val="lt1"/>
+          </a:fontRef>
+        </p:style>
+        <p:txBody>
+          <a:bodyPr rtlCol="0" anchor="ctr"/>
+          <a:lstStyle/>
+          <a:p>
+            <a:pPr algn="ctr"/>
+            <a:r>
+              <a:rPr lang="en-US" dirty="0"/>
+              <a:t>9</a:t>
+            </a:r>
+          </a:p>
+        </p:txBody>
+      </p:sp>
+      <p:sp>
+        <p:nvSpPr>
+          <p:cNvPr id="15" name="Rectangle 14">
+            <a:extLst>
+              <a:ext uri="{FF2B5EF4-FFF2-40B4-BE49-F238E27FC236}">
+                <a16:creationId xmlns:a16="http://schemas.microsoft.com/office/drawing/2014/main" id="{69B669C5-9F6B-FA26-B3E8-49EB39BFB8F8}"/>
+              </a:ext>
+            </a:extLst>
+          </p:cNvPr>
+          <p:cNvSpPr/>
+          <p:nvPr/>
+        </p:nvSpPr>
+        <p:spPr>
+          <a:xfrm>
+            <a:off x="8391061" y="1981196"/>
+            <a:ext cx="624115" cy="566057"/>
+          </a:xfrm>
+          <a:prstGeom prst="rect">
+            <a:avLst/>
+          </a:prstGeom>
+          <a:solidFill>
+            <a:schemeClr val="accent2"/>
+          </a:solidFill>
+        </p:spPr>
+        <p:style>
+          <a:lnRef idx="2">
+            <a:schemeClr val="accent1">
+              <a:shade val="15000"/>
+            </a:schemeClr>
+          </a:lnRef>
+          <a:fillRef idx="1">
+            <a:schemeClr val="accent1"/>
+          </a:fillRef>
+          <a:effectRef idx="0">
+            <a:schemeClr val="accent1"/>
+          </a:effectRef>
+          <a:fontRef idx="minor">
+            <a:schemeClr val="lt1"/>
+          </a:fontRef>
+        </p:style>
+        <p:txBody>
+          <a:bodyPr rtlCol="0" anchor="ctr"/>
+          <a:lstStyle/>
+          <a:p>
+            <a:pPr algn="ctr"/>
+            <a:r>
+              <a:rPr lang="en-US" dirty="0"/>
+              <a:t>10</a:t>
+            </a:r>
+          </a:p>
+        </p:txBody>
+      </p:sp>
+      <p:sp>
+        <p:nvSpPr>
+          <p:cNvPr id="16" name="Rectangle 15">
+            <a:extLst>
+              <a:ext uri="{FF2B5EF4-FFF2-40B4-BE49-F238E27FC236}">
+                <a16:creationId xmlns:a16="http://schemas.microsoft.com/office/drawing/2014/main" id="{A84D5EDF-6264-22F7-FC01-2102EE0A25C4}"/>
+              </a:ext>
+            </a:extLst>
+          </p:cNvPr>
+          <p:cNvSpPr/>
+          <p:nvPr/>
+        </p:nvSpPr>
+        <p:spPr>
+          <a:xfrm>
+            <a:off x="9153060" y="1981196"/>
+            <a:ext cx="624115" cy="566057"/>
+          </a:xfrm>
+          <a:prstGeom prst="rect">
+            <a:avLst/>
+          </a:prstGeom>
+          <a:solidFill>
+            <a:schemeClr val="accent2"/>
+          </a:solidFill>
+        </p:spPr>
+        <p:style>
+          <a:lnRef idx="2">
+            <a:schemeClr val="accent1">
+              <a:shade val="15000"/>
+            </a:schemeClr>
+          </a:lnRef>
+          <a:fillRef idx="1">
+            <a:schemeClr val="accent1"/>
+          </a:fillRef>
+          <a:effectRef idx="0">
+            <a:schemeClr val="accent1"/>
+          </a:effectRef>
+          <a:fontRef idx="minor">
+            <a:schemeClr val="lt1"/>
+          </a:fontRef>
+        </p:style>
+        <p:txBody>
+          <a:bodyPr rtlCol="0" anchor="ctr"/>
+          <a:lstStyle/>
+          <a:p>
+            <a:pPr algn="ctr"/>
+            <a:r>
+              <a:rPr lang="en-US" dirty="0"/>
+              <a:t>11</a:t>
+            </a:r>
+          </a:p>
+        </p:txBody>
+      </p:sp>
+      <p:sp>
+        <p:nvSpPr>
+          <p:cNvPr id="17" name="Rectangle 16">
+            <a:extLst>
+              <a:ext uri="{FF2B5EF4-FFF2-40B4-BE49-F238E27FC236}">
+                <a16:creationId xmlns:a16="http://schemas.microsoft.com/office/drawing/2014/main" id="{8077C87F-858E-19EF-586D-A43B79D56F39}"/>
+              </a:ext>
+            </a:extLst>
+          </p:cNvPr>
+          <p:cNvSpPr/>
+          <p:nvPr/>
+        </p:nvSpPr>
+        <p:spPr>
+          <a:xfrm>
+            <a:off x="9922323" y="1981196"/>
+            <a:ext cx="624115" cy="566057"/>
+          </a:xfrm>
+          <a:prstGeom prst="rect">
+            <a:avLst/>
+          </a:prstGeom>
+          <a:solidFill>
+            <a:schemeClr val="accent2"/>
+          </a:solidFill>
+        </p:spPr>
+        <p:style>
+          <a:lnRef idx="2">
+            <a:schemeClr val="accent1">
+              <a:shade val="15000"/>
+            </a:schemeClr>
+          </a:lnRef>
+          <a:fillRef idx="1">
+            <a:schemeClr val="accent1"/>
+          </a:fillRef>
+          <a:effectRef idx="0">
+            <a:schemeClr val="accent1"/>
+          </a:effectRef>
+          <a:fontRef idx="minor">
+            <a:schemeClr val="lt1"/>
+          </a:fontRef>
+        </p:style>
+        <p:txBody>
+          <a:bodyPr rtlCol="0" anchor="ctr"/>
+          <a:lstStyle/>
+          <a:p>
+            <a:pPr algn="ctr"/>
+            <a:r>
+              <a:rPr lang="en-US" dirty="0"/>
+              <a:t>12</a:t>
+            </a:r>
+          </a:p>
+        </p:txBody>
+      </p:sp>
+      <p:grpSp>
+        <p:nvGrpSpPr>
+          <p:cNvPr id="18" name="Group 17">
+            <a:extLst>
+              <a:ext uri="{FF2B5EF4-FFF2-40B4-BE49-F238E27FC236}">
+                <a16:creationId xmlns:a16="http://schemas.microsoft.com/office/drawing/2014/main" id="{16729195-4F4C-9835-01BB-634DF8EF3B79}"/>
+              </a:ext>
+            </a:extLst>
+          </p:cNvPr>
+          <p:cNvGrpSpPr/>
+          <p:nvPr/>
+        </p:nvGrpSpPr>
+        <p:grpSpPr>
+          <a:xfrm>
+            <a:off x="1456871" y="3815401"/>
+            <a:ext cx="8635996" cy="1174873"/>
+            <a:chOff x="1226443" y="4243947"/>
+            <a:chExt cx="8635996" cy="1174873"/>
+          </a:xfrm>
+        </p:grpSpPr>
+        <p:sp>
+          <p:nvSpPr>
+            <p:cNvPr id="19" name="Rectangle 18">
+              <a:extLst>
+                <a:ext uri="{FF2B5EF4-FFF2-40B4-BE49-F238E27FC236}">
+                  <a16:creationId xmlns:a16="http://schemas.microsoft.com/office/drawing/2014/main" id="{A7713BDA-C675-9246-FC7E-96745380EE1C}"/>
+                </a:ext>
+              </a:extLst>
+            </p:cNvPr>
+            <p:cNvSpPr/>
+            <p:nvPr/>
+          </p:nvSpPr>
+          <p:spPr>
+            <a:xfrm>
+              <a:off x="1226443" y="4693106"/>
+              <a:ext cx="8635996" cy="725714"/>
+            </a:xfrm>
+            <a:prstGeom prst="rect">
+              <a:avLst/>
+            </a:prstGeom>
+          </p:spPr>
+          <p:style>
+            <a:lnRef idx="2">
+              <a:schemeClr val="accent6"/>
+            </a:lnRef>
+            <a:fillRef idx="1">
+              <a:schemeClr val="lt1"/>
+            </a:fillRef>
+            <a:effectRef idx="0">
+              <a:schemeClr val="accent6"/>
+            </a:effectRef>
+            <a:fontRef idx="minor">
+              <a:schemeClr val="dk1"/>
+            </a:fontRef>
+          </p:style>
+          <p:txBody>
+            <a:bodyPr rtlCol="0" anchor="ctr"/>
+            <a:lstStyle/>
+            <a:p>
+              <a:pPr algn="ctr"/>
+              <a:endParaRPr lang="en-US"/>
+            </a:p>
+          </p:txBody>
+        </p:sp>
+        <p:sp>
+          <p:nvSpPr>
+            <p:cNvPr id="20" name="TextBox 19">
+              <a:extLst>
+                <a:ext uri="{FF2B5EF4-FFF2-40B4-BE49-F238E27FC236}">
+                  <a16:creationId xmlns:a16="http://schemas.microsoft.com/office/drawing/2014/main" id="{822CB360-F00A-35CD-389B-3E1803556A8E}"/>
+                </a:ext>
+              </a:extLst>
+            </p:cNvPr>
+            <p:cNvSpPr txBox="1"/>
+            <p:nvPr/>
+          </p:nvSpPr>
+          <p:spPr>
+            <a:xfrm>
+              <a:off x="4939595" y="4243947"/>
+              <a:ext cx="604846" cy="369332"/>
+            </a:xfrm>
+            <a:prstGeom prst="rect">
+              <a:avLst/>
+            </a:prstGeom>
+            <a:noFill/>
+          </p:spPr>
+          <p:txBody>
+            <a:bodyPr wrap="none" rtlCol="0">
+              <a:spAutoFit/>
+            </a:bodyPr>
+            <a:lstStyle/>
+            <a:p>
+              <a:r>
+                <a:rPr lang="en-US" dirty="0"/>
+                <a:t>.row</a:t>
+              </a:r>
+            </a:p>
+          </p:txBody>
+        </p:sp>
+        <p:sp>
+          <p:nvSpPr>
+            <p:cNvPr id="21" name="Rectangle 20">
+              <a:extLst>
+                <a:ext uri="{FF2B5EF4-FFF2-40B4-BE49-F238E27FC236}">
+                  <a16:creationId xmlns:a16="http://schemas.microsoft.com/office/drawing/2014/main" id="{6B2013FF-06D4-C99E-9343-F246C079E785}"/>
+                </a:ext>
+              </a:extLst>
+            </p:cNvPr>
+            <p:cNvSpPr/>
+            <p:nvPr/>
+          </p:nvSpPr>
+          <p:spPr>
+            <a:xfrm>
+              <a:off x="3592277" y="4815310"/>
+              <a:ext cx="2931865" cy="481305"/>
+            </a:xfrm>
+            <a:prstGeom prst="rect">
+              <a:avLst/>
+            </a:prstGeom>
+          </p:spPr>
+          <p:style>
+            <a:lnRef idx="2">
+              <a:schemeClr val="accent1">
+                <a:shade val="15000"/>
+              </a:schemeClr>
+            </a:lnRef>
+            <a:fillRef idx="1">
+              <a:schemeClr val="accent1"/>
+            </a:fillRef>
+            <a:effectRef idx="0">
+              <a:schemeClr val="accent1"/>
+            </a:effectRef>
+            <a:fontRef idx="minor">
+              <a:schemeClr val="lt1"/>
+            </a:fontRef>
+          </p:style>
+          <p:txBody>
+            <a:bodyPr rtlCol="0" anchor="ctr"/>
+            <a:lstStyle/>
+            <a:p>
+              <a:pPr algn="ctr"/>
+              <a:r>
+                <a:rPr lang="en-US" dirty="0"/>
+                <a:t>.col-md-4</a:t>
+              </a:r>
+            </a:p>
+          </p:txBody>
+        </p:sp>
+        <p:sp>
+          <p:nvSpPr>
+            <p:cNvPr id="23" name="Rectangle 22">
+              <a:extLst>
+                <a:ext uri="{FF2B5EF4-FFF2-40B4-BE49-F238E27FC236}">
+                  <a16:creationId xmlns:a16="http://schemas.microsoft.com/office/drawing/2014/main" id="{70D88D91-D802-B507-664E-500DDC5A568B}"/>
+                </a:ext>
+              </a:extLst>
+            </p:cNvPr>
+            <p:cNvSpPr/>
+            <p:nvPr/>
+          </p:nvSpPr>
+          <p:spPr>
+            <a:xfrm>
+              <a:off x="8160632" y="4855439"/>
+              <a:ext cx="1656455" cy="481305"/>
+            </a:xfrm>
+            <a:prstGeom prst="rect">
+              <a:avLst/>
+            </a:prstGeom>
+          </p:spPr>
+          <p:style>
+            <a:lnRef idx="2">
+              <a:schemeClr val="accent1">
+                <a:shade val="15000"/>
+              </a:schemeClr>
+            </a:lnRef>
+            <a:fillRef idx="1">
+              <a:schemeClr val="accent1"/>
+            </a:fillRef>
+            <a:effectRef idx="0">
+              <a:schemeClr val="accent1"/>
+            </a:effectRef>
+            <a:fontRef idx="minor">
+              <a:schemeClr val="lt1"/>
+            </a:fontRef>
+          </p:style>
+          <p:txBody>
+            <a:bodyPr rtlCol="0" anchor="ctr"/>
+            <a:lstStyle/>
+            <a:p>
+              <a:pPr algn="ctr"/>
+              <a:r>
+                <a:rPr lang="en-US" dirty="0"/>
+                <a:t>.col-md-3</a:t>
+              </a:r>
+            </a:p>
+          </p:txBody>
+        </p:sp>
+      </p:grpSp>
+      <p:cxnSp>
+        <p:nvCxnSpPr>
+          <p:cNvPr id="25" name="Straight Arrow Connector 24">
+            <a:extLst>
+              <a:ext uri="{FF2B5EF4-FFF2-40B4-BE49-F238E27FC236}">
+                <a16:creationId xmlns:a16="http://schemas.microsoft.com/office/drawing/2014/main" id="{E90BADB5-F08F-DA66-D05A-44C7A39E0EE2}"/>
+              </a:ext>
+            </a:extLst>
+          </p:cNvPr>
+          <p:cNvCxnSpPr/>
+          <p:nvPr/>
+        </p:nvCxnSpPr>
+        <p:spPr>
+          <a:xfrm>
+            <a:off x="1843314" y="4601029"/>
+            <a:ext cx="1611086" cy="0"/>
+          </a:xfrm>
+          <a:prstGeom prst="straightConnector1">
+            <a:avLst/>
+          </a:prstGeom>
+          <a:ln>
+            <a:tailEnd type="triangle"/>
+          </a:ln>
+        </p:spPr>
+        <p:style>
+          <a:lnRef idx="1">
+            <a:schemeClr val="accent2"/>
+          </a:lnRef>
+          <a:fillRef idx="0">
+            <a:schemeClr val="accent2"/>
+          </a:fillRef>
+          <a:effectRef idx="0">
+            <a:schemeClr val="accent2"/>
+          </a:effectRef>
+          <a:fontRef idx="minor">
+            <a:schemeClr val="tx1"/>
+          </a:fontRef>
+        </p:style>
+      </p:cxnSp>
+      <p:cxnSp>
+        <p:nvCxnSpPr>
+          <p:cNvPr id="26" name="Straight Arrow Connector 25">
+            <a:extLst>
+              <a:ext uri="{FF2B5EF4-FFF2-40B4-BE49-F238E27FC236}">
+                <a16:creationId xmlns:a16="http://schemas.microsoft.com/office/drawing/2014/main" id="{0FD922C5-D660-FD42-EAFA-6B2C56AB4B15}"/>
+              </a:ext>
+            </a:extLst>
+          </p:cNvPr>
+          <p:cNvCxnSpPr>
+            <a:cxnSpLocks/>
+          </p:cNvCxnSpPr>
+          <p:nvPr/>
+        </p:nvCxnSpPr>
+        <p:spPr>
+          <a:xfrm>
+            <a:off x="7086572" y="4601029"/>
+            <a:ext cx="1025086" cy="0"/>
+          </a:xfrm>
+          <a:prstGeom prst="straightConnector1">
+            <a:avLst/>
+          </a:prstGeom>
+          <a:ln>
+            <a:tailEnd type="triangle"/>
+          </a:ln>
+        </p:spPr>
+        <p:style>
+          <a:lnRef idx="1">
+            <a:schemeClr val="accent2"/>
+          </a:lnRef>
+          <a:fillRef idx="0">
+            <a:schemeClr val="accent2"/>
+          </a:fillRef>
+          <a:effectRef idx="0">
+            <a:schemeClr val="accent2"/>
+          </a:effectRef>
+          <a:fontRef idx="minor">
+            <a:schemeClr val="tx1"/>
+          </a:fontRef>
+        </p:style>
+      </p:cxnSp>
+      <p:sp>
+        <p:nvSpPr>
+          <p:cNvPr id="28" name="TextBox 27">
+            <a:extLst>
+              <a:ext uri="{FF2B5EF4-FFF2-40B4-BE49-F238E27FC236}">
+                <a16:creationId xmlns:a16="http://schemas.microsoft.com/office/drawing/2014/main" id="{050331A4-E56B-119B-D16E-D04F3E88D779}"/>
+              </a:ext>
+            </a:extLst>
+          </p:cNvPr>
+          <p:cNvSpPr txBox="1"/>
+          <p:nvPr/>
+        </p:nvSpPr>
+        <p:spPr>
+          <a:xfrm>
+            <a:off x="4446821" y="5070101"/>
+            <a:ext cx="1345176" cy="369332"/>
+          </a:xfrm>
+          <a:prstGeom prst="rect">
+            <a:avLst/>
+          </a:prstGeom>
+          <a:noFill/>
+        </p:spPr>
+        <p:txBody>
+          <a:bodyPr wrap="none" rtlCol="0">
+            <a:spAutoFit/>
+          </a:bodyPr>
+          <a:lstStyle/>
+          <a:p>
+            <a:r>
+              <a:rPr lang="en-US" dirty="0"/>
+              <a:t>.offset-md-3</a:t>
+            </a:r>
+          </a:p>
+        </p:txBody>
+      </p:sp>
+      <p:sp>
+        <p:nvSpPr>
+          <p:cNvPr id="29" name="TextBox 28">
+            <a:extLst>
+              <a:ext uri="{FF2B5EF4-FFF2-40B4-BE49-F238E27FC236}">
+                <a16:creationId xmlns:a16="http://schemas.microsoft.com/office/drawing/2014/main" id="{18129818-AD87-E210-3F4D-375A4376EBF3}"/>
+              </a:ext>
+            </a:extLst>
+          </p:cNvPr>
+          <p:cNvSpPr txBox="1"/>
+          <p:nvPr/>
+        </p:nvSpPr>
+        <p:spPr>
+          <a:xfrm>
+            <a:off x="8391060" y="5184958"/>
+            <a:ext cx="1345176" cy="369332"/>
+          </a:xfrm>
+          <a:prstGeom prst="rect">
+            <a:avLst/>
+          </a:prstGeom>
+          <a:noFill/>
+        </p:spPr>
+        <p:txBody>
+          <a:bodyPr wrap="none" rtlCol="0">
+            <a:spAutoFit/>
+          </a:bodyPr>
+          <a:lstStyle/>
+          <a:p>
+            <a:r>
+              <a:rPr lang="en-US" dirty="0"/>
+              <a:t>.offset-md-2</a:t>
+            </a:r>
+          </a:p>
+        </p:txBody>
+      </p:sp>
+    </p:spTree>
+    <p:extLst>
+      <p:ext uri="{BB962C8B-B14F-4D97-AF65-F5344CB8AC3E}">
+        <p14:creationId xmlns:p14="http://schemas.microsoft.com/office/powerpoint/2010/main" val="1501919471"/>
+      </p:ext>
+    </p:extLst>
+  </p:cSld>
+  <p:clrMapOvr>
+    <a:masterClrMapping/>
+  </p:clrMapOvr>
+</p:sld>
+</file>
+
+<file path=ppt/slides/slide22.xml><?xml version="1.0" encoding="utf-8"?>
+<p:sld xmlns:a="http://schemas.openxmlformats.org/drawingml/2006/main" xmlns:r="http://schemas.openxmlformats.org/officeDocument/2006/relationships" xmlns:p="http://schemas.openxmlformats.org/presentationml/2006/main">
+  <p:cSld>
+    <p:spTree>
+      <p:nvGrpSpPr>
+        <p:cNvPr id="1" name=""/>
+        <p:cNvGrpSpPr/>
+        <p:nvPr/>
+      </p:nvGrpSpPr>
+      <p:grpSpPr>
+        <a:xfrm>
+          <a:off x="0" y="0"/>
+          <a:ext cx="0" cy="0"/>
+          <a:chOff x="0" y="0"/>
+          <a:chExt cx="0" cy="0"/>
+        </a:xfrm>
+      </p:grpSpPr>
+      <p:sp>
+        <p:nvSpPr>
+          <p:cNvPr id="2" name="Title 1">
+            <a:extLst>
+              <a:ext uri="{FF2B5EF4-FFF2-40B4-BE49-F238E27FC236}">
+                <a16:creationId xmlns:a16="http://schemas.microsoft.com/office/drawing/2014/main" id="{406C985F-6E65-08BF-5134-6D186EB62C5B}"/>
+              </a:ext>
+            </a:extLst>
+          </p:cNvPr>
+          <p:cNvSpPr>
+            <a:spLocks noGrp="1"/>
+          </p:cNvSpPr>
+          <p:nvPr>
+            <p:ph type="title"/>
+          </p:nvPr>
+        </p:nvSpPr>
+        <p:spPr/>
+        <p:txBody>
+          <a:bodyPr/>
+          <a:lstStyle/>
+          <a:p>
+            <a:r>
+              <a:rPr lang="en-US" dirty="0"/>
+              <a:t>Break Points</a:t>
+            </a:r>
+          </a:p>
+        </p:txBody>
+      </p:sp>
+      <p:sp>
+        <p:nvSpPr>
+          <p:cNvPr id="4" name="TextBox 3">
+            <a:extLst>
+              <a:ext uri="{FF2B5EF4-FFF2-40B4-BE49-F238E27FC236}">
+                <a16:creationId xmlns:a16="http://schemas.microsoft.com/office/drawing/2014/main" id="{7B24BBCD-0454-41A2-B15C-492317DF3220}"/>
+              </a:ext>
+            </a:extLst>
+          </p:cNvPr>
+          <p:cNvSpPr txBox="1"/>
+          <p:nvPr/>
+        </p:nvSpPr>
+        <p:spPr>
+          <a:xfrm>
+            <a:off x="1756229" y="1690688"/>
+            <a:ext cx="4334776" cy="2031325"/>
+          </a:xfrm>
+          <a:prstGeom prst="rect">
+            <a:avLst/>
+          </a:prstGeom>
+          <a:noFill/>
+        </p:spPr>
+        <p:txBody>
+          <a:bodyPr wrap="none" rtlCol="0">
+            <a:spAutoFit/>
+          </a:bodyPr>
+          <a:lstStyle/>
+          <a:p>
+            <a:r>
+              <a:rPr lang="en-US" dirty="0"/>
+              <a:t>Extra large		</a:t>
+            </a:r>
+            <a:r>
+              <a:rPr lang="en-US" dirty="0">
+                <a:sym typeface="Wingdings" panose="05000000000000000000" pitchFamily="2" charset="2"/>
+              </a:rPr>
+              <a:t> offset-xl-*</a:t>
+            </a:r>
+          </a:p>
+          <a:p>
+            <a:r>
+              <a:rPr lang="en-US" dirty="0">
+                <a:sym typeface="Wingdings" panose="05000000000000000000" pitchFamily="2" charset="2"/>
+              </a:rPr>
+              <a:t>Large			 offset-lg-*</a:t>
+            </a:r>
+          </a:p>
+          <a:p>
+            <a:r>
+              <a:rPr lang="en-US" dirty="0">
+                <a:sym typeface="Wingdings" panose="05000000000000000000" pitchFamily="2" charset="2"/>
+              </a:rPr>
+              <a:t>Medium			 offset-md-*</a:t>
+            </a:r>
+          </a:p>
+          <a:p>
+            <a:r>
+              <a:rPr lang="en-US" dirty="0">
+                <a:sym typeface="Wingdings" panose="05000000000000000000" pitchFamily="2" charset="2"/>
+              </a:rPr>
+              <a:t>Small			 offset-</a:t>
+            </a:r>
+            <a:r>
+              <a:rPr lang="en-US" dirty="0" err="1">
+                <a:sym typeface="Wingdings" panose="05000000000000000000" pitchFamily="2" charset="2"/>
+              </a:rPr>
+              <a:t>sm</a:t>
+            </a:r>
+            <a:r>
+              <a:rPr lang="en-US" dirty="0">
+                <a:sym typeface="Wingdings" panose="05000000000000000000" pitchFamily="2" charset="2"/>
+              </a:rPr>
+              <a:t>-*</a:t>
+            </a:r>
+          </a:p>
+          <a:p>
+            <a:endParaRPr lang="en-US" dirty="0">
+              <a:sym typeface="Wingdings" panose="05000000000000000000" pitchFamily="2" charset="2"/>
+            </a:endParaRPr>
+          </a:p>
+          <a:p>
+            <a:endParaRPr lang="en-US" dirty="0">
+              <a:sym typeface="Wingdings" panose="05000000000000000000" pitchFamily="2" charset="2"/>
+            </a:endParaRPr>
+          </a:p>
+          <a:p>
+            <a:r>
+              <a:rPr lang="en-US" dirty="0">
+                <a:sym typeface="Wingdings" panose="05000000000000000000" pitchFamily="2" charset="2"/>
+              </a:rPr>
+              <a:t>			1-11</a:t>
+            </a:r>
+            <a:endParaRPr lang="en-US" dirty="0"/>
+          </a:p>
+        </p:txBody>
+      </p:sp>
+    </p:spTree>
+    <p:extLst>
+      <p:ext uri="{BB962C8B-B14F-4D97-AF65-F5344CB8AC3E}">
+        <p14:creationId xmlns:p14="http://schemas.microsoft.com/office/powerpoint/2010/main" val="3199473205"/>
+      </p:ext>
+    </p:extLst>
+  </p:cSld>
+  <p:clrMapOvr>
+    <a:masterClrMapping/>
+  </p:clrMapOvr>
+</p:sld>
+</file>
+
+<file path=ppt/slides/slide23.xml><?xml version="1.0" encoding="utf-8"?>
+<p:sld xmlns:a="http://schemas.openxmlformats.org/drawingml/2006/main" xmlns:r="http://schemas.openxmlformats.org/officeDocument/2006/relationships" xmlns:p="http://schemas.openxmlformats.org/presentationml/2006/main">
+  <p:cSld>
+    <p:spTree>
+      <p:nvGrpSpPr>
+        <p:cNvPr id="1" name=""/>
+        <p:cNvGrpSpPr/>
+        <p:nvPr/>
+      </p:nvGrpSpPr>
+      <p:grpSpPr>
+        <a:xfrm>
+          <a:off x="0" y="0"/>
+          <a:ext cx="0" cy="0"/>
+          <a:chOff x="0" y="0"/>
+          <a:chExt cx="0" cy="0"/>
+        </a:xfrm>
+      </p:grpSpPr>
+      <p:sp>
+        <p:nvSpPr>
+          <p:cNvPr id="2" name="Title 1">
+            <a:extLst>
+              <a:ext uri="{FF2B5EF4-FFF2-40B4-BE49-F238E27FC236}">
+                <a16:creationId xmlns:a16="http://schemas.microsoft.com/office/drawing/2014/main" id="{18252B1D-ABB3-F971-5D70-D1381B0236B3}"/>
+              </a:ext>
+            </a:extLst>
+          </p:cNvPr>
+          <p:cNvSpPr>
+            <a:spLocks noGrp="1"/>
+          </p:cNvSpPr>
+          <p:nvPr>
+            <p:ph type="title"/>
+          </p:nvPr>
+        </p:nvSpPr>
+        <p:spPr/>
+        <p:txBody>
+          <a:bodyPr/>
+          <a:lstStyle/>
+          <a:p>
+            <a:r>
+              <a:rPr lang="en-US" dirty="0"/>
+              <a:t>Reordering Classes</a:t>
+            </a:r>
+          </a:p>
+        </p:txBody>
+      </p:sp>
+      <p:grpSp>
+        <p:nvGrpSpPr>
+          <p:cNvPr id="4" name="Group 3">
+            <a:extLst>
+              <a:ext uri="{FF2B5EF4-FFF2-40B4-BE49-F238E27FC236}">
+                <a16:creationId xmlns:a16="http://schemas.microsoft.com/office/drawing/2014/main" id="{3A7BFA95-D3FB-0ECF-7111-B0C255447ACE}"/>
+              </a:ext>
+            </a:extLst>
+          </p:cNvPr>
+          <p:cNvGrpSpPr/>
+          <p:nvPr/>
+        </p:nvGrpSpPr>
+        <p:grpSpPr>
+          <a:xfrm>
+            <a:off x="1137557" y="1690111"/>
+            <a:ext cx="8635996" cy="1174873"/>
+            <a:chOff x="1226443" y="4243947"/>
+            <a:chExt cx="8635996" cy="1174873"/>
+          </a:xfrm>
+        </p:grpSpPr>
+        <p:sp>
+          <p:nvSpPr>
+            <p:cNvPr id="5" name="Rectangle 4">
+              <a:extLst>
+                <a:ext uri="{FF2B5EF4-FFF2-40B4-BE49-F238E27FC236}">
+                  <a16:creationId xmlns:a16="http://schemas.microsoft.com/office/drawing/2014/main" id="{0C6C9027-751C-E4E2-C93D-DB4392DBE215}"/>
+                </a:ext>
+              </a:extLst>
+            </p:cNvPr>
+            <p:cNvSpPr/>
+            <p:nvPr/>
+          </p:nvSpPr>
+          <p:spPr>
+            <a:xfrm>
+              <a:off x="1226443" y="4693106"/>
+              <a:ext cx="8635996" cy="725714"/>
+            </a:xfrm>
+            <a:prstGeom prst="rect">
+              <a:avLst/>
+            </a:prstGeom>
+          </p:spPr>
+          <p:style>
+            <a:lnRef idx="2">
+              <a:schemeClr val="accent6"/>
+            </a:lnRef>
+            <a:fillRef idx="1">
+              <a:schemeClr val="lt1"/>
+            </a:fillRef>
+            <a:effectRef idx="0">
+              <a:schemeClr val="accent6"/>
+            </a:effectRef>
+            <a:fontRef idx="minor">
+              <a:schemeClr val="dk1"/>
+            </a:fontRef>
+          </p:style>
+          <p:txBody>
+            <a:bodyPr rtlCol="0" anchor="ctr"/>
+            <a:lstStyle/>
+            <a:p>
+              <a:pPr algn="ctr"/>
+              <a:endParaRPr lang="en-US"/>
+            </a:p>
+          </p:txBody>
+        </p:sp>
+        <p:sp>
+          <p:nvSpPr>
+            <p:cNvPr id="6" name="TextBox 5">
+              <a:extLst>
+                <a:ext uri="{FF2B5EF4-FFF2-40B4-BE49-F238E27FC236}">
+                  <a16:creationId xmlns:a16="http://schemas.microsoft.com/office/drawing/2014/main" id="{96D9DB6B-2CED-C6C8-F210-A62DCD0558E9}"/>
+                </a:ext>
+              </a:extLst>
+            </p:cNvPr>
+            <p:cNvSpPr txBox="1"/>
+            <p:nvPr/>
+          </p:nvSpPr>
+          <p:spPr>
+            <a:xfrm>
+              <a:off x="4939595" y="4243947"/>
+              <a:ext cx="604846" cy="369332"/>
+            </a:xfrm>
+            <a:prstGeom prst="rect">
+              <a:avLst/>
+            </a:prstGeom>
+            <a:noFill/>
+          </p:spPr>
+          <p:txBody>
+            <a:bodyPr wrap="none" rtlCol="0">
+              <a:spAutoFit/>
+            </a:bodyPr>
+            <a:lstStyle/>
+            <a:p>
+              <a:r>
+                <a:rPr lang="en-US" dirty="0"/>
+                <a:t>.row</a:t>
+              </a:r>
+            </a:p>
+          </p:txBody>
+        </p:sp>
+        <p:sp>
+          <p:nvSpPr>
+            <p:cNvPr id="7" name="Rectangle 6">
+              <a:extLst>
+                <a:ext uri="{FF2B5EF4-FFF2-40B4-BE49-F238E27FC236}">
+                  <a16:creationId xmlns:a16="http://schemas.microsoft.com/office/drawing/2014/main" id="{71440EED-1C4E-FB6F-D9FB-15A3F3DC7A0B}"/>
+                </a:ext>
+              </a:extLst>
+            </p:cNvPr>
+            <p:cNvSpPr/>
+            <p:nvPr/>
+          </p:nvSpPr>
+          <p:spPr>
+            <a:xfrm>
+              <a:off x="1952164" y="4815310"/>
+              <a:ext cx="1347318" cy="481305"/>
+            </a:xfrm>
+            <a:prstGeom prst="rect">
+              <a:avLst/>
+            </a:prstGeom>
+          </p:spPr>
+          <p:style>
+            <a:lnRef idx="2">
+              <a:schemeClr val="accent1">
+                <a:shade val="15000"/>
+              </a:schemeClr>
+            </a:lnRef>
+            <a:fillRef idx="1">
+              <a:schemeClr val="accent1"/>
+            </a:fillRef>
+            <a:effectRef idx="0">
+              <a:schemeClr val="accent1"/>
+            </a:effectRef>
+            <a:fontRef idx="minor">
+              <a:schemeClr val="lt1"/>
+            </a:fontRef>
+          </p:style>
+          <p:txBody>
+            <a:bodyPr rtlCol="0" anchor="ctr"/>
+            <a:lstStyle/>
+            <a:p>
+              <a:pPr algn="ctr"/>
+              <a:r>
+                <a:rPr lang="en-US" dirty="0"/>
+                <a:t>.col</a:t>
+              </a:r>
+            </a:p>
+          </p:txBody>
+        </p:sp>
+        <p:sp>
+          <p:nvSpPr>
+            <p:cNvPr id="13" name="Rectangle 12">
+              <a:extLst>
+                <a:ext uri="{FF2B5EF4-FFF2-40B4-BE49-F238E27FC236}">
+                  <a16:creationId xmlns:a16="http://schemas.microsoft.com/office/drawing/2014/main" id="{176936CD-D9F8-195E-EA16-45B3089D652A}"/>
+                </a:ext>
+              </a:extLst>
+            </p:cNvPr>
+            <p:cNvSpPr/>
+            <p:nvPr/>
+          </p:nvSpPr>
+          <p:spPr>
+            <a:xfrm>
+              <a:off x="3592277" y="4815310"/>
+              <a:ext cx="1347318" cy="481305"/>
+            </a:xfrm>
+            <a:prstGeom prst="rect">
+              <a:avLst/>
+            </a:prstGeom>
+          </p:spPr>
+          <p:style>
+            <a:lnRef idx="2">
+              <a:schemeClr val="accent1">
+                <a:shade val="15000"/>
+              </a:schemeClr>
+            </a:lnRef>
+            <a:fillRef idx="1">
+              <a:schemeClr val="accent1"/>
+            </a:fillRef>
+            <a:effectRef idx="0">
+              <a:schemeClr val="accent1"/>
+            </a:effectRef>
+            <a:fontRef idx="minor">
+              <a:schemeClr val="lt1"/>
+            </a:fontRef>
+          </p:style>
+          <p:txBody>
+            <a:bodyPr rtlCol="0" anchor="ctr"/>
+            <a:lstStyle/>
+            <a:p>
+              <a:pPr algn="ctr"/>
+              <a:r>
+                <a:rPr lang="en-US" dirty="0"/>
+                <a:t>.col</a:t>
+              </a:r>
+            </a:p>
+          </p:txBody>
+        </p:sp>
+        <p:sp>
+          <p:nvSpPr>
+            <p:cNvPr id="14" name="Rectangle 13">
+              <a:extLst>
+                <a:ext uri="{FF2B5EF4-FFF2-40B4-BE49-F238E27FC236}">
+                  <a16:creationId xmlns:a16="http://schemas.microsoft.com/office/drawing/2014/main" id="{0530DAF1-3D42-D14D-4176-4FFCE7BEC4D3}"/>
+                </a:ext>
+              </a:extLst>
+            </p:cNvPr>
+            <p:cNvSpPr/>
+            <p:nvPr/>
+          </p:nvSpPr>
+          <p:spPr>
+            <a:xfrm>
+              <a:off x="7430179" y="4815310"/>
+              <a:ext cx="1347318" cy="481305"/>
+            </a:xfrm>
+            <a:prstGeom prst="rect">
+              <a:avLst/>
+            </a:prstGeom>
+          </p:spPr>
+          <p:style>
+            <a:lnRef idx="2">
+              <a:schemeClr val="accent1">
+                <a:shade val="15000"/>
+              </a:schemeClr>
+            </a:lnRef>
+            <a:fillRef idx="1">
+              <a:schemeClr val="accent1"/>
+            </a:fillRef>
+            <a:effectRef idx="0">
+              <a:schemeClr val="accent1"/>
+            </a:effectRef>
+            <a:fontRef idx="minor">
+              <a:schemeClr val="lt1"/>
+            </a:fontRef>
+          </p:style>
+          <p:txBody>
+            <a:bodyPr rtlCol="0" anchor="ctr"/>
+            <a:lstStyle/>
+            <a:p>
+              <a:pPr algn="ctr"/>
+              <a:r>
+                <a:rPr lang="en-US" dirty="0"/>
+                <a:t>.col</a:t>
+              </a:r>
+            </a:p>
+          </p:txBody>
+        </p:sp>
+        <p:sp>
+          <p:nvSpPr>
+            <p:cNvPr id="15" name="Rectangle 14">
+              <a:extLst>
+                <a:ext uri="{FF2B5EF4-FFF2-40B4-BE49-F238E27FC236}">
+                  <a16:creationId xmlns:a16="http://schemas.microsoft.com/office/drawing/2014/main" id="{63B8517F-0F7F-2471-8AEB-60EE8CE8A058}"/>
+                </a:ext>
+              </a:extLst>
+            </p:cNvPr>
+            <p:cNvSpPr/>
+            <p:nvPr/>
+          </p:nvSpPr>
+          <p:spPr>
+            <a:xfrm>
+              <a:off x="5702979" y="4841584"/>
+              <a:ext cx="1347318" cy="481305"/>
+            </a:xfrm>
+            <a:prstGeom prst="rect">
+              <a:avLst/>
+            </a:prstGeom>
+          </p:spPr>
+          <p:style>
+            <a:lnRef idx="2">
+              <a:schemeClr val="accent1">
+                <a:shade val="15000"/>
+              </a:schemeClr>
+            </a:lnRef>
+            <a:fillRef idx="1">
+              <a:schemeClr val="accent1"/>
+            </a:fillRef>
+            <a:effectRef idx="0">
+              <a:schemeClr val="accent1"/>
+            </a:effectRef>
+            <a:fontRef idx="minor">
+              <a:schemeClr val="lt1"/>
+            </a:fontRef>
+          </p:style>
+          <p:txBody>
+            <a:bodyPr rtlCol="0" anchor="ctr"/>
+            <a:lstStyle/>
+            <a:p>
+              <a:pPr algn="ctr"/>
+              <a:r>
+                <a:rPr lang="en-US" dirty="0"/>
+                <a:t>.col</a:t>
+              </a:r>
+            </a:p>
+          </p:txBody>
+        </p:sp>
+      </p:grpSp>
+      <p:sp>
+        <p:nvSpPr>
+          <p:cNvPr id="16" name="TextBox 15">
+            <a:extLst>
+              <a:ext uri="{FF2B5EF4-FFF2-40B4-BE49-F238E27FC236}">
+                <a16:creationId xmlns:a16="http://schemas.microsoft.com/office/drawing/2014/main" id="{93F5E7FF-9B71-DFDB-6357-5C72A585DE21}"/>
+              </a:ext>
+            </a:extLst>
+          </p:cNvPr>
+          <p:cNvSpPr txBox="1"/>
+          <p:nvPr/>
+        </p:nvSpPr>
+        <p:spPr>
+          <a:xfrm>
+            <a:off x="5646643" y="3055937"/>
+            <a:ext cx="1396408" cy="369332"/>
+          </a:xfrm>
+          <a:prstGeom prst="rect">
+            <a:avLst/>
+          </a:prstGeom>
+          <a:noFill/>
+        </p:spPr>
+        <p:txBody>
+          <a:bodyPr wrap="none" rtlCol="0">
+            <a:spAutoFit/>
+          </a:bodyPr>
+          <a:lstStyle/>
+          <a:p>
+            <a:r>
+              <a:rPr lang="en-US" dirty="0"/>
+              <a:t>First position</a:t>
+            </a:r>
+          </a:p>
+        </p:txBody>
+      </p:sp>
+      <p:sp>
+        <p:nvSpPr>
+          <p:cNvPr id="17" name="TextBox 16">
+            <a:extLst>
+              <a:ext uri="{FF2B5EF4-FFF2-40B4-BE49-F238E27FC236}">
+                <a16:creationId xmlns:a16="http://schemas.microsoft.com/office/drawing/2014/main" id="{4D82D9C9-F533-A79A-4AF5-80606952900C}"/>
+              </a:ext>
+            </a:extLst>
+          </p:cNvPr>
+          <p:cNvSpPr txBox="1"/>
+          <p:nvPr/>
+        </p:nvSpPr>
+        <p:spPr>
+          <a:xfrm>
+            <a:off x="1814188" y="3005331"/>
+            <a:ext cx="1369927" cy="369332"/>
+          </a:xfrm>
+          <a:prstGeom prst="rect">
+            <a:avLst/>
+          </a:prstGeom>
+          <a:noFill/>
+        </p:spPr>
+        <p:txBody>
+          <a:bodyPr wrap="none" rtlCol="0">
+            <a:spAutoFit/>
+          </a:bodyPr>
+          <a:lstStyle/>
+          <a:p>
+            <a:r>
+              <a:rPr lang="en-US" dirty="0"/>
+              <a:t>Last position</a:t>
+            </a:r>
+          </a:p>
+        </p:txBody>
+      </p:sp>
+      <p:sp>
+        <p:nvSpPr>
+          <p:cNvPr id="18" name="TextBox 17">
+            <a:extLst>
+              <a:ext uri="{FF2B5EF4-FFF2-40B4-BE49-F238E27FC236}">
+                <a16:creationId xmlns:a16="http://schemas.microsoft.com/office/drawing/2014/main" id="{07F6E3C8-5C58-178A-EB83-71F8C89958AD}"/>
+              </a:ext>
+            </a:extLst>
+          </p:cNvPr>
+          <p:cNvSpPr txBox="1"/>
+          <p:nvPr/>
+        </p:nvSpPr>
+        <p:spPr>
+          <a:xfrm>
+            <a:off x="5850160" y="1772464"/>
+            <a:ext cx="1192891" cy="369332"/>
+          </a:xfrm>
+          <a:prstGeom prst="rect">
+            <a:avLst/>
+          </a:prstGeom>
+          <a:noFill/>
+        </p:spPr>
+        <p:txBody>
+          <a:bodyPr wrap="none" rtlCol="0">
+            <a:spAutoFit/>
+          </a:bodyPr>
+          <a:lstStyle/>
+          <a:p>
+            <a:r>
+              <a:rPr lang="en-US" dirty="0"/>
+              <a:t>.order-first</a:t>
+            </a:r>
+          </a:p>
+        </p:txBody>
+      </p:sp>
+      <p:sp>
+        <p:nvSpPr>
+          <p:cNvPr id="19" name="TextBox 18">
+            <a:extLst>
+              <a:ext uri="{FF2B5EF4-FFF2-40B4-BE49-F238E27FC236}">
+                <a16:creationId xmlns:a16="http://schemas.microsoft.com/office/drawing/2014/main" id="{E6D0EB00-46AD-312C-A678-B117BD8114AB}"/>
+              </a:ext>
+            </a:extLst>
+          </p:cNvPr>
+          <p:cNvSpPr txBox="1"/>
+          <p:nvPr/>
+        </p:nvSpPr>
+        <p:spPr>
+          <a:xfrm>
+            <a:off x="1991224" y="1812892"/>
+            <a:ext cx="1156792" cy="369332"/>
+          </a:xfrm>
+          <a:prstGeom prst="rect">
+            <a:avLst/>
+          </a:prstGeom>
+          <a:noFill/>
+        </p:spPr>
+        <p:txBody>
+          <a:bodyPr wrap="none" rtlCol="0">
+            <a:spAutoFit/>
+          </a:bodyPr>
+          <a:lstStyle/>
+          <a:p>
+            <a:r>
+              <a:rPr lang="en-US" dirty="0"/>
+              <a:t>.order-last</a:t>
+            </a:r>
+          </a:p>
+        </p:txBody>
+      </p:sp>
+      <p:grpSp>
+        <p:nvGrpSpPr>
+          <p:cNvPr id="20" name="Group 19">
+            <a:extLst>
+              <a:ext uri="{FF2B5EF4-FFF2-40B4-BE49-F238E27FC236}">
+                <a16:creationId xmlns:a16="http://schemas.microsoft.com/office/drawing/2014/main" id="{44D3891D-F2EE-3DDB-C033-A9EF7777B19B}"/>
+              </a:ext>
+            </a:extLst>
+          </p:cNvPr>
+          <p:cNvGrpSpPr/>
+          <p:nvPr/>
+        </p:nvGrpSpPr>
+        <p:grpSpPr>
+          <a:xfrm>
+            <a:off x="1028700" y="4007110"/>
+            <a:ext cx="8635996" cy="1174873"/>
+            <a:chOff x="1226443" y="4243947"/>
+            <a:chExt cx="8635996" cy="1174873"/>
+          </a:xfrm>
+        </p:grpSpPr>
+        <p:sp>
+          <p:nvSpPr>
+            <p:cNvPr id="21" name="Rectangle 20">
+              <a:extLst>
+                <a:ext uri="{FF2B5EF4-FFF2-40B4-BE49-F238E27FC236}">
+                  <a16:creationId xmlns:a16="http://schemas.microsoft.com/office/drawing/2014/main" id="{5E22A25E-BD96-2995-7A95-FB4D6F096FEA}"/>
+                </a:ext>
+              </a:extLst>
+            </p:cNvPr>
+            <p:cNvSpPr/>
+            <p:nvPr/>
+          </p:nvSpPr>
+          <p:spPr>
+            <a:xfrm>
+              <a:off x="1226443" y="4693106"/>
+              <a:ext cx="8635996" cy="725714"/>
+            </a:xfrm>
+            <a:prstGeom prst="rect">
+              <a:avLst/>
+            </a:prstGeom>
+          </p:spPr>
+          <p:style>
+            <a:lnRef idx="2">
+              <a:schemeClr val="accent6"/>
+            </a:lnRef>
+            <a:fillRef idx="1">
+              <a:schemeClr val="lt1"/>
+            </a:fillRef>
+            <a:effectRef idx="0">
+              <a:schemeClr val="accent6"/>
+            </a:effectRef>
+            <a:fontRef idx="minor">
+              <a:schemeClr val="dk1"/>
+            </a:fontRef>
+          </p:style>
+          <p:txBody>
+            <a:bodyPr rtlCol="0" anchor="ctr"/>
+            <a:lstStyle/>
+            <a:p>
+              <a:pPr algn="ctr"/>
+              <a:endParaRPr lang="en-US"/>
+            </a:p>
+          </p:txBody>
+        </p:sp>
+        <p:sp>
+          <p:nvSpPr>
+            <p:cNvPr id="22" name="TextBox 21">
+              <a:extLst>
+                <a:ext uri="{FF2B5EF4-FFF2-40B4-BE49-F238E27FC236}">
+                  <a16:creationId xmlns:a16="http://schemas.microsoft.com/office/drawing/2014/main" id="{2C7F08D9-EDAD-4A4E-BB09-DB59FF8D3A2F}"/>
+                </a:ext>
+              </a:extLst>
+            </p:cNvPr>
+            <p:cNvSpPr txBox="1"/>
+            <p:nvPr/>
+          </p:nvSpPr>
+          <p:spPr>
+            <a:xfrm>
+              <a:off x="4939595" y="4243947"/>
+              <a:ext cx="604846" cy="369332"/>
+            </a:xfrm>
+            <a:prstGeom prst="rect">
+              <a:avLst/>
+            </a:prstGeom>
+            <a:noFill/>
+          </p:spPr>
+          <p:txBody>
+            <a:bodyPr wrap="none" rtlCol="0">
+              <a:spAutoFit/>
+            </a:bodyPr>
+            <a:lstStyle/>
+            <a:p>
+              <a:r>
+                <a:rPr lang="en-US" dirty="0"/>
+                <a:t>.row</a:t>
+              </a:r>
+            </a:p>
+          </p:txBody>
+        </p:sp>
+        <p:sp>
+          <p:nvSpPr>
+            <p:cNvPr id="23" name="Rectangle 22">
+              <a:extLst>
+                <a:ext uri="{FF2B5EF4-FFF2-40B4-BE49-F238E27FC236}">
+                  <a16:creationId xmlns:a16="http://schemas.microsoft.com/office/drawing/2014/main" id="{4218910F-B7DE-6BBB-35E0-C1907346F012}"/>
+                </a:ext>
+              </a:extLst>
+            </p:cNvPr>
+            <p:cNvSpPr/>
+            <p:nvPr/>
+          </p:nvSpPr>
+          <p:spPr>
+            <a:xfrm>
+              <a:off x="1952164" y="4815310"/>
+              <a:ext cx="1347318" cy="481305"/>
+            </a:xfrm>
+            <a:prstGeom prst="rect">
+              <a:avLst/>
+            </a:prstGeom>
+          </p:spPr>
+          <p:style>
+            <a:lnRef idx="2">
+              <a:schemeClr val="accent1">
+                <a:shade val="15000"/>
+              </a:schemeClr>
+            </a:lnRef>
+            <a:fillRef idx="1">
+              <a:schemeClr val="accent1"/>
+            </a:fillRef>
+            <a:effectRef idx="0">
+              <a:schemeClr val="accent1"/>
+            </a:effectRef>
+            <a:fontRef idx="minor">
+              <a:schemeClr val="lt1"/>
+            </a:fontRef>
+          </p:style>
+          <p:txBody>
+            <a:bodyPr rtlCol="0" anchor="ctr"/>
+            <a:lstStyle/>
+            <a:p>
+              <a:pPr algn="ctr"/>
+              <a:r>
+                <a:rPr lang="en-US" dirty="0"/>
+                <a:t>.col</a:t>
+              </a:r>
+            </a:p>
+          </p:txBody>
+        </p:sp>
+        <p:sp>
+          <p:nvSpPr>
+            <p:cNvPr id="24" name="Rectangle 23">
+              <a:extLst>
+                <a:ext uri="{FF2B5EF4-FFF2-40B4-BE49-F238E27FC236}">
+                  <a16:creationId xmlns:a16="http://schemas.microsoft.com/office/drawing/2014/main" id="{B7DDA60D-B939-6CDE-C1A2-4608629E9771}"/>
+                </a:ext>
+              </a:extLst>
+            </p:cNvPr>
+            <p:cNvSpPr/>
+            <p:nvPr/>
+          </p:nvSpPr>
+          <p:spPr>
+            <a:xfrm>
+              <a:off x="3592277" y="4815310"/>
+              <a:ext cx="1347318" cy="481305"/>
+            </a:xfrm>
+            <a:prstGeom prst="rect">
+              <a:avLst/>
+            </a:prstGeom>
+          </p:spPr>
+          <p:style>
+            <a:lnRef idx="2">
+              <a:schemeClr val="accent1">
+                <a:shade val="15000"/>
+              </a:schemeClr>
+            </a:lnRef>
+            <a:fillRef idx="1">
+              <a:schemeClr val="accent1"/>
+            </a:fillRef>
+            <a:effectRef idx="0">
+              <a:schemeClr val="accent1"/>
+            </a:effectRef>
+            <a:fontRef idx="minor">
+              <a:schemeClr val="lt1"/>
+            </a:fontRef>
+          </p:style>
+          <p:txBody>
+            <a:bodyPr rtlCol="0" anchor="ctr"/>
+            <a:lstStyle/>
+            <a:p>
+              <a:pPr algn="ctr"/>
+              <a:r>
+                <a:rPr lang="en-US" dirty="0"/>
+                <a:t>.col</a:t>
+              </a:r>
+            </a:p>
+          </p:txBody>
+        </p:sp>
+        <p:sp>
+          <p:nvSpPr>
+            <p:cNvPr id="25" name="Rectangle 24">
+              <a:extLst>
+                <a:ext uri="{FF2B5EF4-FFF2-40B4-BE49-F238E27FC236}">
+                  <a16:creationId xmlns:a16="http://schemas.microsoft.com/office/drawing/2014/main" id="{37C19EFE-11FE-9510-5FF3-B4DDB62AA56C}"/>
+                </a:ext>
+              </a:extLst>
+            </p:cNvPr>
+            <p:cNvSpPr/>
+            <p:nvPr/>
+          </p:nvSpPr>
+          <p:spPr>
+            <a:xfrm>
+              <a:off x="7430179" y="4815310"/>
+              <a:ext cx="1347318" cy="481305"/>
+            </a:xfrm>
+            <a:prstGeom prst="rect">
+              <a:avLst/>
+            </a:prstGeom>
+          </p:spPr>
+          <p:style>
+            <a:lnRef idx="2">
+              <a:schemeClr val="accent1">
+                <a:shade val="15000"/>
+              </a:schemeClr>
+            </a:lnRef>
+            <a:fillRef idx="1">
+              <a:schemeClr val="accent1"/>
+            </a:fillRef>
+            <a:effectRef idx="0">
+              <a:schemeClr val="accent1"/>
+            </a:effectRef>
+            <a:fontRef idx="minor">
+              <a:schemeClr val="lt1"/>
+            </a:fontRef>
+          </p:style>
+          <p:txBody>
+            <a:bodyPr rtlCol="0" anchor="ctr"/>
+            <a:lstStyle/>
+            <a:p>
+              <a:pPr algn="ctr"/>
+              <a:r>
+                <a:rPr lang="en-US" dirty="0"/>
+                <a:t>.col</a:t>
+              </a:r>
+            </a:p>
+          </p:txBody>
+        </p:sp>
+        <p:sp>
+          <p:nvSpPr>
+            <p:cNvPr id="26" name="Rectangle 25">
+              <a:extLst>
+                <a:ext uri="{FF2B5EF4-FFF2-40B4-BE49-F238E27FC236}">
+                  <a16:creationId xmlns:a16="http://schemas.microsoft.com/office/drawing/2014/main" id="{B20ED1A5-62DC-E781-1FC8-F490312A51CB}"/>
+                </a:ext>
+              </a:extLst>
+            </p:cNvPr>
+            <p:cNvSpPr/>
+            <p:nvPr/>
+          </p:nvSpPr>
+          <p:spPr>
+            <a:xfrm>
+              <a:off x="5702979" y="4841584"/>
+              <a:ext cx="1347318" cy="481305"/>
+            </a:xfrm>
+            <a:prstGeom prst="rect">
+              <a:avLst/>
+            </a:prstGeom>
+          </p:spPr>
+          <p:style>
+            <a:lnRef idx="2">
+              <a:schemeClr val="accent1">
+                <a:shade val="15000"/>
+              </a:schemeClr>
+            </a:lnRef>
+            <a:fillRef idx="1">
+              <a:schemeClr val="accent1"/>
+            </a:fillRef>
+            <a:effectRef idx="0">
+              <a:schemeClr val="accent1"/>
+            </a:effectRef>
+            <a:fontRef idx="minor">
+              <a:schemeClr val="lt1"/>
+            </a:fontRef>
+          </p:style>
+          <p:txBody>
+            <a:bodyPr rtlCol="0" anchor="ctr"/>
+            <a:lstStyle/>
+            <a:p>
+              <a:pPr algn="ctr"/>
+              <a:r>
+                <a:rPr lang="en-US" dirty="0"/>
+                <a:t>.col</a:t>
+              </a:r>
+            </a:p>
+          </p:txBody>
+        </p:sp>
+      </p:grpSp>
+      <p:sp>
+        <p:nvSpPr>
+          <p:cNvPr id="27" name="TextBox 26">
+            <a:extLst>
+              <a:ext uri="{FF2B5EF4-FFF2-40B4-BE49-F238E27FC236}">
+                <a16:creationId xmlns:a16="http://schemas.microsoft.com/office/drawing/2014/main" id="{770F489D-1816-D953-1C60-FF325C9933A6}"/>
+              </a:ext>
+            </a:extLst>
+          </p:cNvPr>
+          <p:cNvSpPr txBox="1"/>
+          <p:nvPr/>
+        </p:nvSpPr>
+        <p:spPr>
+          <a:xfrm>
+            <a:off x="5537786" y="5372936"/>
+            <a:ext cx="946156" cy="369332"/>
+          </a:xfrm>
+          <a:prstGeom prst="rect">
+            <a:avLst/>
+          </a:prstGeom>
+          <a:noFill/>
+        </p:spPr>
+        <p:txBody>
+          <a:bodyPr wrap="none" rtlCol="0">
+            <a:spAutoFit/>
+          </a:bodyPr>
+          <a:lstStyle/>
+          <a:p>
+            <a:r>
+              <a:rPr lang="en-US" dirty="0"/>
+              <a:t>.order-0</a:t>
+            </a:r>
+          </a:p>
+        </p:txBody>
+      </p:sp>
+      <p:sp>
+        <p:nvSpPr>
+          <p:cNvPr id="30" name="TextBox 29">
+            <a:extLst>
+              <a:ext uri="{FF2B5EF4-FFF2-40B4-BE49-F238E27FC236}">
+                <a16:creationId xmlns:a16="http://schemas.microsoft.com/office/drawing/2014/main" id="{8B3D371B-5EC5-6D27-C721-7922E3806466}"/>
+              </a:ext>
+            </a:extLst>
+          </p:cNvPr>
+          <p:cNvSpPr txBox="1"/>
+          <p:nvPr/>
+        </p:nvSpPr>
+        <p:spPr>
+          <a:xfrm>
+            <a:off x="1882367" y="4129891"/>
+            <a:ext cx="1106585" cy="369332"/>
+          </a:xfrm>
+          <a:prstGeom prst="rect">
+            <a:avLst/>
+          </a:prstGeom>
+          <a:noFill/>
+        </p:spPr>
+        <p:txBody>
+          <a:bodyPr wrap="none" rtlCol="0">
+            <a:spAutoFit/>
+          </a:bodyPr>
+          <a:lstStyle/>
+          <a:p>
+            <a:r>
+              <a:rPr lang="en-US" dirty="0"/>
+              <a:t>2 Position</a:t>
+            </a:r>
+          </a:p>
+        </p:txBody>
+      </p:sp>
+      <p:sp>
+        <p:nvSpPr>
+          <p:cNvPr id="31" name="TextBox 30">
+            <a:extLst>
+              <a:ext uri="{FF2B5EF4-FFF2-40B4-BE49-F238E27FC236}">
+                <a16:creationId xmlns:a16="http://schemas.microsoft.com/office/drawing/2014/main" id="{AE3ABF44-28C9-F5EE-A98D-CD47E8370D77}"/>
+              </a:ext>
+            </a:extLst>
+          </p:cNvPr>
+          <p:cNvSpPr txBox="1"/>
+          <p:nvPr/>
+        </p:nvSpPr>
+        <p:spPr>
+          <a:xfrm>
+            <a:off x="3493428" y="4049451"/>
+            <a:ext cx="1106585" cy="369332"/>
+          </a:xfrm>
+          <a:prstGeom prst="rect">
+            <a:avLst/>
+          </a:prstGeom>
+          <a:noFill/>
+        </p:spPr>
+        <p:txBody>
+          <a:bodyPr wrap="none" rtlCol="0">
+            <a:spAutoFit/>
+          </a:bodyPr>
+          <a:lstStyle/>
+          <a:p>
+            <a:r>
+              <a:rPr lang="en-US" dirty="0"/>
+              <a:t>4 Position</a:t>
+            </a:r>
+          </a:p>
+        </p:txBody>
+      </p:sp>
+      <p:sp>
+        <p:nvSpPr>
+          <p:cNvPr id="32" name="TextBox 31">
+            <a:extLst>
+              <a:ext uri="{FF2B5EF4-FFF2-40B4-BE49-F238E27FC236}">
+                <a16:creationId xmlns:a16="http://schemas.microsoft.com/office/drawing/2014/main" id="{81A7453C-822B-1F4F-E448-361B049DE109}"/>
+              </a:ext>
+            </a:extLst>
+          </p:cNvPr>
+          <p:cNvSpPr txBox="1"/>
+          <p:nvPr/>
+        </p:nvSpPr>
+        <p:spPr>
+          <a:xfrm>
+            <a:off x="5625602" y="4068194"/>
+            <a:ext cx="1106585" cy="369332"/>
+          </a:xfrm>
+          <a:prstGeom prst="rect">
+            <a:avLst/>
+          </a:prstGeom>
+          <a:noFill/>
+        </p:spPr>
+        <p:txBody>
+          <a:bodyPr wrap="none" rtlCol="0">
+            <a:spAutoFit/>
+          </a:bodyPr>
+          <a:lstStyle/>
+          <a:p>
+            <a:r>
+              <a:rPr lang="en-US" dirty="0"/>
+              <a:t>1 Position</a:t>
+            </a:r>
+          </a:p>
+        </p:txBody>
+      </p:sp>
+      <p:sp>
+        <p:nvSpPr>
+          <p:cNvPr id="33" name="TextBox 32">
+            <a:extLst>
+              <a:ext uri="{FF2B5EF4-FFF2-40B4-BE49-F238E27FC236}">
+                <a16:creationId xmlns:a16="http://schemas.microsoft.com/office/drawing/2014/main" id="{70D4679C-7FA7-CBC7-E6D9-925BD4EC2C6C}"/>
+              </a:ext>
+            </a:extLst>
+          </p:cNvPr>
+          <p:cNvSpPr txBox="1"/>
+          <p:nvPr/>
+        </p:nvSpPr>
+        <p:spPr>
+          <a:xfrm>
+            <a:off x="7232436" y="3993017"/>
+            <a:ext cx="1106585" cy="369332"/>
+          </a:xfrm>
+          <a:prstGeom prst="rect">
+            <a:avLst/>
+          </a:prstGeom>
+          <a:noFill/>
+        </p:spPr>
+        <p:txBody>
+          <a:bodyPr wrap="none" rtlCol="0">
+            <a:spAutoFit/>
+          </a:bodyPr>
+          <a:lstStyle/>
+          <a:p>
+            <a:r>
+              <a:rPr lang="en-US" dirty="0"/>
+              <a:t>3 Position</a:t>
+            </a:r>
+          </a:p>
+        </p:txBody>
+      </p:sp>
+      <p:sp>
+        <p:nvSpPr>
+          <p:cNvPr id="34" name="TextBox 33">
+            <a:extLst>
+              <a:ext uri="{FF2B5EF4-FFF2-40B4-BE49-F238E27FC236}">
+                <a16:creationId xmlns:a16="http://schemas.microsoft.com/office/drawing/2014/main" id="{EA21BD6C-51D9-CB9F-6928-956F3413D9D3}"/>
+              </a:ext>
+            </a:extLst>
+          </p:cNvPr>
+          <p:cNvSpPr txBox="1"/>
+          <p:nvPr/>
+        </p:nvSpPr>
+        <p:spPr>
+          <a:xfrm>
+            <a:off x="1892690" y="5353033"/>
+            <a:ext cx="946156" cy="369332"/>
+          </a:xfrm>
+          <a:prstGeom prst="rect">
+            <a:avLst/>
+          </a:prstGeom>
+          <a:noFill/>
+        </p:spPr>
+        <p:txBody>
+          <a:bodyPr wrap="none" rtlCol="0">
+            <a:spAutoFit/>
+          </a:bodyPr>
+          <a:lstStyle/>
+          <a:p>
+            <a:r>
+              <a:rPr lang="en-US" dirty="0"/>
+              <a:t>.order-1</a:t>
+            </a:r>
+          </a:p>
+        </p:txBody>
+      </p:sp>
+      <p:sp>
+        <p:nvSpPr>
+          <p:cNvPr id="35" name="TextBox 34">
+            <a:extLst>
+              <a:ext uri="{FF2B5EF4-FFF2-40B4-BE49-F238E27FC236}">
+                <a16:creationId xmlns:a16="http://schemas.microsoft.com/office/drawing/2014/main" id="{F7A02755-6E88-418D-2292-B16EA5441EC9}"/>
+              </a:ext>
+            </a:extLst>
+          </p:cNvPr>
+          <p:cNvSpPr txBox="1"/>
+          <p:nvPr/>
+        </p:nvSpPr>
+        <p:spPr>
+          <a:xfrm>
+            <a:off x="7389802" y="5397085"/>
+            <a:ext cx="946156" cy="369332"/>
+          </a:xfrm>
+          <a:prstGeom prst="rect">
+            <a:avLst/>
+          </a:prstGeom>
+          <a:noFill/>
+        </p:spPr>
+        <p:txBody>
+          <a:bodyPr wrap="none" rtlCol="0">
+            <a:spAutoFit/>
+          </a:bodyPr>
+          <a:lstStyle/>
+          <a:p>
+            <a:r>
+              <a:rPr lang="en-US" dirty="0"/>
+              <a:t>.order-2</a:t>
+            </a:r>
+          </a:p>
+        </p:txBody>
+      </p:sp>
+      <p:sp>
+        <p:nvSpPr>
+          <p:cNvPr id="36" name="TextBox 35">
+            <a:extLst>
+              <a:ext uri="{FF2B5EF4-FFF2-40B4-BE49-F238E27FC236}">
+                <a16:creationId xmlns:a16="http://schemas.microsoft.com/office/drawing/2014/main" id="{E72567EA-ECDB-7D36-1CBD-4A1C3B1F7AFA}"/>
+              </a:ext>
+            </a:extLst>
+          </p:cNvPr>
+          <p:cNvSpPr txBox="1"/>
+          <p:nvPr/>
+        </p:nvSpPr>
+        <p:spPr>
+          <a:xfrm>
+            <a:off x="3653857" y="5353033"/>
+            <a:ext cx="946156" cy="369332"/>
+          </a:xfrm>
+          <a:prstGeom prst="rect">
+            <a:avLst/>
+          </a:prstGeom>
+          <a:noFill/>
+        </p:spPr>
+        <p:txBody>
+          <a:bodyPr wrap="none" rtlCol="0">
+            <a:spAutoFit/>
+          </a:bodyPr>
+          <a:lstStyle/>
+          <a:p>
+            <a:r>
+              <a:rPr lang="en-US" dirty="0"/>
+              <a:t>.order-3</a:t>
+            </a:r>
+          </a:p>
+        </p:txBody>
+      </p:sp>
+    </p:spTree>
+    <p:extLst>
+      <p:ext uri="{BB962C8B-B14F-4D97-AF65-F5344CB8AC3E}">
+        <p14:creationId xmlns:p14="http://schemas.microsoft.com/office/powerpoint/2010/main" val="3613726266"/>
+      </p:ext>
+    </p:extLst>
+  </p:cSld>
+  <p:clrMapOvr>
+    <a:masterClrMapping/>
+  </p:clrMapOvr>
+</p:sld>
+</file>
+
+<file path=ppt/slides/slide24.xml><?xml version="1.0" encoding="utf-8"?>
+<p:sld xmlns:a="http://schemas.openxmlformats.org/drawingml/2006/main" xmlns:r="http://schemas.openxmlformats.org/officeDocument/2006/relationships" xmlns:p="http://schemas.openxmlformats.org/presentationml/2006/main">
+  <p:cSld>
+    <p:spTree>
+      <p:nvGrpSpPr>
+        <p:cNvPr id="1" name=""/>
+        <p:cNvGrpSpPr/>
+        <p:nvPr/>
+      </p:nvGrpSpPr>
+      <p:grpSpPr>
+        <a:xfrm>
+          <a:off x="0" y="0"/>
+          <a:ext cx="0" cy="0"/>
+          <a:chOff x="0" y="0"/>
+          <a:chExt cx="0" cy="0"/>
+        </a:xfrm>
+      </p:grpSpPr>
+      <p:sp>
+        <p:nvSpPr>
+          <p:cNvPr id="2" name="Title 1">
+            <a:extLst>
+              <a:ext uri="{FF2B5EF4-FFF2-40B4-BE49-F238E27FC236}">
+                <a16:creationId xmlns:a16="http://schemas.microsoft.com/office/drawing/2014/main" id="{406C985F-6E65-08BF-5134-6D186EB62C5B}"/>
+              </a:ext>
+            </a:extLst>
+          </p:cNvPr>
+          <p:cNvSpPr>
+            <a:spLocks noGrp="1"/>
+          </p:cNvSpPr>
+          <p:nvPr>
+            <p:ph type="title"/>
+          </p:nvPr>
+        </p:nvSpPr>
+        <p:spPr/>
+        <p:txBody>
+          <a:bodyPr/>
+          <a:lstStyle/>
+          <a:p>
+            <a:r>
+              <a:rPr lang="en-US" dirty="0"/>
+              <a:t>Break Points</a:t>
+            </a:r>
+          </a:p>
+        </p:txBody>
+      </p:sp>
+      <p:sp>
+        <p:nvSpPr>
+          <p:cNvPr id="4" name="TextBox 3">
+            <a:extLst>
+              <a:ext uri="{FF2B5EF4-FFF2-40B4-BE49-F238E27FC236}">
+                <a16:creationId xmlns:a16="http://schemas.microsoft.com/office/drawing/2014/main" id="{7B24BBCD-0454-41A2-B15C-492317DF3220}"/>
+              </a:ext>
+            </a:extLst>
+          </p:cNvPr>
+          <p:cNvSpPr txBox="1"/>
+          <p:nvPr/>
+        </p:nvSpPr>
+        <p:spPr>
+          <a:xfrm>
+            <a:off x="1756229" y="1690688"/>
+            <a:ext cx="6020238" cy="1754326"/>
+          </a:xfrm>
+          <a:prstGeom prst="rect">
+            <a:avLst/>
+          </a:prstGeom>
+          <a:noFill/>
+        </p:spPr>
+        <p:txBody>
+          <a:bodyPr wrap="none" rtlCol="0">
+            <a:spAutoFit/>
+          </a:bodyPr>
+          <a:lstStyle/>
+          <a:p>
+            <a:r>
+              <a:rPr lang="en-US" dirty="0"/>
+              <a:t>Extra large		</a:t>
+            </a:r>
+            <a:r>
+              <a:rPr lang="en-US" dirty="0">
+                <a:sym typeface="Wingdings" panose="05000000000000000000" pitchFamily="2" charset="2"/>
+              </a:rPr>
+              <a:t> order-xl-first, .order-xl-last</a:t>
+            </a:r>
+          </a:p>
+          <a:p>
+            <a:r>
+              <a:rPr lang="en-US" dirty="0">
+                <a:sym typeface="Wingdings" panose="05000000000000000000" pitchFamily="2" charset="2"/>
+              </a:rPr>
+              <a:t>Large			 order-lg-first, .order-lg-last</a:t>
+            </a:r>
+          </a:p>
+          <a:p>
+            <a:r>
+              <a:rPr lang="en-US" dirty="0">
+                <a:sym typeface="Wingdings" panose="05000000000000000000" pitchFamily="2" charset="2"/>
+              </a:rPr>
+              <a:t>Medium			 order-md-first, .order-md-last</a:t>
+            </a:r>
+          </a:p>
+          <a:p>
+            <a:endParaRPr lang="en-US" dirty="0">
+              <a:sym typeface="Wingdings" panose="05000000000000000000" pitchFamily="2" charset="2"/>
+            </a:endParaRPr>
+          </a:p>
+          <a:p>
+            <a:r>
+              <a:rPr lang="en-US" dirty="0">
+                <a:sym typeface="Wingdings" panose="05000000000000000000" pitchFamily="2" charset="2"/>
+              </a:rPr>
+              <a:t>Small			 order-</a:t>
+            </a:r>
+            <a:r>
+              <a:rPr lang="en-US" dirty="0" err="1">
+                <a:sym typeface="Wingdings" panose="05000000000000000000" pitchFamily="2" charset="2"/>
+              </a:rPr>
+              <a:t>sm</a:t>
+            </a:r>
+            <a:r>
+              <a:rPr lang="en-US" dirty="0">
+                <a:sym typeface="Wingdings" panose="05000000000000000000" pitchFamily="2" charset="2"/>
+              </a:rPr>
+              <a:t>-first, .order-</a:t>
+            </a:r>
+            <a:r>
+              <a:rPr lang="en-US" dirty="0" err="1">
+                <a:sym typeface="Wingdings" panose="05000000000000000000" pitchFamily="2" charset="2"/>
+              </a:rPr>
+              <a:t>sm</a:t>
+            </a:r>
+            <a:r>
+              <a:rPr lang="en-US" dirty="0">
+                <a:sym typeface="Wingdings" panose="05000000000000000000" pitchFamily="2" charset="2"/>
+              </a:rPr>
+              <a:t>-last</a:t>
+            </a:r>
+          </a:p>
+          <a:p>
+            <a:endParaRPr lang="en-US" dirty="0">
+              <a:sym typeface="Wingdings" panose="05000000000000000000" pitchFamily="2" charset="2"/>
+            </a:endParaRPr>
+          </a:p>
+        </p:txBody>
+      </p:sp>
+    </p:spTree>
+    <p:extLst>
+      <p:ext uri="{BB962C8B-B14F-4D97-AF65-F5344CB8AC3E}">
+        <p14:creationId xmlns:p14="http://schemas.microsoft.com/office/powerpoint/2010/main" val="858911785"/>
+      </p:ext>
+    </p:extLst>
+  </p:cSld>
+  <p:clrMapOvr>
+    <a:masterClrMapping/>
+  </p:clrMapOvr>
+</p:sld>
+</file>
+
+<file path=ppt/slides/slide25.xml><?xml version="1.0" encoding="utf-8"?>
+<p:sld xmlns:a="http://schemas.openxmlformats.org/drawingml/2006/main" xmlns:r="http://schemas.openxmlformats.org/officeDocument/2006/relationships" xmlns:p="http://schemas.openxmlformats.org/presentationml/2006/main">
+  <p:cSld>
+    <p:spTree>
+      <p:nvGrpSpPr>
+        <p:cNvPr id="1" name=""/>
+        <p:cNvGrpSpPr/>
+        <p:nvPr/>
+      </p:nvGrpSpPr>
+      <p:grpSpPr>
+        <a:xfrm>
+          <a:off x="0" y="0"/>
+          <a:ext cx="0" cy="0"/>
+          <a:chOff x="0" y="0"/>
+          <a:chExt cx="0" cy="0"/>
+        </a:xfrm>
+      </p:grpSpPr>
+      <p:sp>
+        <p:nvSpPr>
+          <p:cNvPr id="2" name="Title 1">
+            <a:extLst>
+              <a:ext uri="{FF2B5EF4-FFF2-40B4-BE49-F238E27FC236}">
+                <a16:creationId xmlns:a16="http://schemas.microsoft.com/office/drawing/2014/main" id="{D54288D2-7EF3-A21C-CDA3-316C3D901ADB}"/>
+              </a:ext>
+            </a:extLst>
+          </p:cNvPr>
+          <p:cNvSpPr>
+            <a:spLocks noGrp="1"/>
+          </p:cNvSpPr>
+          <p:nvPr>
+            <p:ph type="title"/>
+          </p:nvPr>
+        </p:nvSpPr>
+        <p:spPr/>
+        <p:txBody>
+          <a:bodyPr/>
+          <a:lstStyle/>
+          <a:p>
+            <a:r>
+              <a:rPr lang="en-US" dirty="0"/>
+              <a:t>Nesting</a:t>
+            </a:r>
+          </a:p>
+        </p:txBody>
+      </p:sp>
+      <p:grpSp>
+        <p:nvGrpSpPr>
+          <p:cNvPr id="4" name="Group 3">
+            <a:extLst>
+              <a:ext uri="{FF2B5EF4-FFF2-40B4-BE49-F238E27FC236}">
+                <a16:creationId xmlns:a16="http://schemas.microsoft.com/office/drawing/2014/main" id="{676ABAA1-CFB1-2099-D4F9-8D95BFC5CFD9}"/>
+              </a:ext>
+            </a:extLst>
+          </p:cNvPr>
+          <p:cNvGrpSpPr/>
+          <p:nvPr/>
+        </p:nvGrpSpPr>
+        <p:grpSpPr>
+          <a:xfrm>
+            <a:off x="1560288" y="2062196"/>
+            <a:ext cx="8635996" cy="1996880"/>
+            <a:chOff x="1226443" y="4243947"/>
+            <a:chExt cx="8635996" cy="1996880"/>
+          </a:xfrm>
+        </p:grpSpPr>
+        <p:sp>
+          <p:nvSpPr>
+            <p:cNvPr id="5" name="Rectangle 4">
+              <a:extLst>
+                <a:ext uri="{FF2B5EF4-FFF2-40B4-BE49-F238E27FC236}">
+                  <a16:creationId xmlns:a16="http://schemas.microsoft.com/office/drawing/2014/main" id="{8A4C0C7C-11F8-7C54-38F6-15ADD6E8DC6B}"/>
+                </a:ext>
+              </a:extLst>
+            </p:cNvPr>
+            <p:cNvSpPr/>
+            <p:nvPr/>
+          </p:nvSpPr>
+          <p:spPr>
+            <a:xfrm>
+              <a:off x="1226443" y="4693106"/>
+              <a:ext cx="8635996" cy="725714"/>
+            </a:xfrm>
+            <a:prstGeom prst="rect">
+              <a:avLst/>
+            </a:prstGeom>
+          </p:spPr>
+          <p:style>
+            <a:lnRef idx="2">
+              <a:schemeClr val="accent6"/>
+            </a:lnRef>
+            <a:fillRef idx="1">
+              <a:schemeClr val="lt1"/>
+            </a:fillRef>
+            <a:effectRef idx="0">
+              <a:schemeClr val="accent6"/>
+            </a:effectRef>
+            <a:fontRef idx="minor">
+              <a:schemeClr val="dk1"/>
+            </a:fontRef>
+          </p:style>
+          <p:txBody>
+            <a:bodyPr rtlCol="0" anchor="ctr"/>
+            <a:lstStyle/>
+            <a:p>
+              <a:pPr algn="ctr"/>
+              <a:endParaRPr lang="en-US"/>
+            </a:p>
+          </p:txBody>
+        </p:sp>
+        <p:sp>
+          <p:nvSpPr>
+            <p:cNvPr id="6" name="TextBox 5">
+              <a:extLst>
+                <a:ext uri="{FF2B5EF4-FFF2-40B4-BE49-F238E27FC236}">
+                  <a16:creationId xmlns:a16="http://schemas.microsoft.com/office/drawing/2014/main" id="{29E7A7BB-BE7D-AE04-78DB-9BCDFB3602F8}"/>
+                </a:ext>
+              </a:extLst>
+            </p:cNvPr>
+            <p:cNvSpPr txBox="1"/>
+            <p:nvPr/>
+          </p:nvSpPr>
+          <p:spPr>
+            <a:xfrm>
+              <a:off x="4939595" y="4243947"/>
+              <a:ext cx="604846" cy="369332"/>
+            </a:xfrm>
+            <a:prstGeom prst="rect">
+              <a:avLst/>
+            </a:prstGeom>
+            <a:noFill/>
+          </p:spPr>
+          <p:txBody>
+            <a:bodyPr wrap="none" rtlCol="0">
+              <a:spAutoFit/>
+            </a:bodyPr>
+            <a:lstStyle/>
+            <a:p>
+              <a:r>
+                <a:rPr lang="en-US" dirty="0"/>
+                <a:t>.row</a:t>
+              </a:r>
+            </a:p>
+          </p:txBody>
+        </p:sp>
+        <p:sp>
+          <p:nvSpPr>
+            <p:cNvPr id="7" name="Rectangle 6">
+              <a:extLst>
+                <a:ext uri="{FF2B5EF4-FFF2-40B4-BE49-F238E27FC236}">
+                  <a16:creationId xmlns:a16="http://schemas.microsoft.com/office/drawing/2014/main" id="{949DEB0D-5FA3-268E-29B8-2561052F5CD4}"/>
+                </a:ext>
+              </a:extLst>
+            </p:cNvPr>
+            <p:cNvSpPr/>
+            <p:nvPr/>
+          </p:nvSpPr>
+          <p:spPr>
+            <a:xfrm>
+              <a:off x="1952163" y="4815310"/>
+              <a:ext cx="4405077" cy="481305"/>
+            </a:xfrm>
+            <a:prstGeom prst="rect">
+              <a:avLst/>
+            </a:prstGeom>
+          </p:spPr>
+          <p:style>
+            <a:lnRef idx="2">
+              <a:schemeClr val="accent1">
+                <a:shade val="15000"/>
+              </a:schemeClr>
+            </a:lnRef>
+            <a:fillRef idx="1">
+              <a:schemeClr val="accent1"/>
+            </a:fillRef>
+            <a:effectRef idx="0">
+              <a:schemeClr val="accent1"/>
+            </a:effectRef>
+            <a:fontRef idx="minor">
+              <a:schemeClr val="lt1"/>
+            </a:fontRef>
+          </p:style>
+          <p:txBody>
+            <a:bodyPr rtlCol="0" anchor="ctr"/>
+            <a:lstStyle/>
+            <a:p>
+              <a:pPr algn="ctr"/>
+              <a:r>
+                <a:rPr lang="en-US" dirty="0"/>
+                <a:t>.col-md-8</a:t>
+              </a:r>
+            </a:p>
+          </p:txBody>
+        </p:sp>
+        <p:sp>
+          <p:nvSpPr>
+            <p:cNvPr id="8" name="Rectangle 7">
+              <a:extLst>
+                <a:ext uri="{FF2B5EF4-FFF2-40B4-BE49-F238E27FC236}">
+                  <a16:creationId xmlns:a16="http://schemas.microsoft.com/office/drawing/2014/main" id="{432167FB-FC9E-80E7-854C-DFFDEA0C43B8}"/>
+                </a:ext>
+              </a:extLst>
+            </p:cNvPr>
+            <p:cNvSpPr/>
+            <p:nvPr/>
+          </p:nvSpPr>
+          <p:spPr>
+            <a:xfrm>
+              <a:off x="6705584" y="4815310"/>
+              <a:ext cx="2544754" cy="481305"/>
+            </a:xfrm>
+            <a:prstGeom prst="rect">
+              <a:avLst/>
+            </a:prstGeom>
+          </p:spPr>
+          <p:style>
+            <a:lnRef idx="2">
+              <a:schemeClr val="accent1">
+                <a:shade val="15000"/>
+              </a:schemeClr>
+            </a:lnRef>
+            <a:fillRef idx="1">
+              <a:schemeClr val="accent1"/>
+            </a:fillRef>
+            <a:effectRef idx="0">
+              <a:schemeClr val="accent1"/>
+            </a:effectRef>
+            <a:fontRef idx="minor">
+              <a:schemeClr val="lt1"/>
+            </a:fontRef>
+          </p:style>
+          <p:txBody>
+            <a:bodyPr rtlCol="0" anchor="ctr"/>
+            <a:lstStyle/>
+            <a:p>
+              <a:pPr algn="ctr"/>
+              <a:r>
+                <a:rPr lang="en-US" dirty="0"/>
+                <a:t>.col-md-4</a:t>
+              </a:r>
+            </a:p>
+          </p:txBody>
+        </p:sp>
+        <p:sp>
+          <p:nvSpPr>
+            <p:cNvPr id="19" name="Rectangle 18">
+              <a:extLst>
+                <a:ext uri="{FF2B5EF4-FFF2-40B4-BE49-F238E27FC236}">
+                  <a16:creationId xmlns:a16="http://schemas.microsoft.com/office/drawing/2014/main" id="{8B738177-F8FD-3B73-EF39-5029975DF7C6}"/>
+                </a:ext>
+              </a:extLst>
+            </p:cNvPr>
+            <p:cNvSpPr/>
+            <p:nvPr/>
+          </p:nvSpPr>
+          <p:spPr>
+            <a:xfrm>
+              <a:off x="1952163" y="5758182"/>
+              <a:ext cx="2198906" cy="481305"/>
+            </a:xfrm>
+            <a:prstGeom prst="rect">
+              <a:avLst/>
+            </a:prstGeom>
+          </p:spPr>
+          <p:style>
+            <a:lnRef idx="2">
+              <a:schemeClr val="accent1">
+                <a:shade val="15000"/>
+              </a:schemeClr>
+            </a:lnRef>
+            <a:fillRef idx="1">
+              <a:schemeClr val="accent1"/>
+            </a:fillRef>
+            <a:effectRef idx="0">
+              <a:schemeClr val="accent1"/>
+            </a:effectRef>
+            <a:fontRef idx="minor">
+              <a:schemeClr val="lt1"/>
+            </a:fontRef>
+          </p:style>
+          <p:txBody>
+            <a:bodyPr rtlCol="0" anchor="ctr"/>
+            <a:lstStyle/>
+            <a:p>
+              <a:pPr algn="ctr"/>
+              <a:r>
+                <a:rPr lang="en-US" dirty="0"/>
+                <a:t>.col-md-6</a:t>
+              </a:r>
+            </a:p>
+          </p:txBody>
+        </p:sp>
+        <p:sp>
+          <p:nvSpPr>
+            <p:cNvPr id="20" name="Rectangle 19">
+              <a:extLst>
+                <a:ext uri="{FF2B5EF4-FFF2-40B4-BE49-F238E27FC236}">
+                  <a16:creationId xmlns:a16="http://schemas.microsoft.com/office/drawing/2014/main" id="{73FF8B03-E05D-79AC-A1AF-A1CF134E7826}"/>
+                </a:ext>
+              </a:extLst>
+            </p:cNvPr>
+            <p:cNvSpPr/>
+            <p:nvPr/>
+          </p:nvSpPr>
+          <p:spPr>
+            <a:xfrm>
+              <a:off x="4158335" y="5759522"/>
+              <a:ext cx="2198905" cy="481305"/>
+            </a:xfrm>
+            <a:prstGeom prst="rect">
+              <a:avLst/>
+            </a:prstGeom>
+          </p:spPr>
+          <p:style>
+            <a:lnRef idx="2">
+              <a:schemeClr val="accent1">
+                <a:shade val="15000"/>
+              </a:schemeClr>
+            </a:lnRef>
+            <a:fillRef idx="1">
+              <a:schemeClr val="accent1"/>
+            </a:fillRef>
+            <a:effectRef idx="0">
+              <a:schemeClr val="accent1"/>
+            </a:effectRef>
+            <a:fontRef idx="minor">
+              <a:schemeClr val="lt1"/>
+            </a:fontRef>
+          </p:style>
+          <p:txBody>
+            <a:bodyPr rtlCol="0" anchor="ctr"/>
+            <a:lstStyle/>
+            <a:p>
+              <a:pPr algn="ctr"/>
+              <a:r>
+                <a:rPr lang="en-US" dirty="0"/>
+                <a:t>.col-md-6</a:t>
+              </a:r>
+            </a:p>
+          </p:txBody>
+        </p:sp>
+      </p:grpSp>
+    </p:spTree>
+    <p:extLst>
+      <p:ext uri="{BB962C8B-B14F-4D97-AF65-F5344CB8AC3E}">
+        <p14:creationId xmlns:p14="http://schemas.microsoft.com/office/powerpoint/2010/main" val="3726196703"/>
+      </p:ext>
+    </p:extLst>
+  </p:cSld>
+  <p:clrMapOvr>
+    <a:masterClrMapping/>
+  </p:clrMapOvr>
+</p:sld>
+</file>
+
+<file path=ppt/slides/slide26.xml><?xml version="1.0" encoding="utf-8"?>
+<p:sld xmlns:a="http://schemas.openxmlformats.org/drawingml/2006/main" xmlns:r="http://schemas.openxmlformats.org/officeDocument/2006/relationships" xmlns:p="http://schemas.openxmlformats.org/presentationml/2006/main">
+  <p:cSld>
+    <p:spTree>
+      <p:nvGrpSpPr>
+        <p:cNvPr id="1" name=""/>
+        <p:cNvGrpSpPr/>
+        <p:nvPr/>
+      </p:nvGrpSpPr>
+      <p:grpSpPr>
+        <a:xfrm>
+          <a:off x="0" y="0"/>
+          <a:ext cx="0" cy="0"/>
+          <a:chOff x="0" y="0"/>
+          <a:chExt cx="0" cy="0"/>
+        </a:xfrm>
+      </p:grpSpPr>
+      <p:sp>
+        <p:nvSpPr>
+          <p:cNvPr id="2" name="Title 1">
+            <a:extLst>
+              <a:ext uri="{FF2B5EF4-FFF2-40B4-BE49-F238E27FC236}">
+                <a16:creationId xmlns:a16="http://schemas.microsoft.com/office/drawing/2014/main" id="{F0738682-6136-9F55-F88D-DA9C5142DF2B}"/>
+              </a:ext>
+            </a:extLst>
+          </p:cNvPr>
+          <p:cNvSpPr>
+            <a:spLocks noGrp="1"/>
+          </p:cNvSpPr>
+          <p:nvPr>
+            <p:ph type="title"/>
+          </p:nvPr>
+        </p:nvSpPr>
+        <p:spPr/>
+        <p:txBody>
+          <a:bodyPr/>
+          <a:lstStyle/>
+          <a:p>
+            <a:r>
+              <a:rPr lang="en-US" dirty="0"/>
+              <a:t>Margin Classes</a:t>
+            </a:r>
+          </a:p>
+        </p:txBody>
+      </p:sp>
+      <p:sp>
+        <p:nvSpPr>
+          <p:cNvPr id="3" name="Content Placeholder 2">
+            <a:extLst>
+              <a:ext uri="{FF2B5EF4-FFF2-40B4-BE49-F238E27FC236}">
+                <a16:creationId xmlns:a16="http://schemas.microsoft.com/office/drawing/2014/main" id="{21D6D806-83C3-3F3F-5764-232F821AC72A}"/>
+              </a:ext>
+            </a:extLst>
+          </p:cNvPr>
+          <p:cNvSpPr>
+            <a:spLocks noGrp="1"/>
+          </p:cNvSpPr>
+          <p:nvPr>
+            <p:ph idx="1"/>
+          </p:nvPr>
+        </p:nvSpPr>
+        <p:spPr/>
+        <p:txBody>
+          <a:bodyPr/>
+          <a:lstStyle/>
+          <a:p>
+            <a:endParaRPr lang="en-US"/>
+          </a:p>
+        </p:txBody>
+      </p:sp>
+    </p:spTree>
+    <p:extLst>
+      <p:ext uri="{BB962C8B-B14F-4D97-AF65-F5344CB8AC3E}">
+        <p14:creationId xmlns:p14="http://schemas.microsoft.com/office/powerpoint/2010/main" val="3531564809"/>
+      </p:ext>
+    </p:extLst>
+  </p:cSld>
+  <p:clrMapOvr>
+    <a:masterClrMapping/>
+  </p:clrMapOvr>
+</p:sld>
+</file>
+
 <file path=ppt/slides/slide3.xml><?xml version="1.0" encoding="utf-8"?>
 <p:sld xmlns:a="http://schemas.openxmlformats.org/drawingml/2006/main" xmlns:r="http://schemas.openxmlformats.org/officeDocument/2006/relationships" xmlns:p="http://schemas.openxmlformats.org/presentationml/2006/main">
   <p:cSld>

--- a/Bootstrap.pptx
+++ b/Bootstrap.pptx
@@ -31,6 +31,11 @@
     <p:sldId id="280" r:id="rId25"/>
     <p:sldId id="281" r:id="rId26"/>
     <p:sldId id="282" r:id="rId27"/>
+    <p:sldId id="283" r:id="rId28"/>
+    <p:sldId id="284" r:id="rId29"/>
+    <p:sldId id="285" r:id="rId30"/>
+    <p:sldId id="286" r:id="rId31"/>
+    <p:sldId id="287" r:id="rId32"/>
   </p:sldIdLst>
   <p:sldSz cx="12192000" cy="6858000"/>
   <p:notesSz cx="6858000" cy="9144000"/>
@@ -284,7 +289,7 @@
           <a:p>
             <a:fld id="{5DA42134-4FE6-4A1E-8902-9959BF8D3D41}" type="datetimeFigureOut">
               <a:rPr lang="en-US" smtClean="0"/>
-              <a:t>7/19/2024</a:t>
+              <a:t>7/22/2024</a:t>
             </a:fld>
             <a:endParaRPr lang="en-US"/>
           </a:p>
@@ -482,7 +487,7 @@
           <a:p>
             <a:fld id="{5DA42134-4FE6-4A1E-8902-9959BF8D3D41}" type="datetimeFigureOut">
               <a:rPr lang="en-US" smtClean="0"/>
-              <a:t>7/19/2024</a:t>
+              <a:t>7/22/2024</a:t>
             </a:fld>
             <a:endParaRPr lang="en-US"/>
           </a:p>
@@ -690,7 +695,7 @@
           <a:p>
             <a:fld id="{5DA42134-4FE6-4A1E-8902-9959BF8D3D41}" type="datetimeFigureOut">
               <a:rPr lang="en-US" smtClean="0"/>
-              <a:t>7/19/2024</a:t>
+              <a:t>7/22/2024</a:t>
             </a:fld>
             <a:endParaRPr lang="en-US"/>
           </a:p>
@@ -888,7 +893,7 @@
           <a:p>
             <a:fld id="{5DA42134-4FE6-4A1E-8902-9959BF8D3D41}" type="datetimeFigureOut">
               <a:rPr lang="en-US" smtClean="0"/>
-              <a:t>7/19/2024</a:t>
+              <a:t>7/22/2024</a:t>
             </a:fld>
             <a:endParaRPr lang="en-US"/>
           </a:p>
@@ -1163,7 +1168,7 @@
           <a:p>
             <a:fld id="{5DA42134-4FE6-4A1E-8902-9959BF8D3D41}" type="datetimeFigureOut">
               <a:rPr lang="en-US" smtClean="0"/>
-              <a:t>7/19/2024</a:t>
+              <a:t>7/22/2024</a:t>
             </a:fld>
             <a:endParaRPr lang="en-US"/>
           </a:p>
@@ -1428,7 +1433,7 @@
           <a:p>
             <a:fld id="{5DA42134-4FE6-4A1E-8902-9959BF8D3D41}" type="datetimeFigureOut">
               <a:rPr lang="en-US" smtClean="0"/>
-              <a:t>7/19/2024</a:t>
+              <a:t>7/22/2024</a:t>
             </a:fld>
             <a:endParaRPr lang="en-US"/>
           </a:p>
@@ -1840,7 +1845,7 @@
           <a:p>
             <a:fld id="{5DA42134-4FE6-4A1E-8902-9959BF8D3D41}" type="datetimeFigureOut">
               <a:rPr lang="en-US" smtClean="0"/>
-              <a:t>7/19/2024</a:t>
+              <a:t>7/22/2024</a:t>
             </a:fld>
             <a:endParaRPr lang="en-US"/>
           </a:p>
@@ -1981,7 +1986,7 @@
           <a:p>
             <a:fld id="{5DA42134-4FE6-4A1E-8902-9959BF8D3D41}" type="datetimeFigureOut">
               <a:rPr lang="en-US" smtClean="0"/>
-              <a:t>7/19/2024</a:t>
+              <a:t>7/22/2024</a:t>
             </a:fld>
             <a:endParaRPr lang="en-US"/>
           </a:p>
@@ -2094,7 +2099,7 @@
           <a:p>
             <a:fld id="{5DA42134-4FE6-4A1E-8902-9959BF8D3D41}" type="datetimeFigureOut">
               <a:rPr lang="en-US" smtClean="0"/>
-              <a:t>7/19/2024</a:t>
+              <a:t>7/22/2024</a:t>
             </a:fld>
             <a:endParaRPr lang="en-US"/>
           </a:p>
@@ -2405,7 +2410,7 @@
           <a:p>
             <a:fld id="{5DA42134-4FE6-4A1E-8902-9959BF8D3D41}" type="datetimeFigureOut">
               <a:rPr lang="en-US" smtClean="0"/>
-              <a:t>7/19/2024</a:t>
+              <a:t>7/22/2024</a:t>
             </a:fld>
             <a:endParaRPr lang="en-US"/>
           </a:p>
@@ -2693,7 +2698,7 @@
           <a:p>
             <a:fld id="{5DA42134-4FE6-4A1E-8902-9959BF8D3D41}" type="datetimeFigureOut">
               <a:rPr lang="en-US" smtClean="0"/>
-              <a:t>7/19/2024</a:t>
+              <a:t>7/22/2024</a:t>
             </a:fld>
             <a:endParaRPr lang="en-US"/>
           </a:p>
@@ -2934,7 +2939,7 @@
           <a:p>
             <a:fld id="{5DA42134-4FE6-4A1E-8902-9959BF8D3D41}" type="datetimeFigureOut">
               <a:rPr lang="en-US" smtClean="0"/>
-              <a:t>7/19/2024</a:t>
+              <a:t>7/22/2024</a:t>
             </a:fld>
             <a:endParaRPr lang="en-US"/>
           </a:p>
@@ -11740,10 +11745,565 @@
       </p:sp>
       <p:sp>
         <p:nvSpPr>
+          <p:cNvPr id="5" name="Rectangle 4">
+            <a:extLst>
+              <a:ext uri="{FF2B5EF4-FFF2-40B4-BE49-F238E27FC236}">
+                <a16:creationId xmlns:a16="http://schemas.microsoft.com/office/drawing/2014/main" id="{7D08809E-43C7-426F-146E-F5D61E6B9049}"/>
+              </a:ext>
+            </a:extLst>
+          </p:cNvPr>
+          <p:cNvSpPr/>
+          <p:nvPr/>
+        </p:nvSpPr>
+        <p:spPr>
+          <a:xfrm>
+            <a:off x="1778002" y="1574687"/>
+            <a:ext cx="8635996" cy="725714"/>
+          </a:xfrm>
+          <a:prstGeom prst="rect">
+            <a:avLst/>
+          </a:prstGeom>
+        </p:spPr>
+        <p:style>
+          <a:lnRef idx="2">
+            <a:schemeClr val="accent6"/>
+          </a:lnRef>
+          <a:fillRef idx="1">
+            <a:schemeClr val="lt1"/>
+          </a:fillRef>
+          <a:effectRef idx="0">
+            <a:schemeClr val="accent6"/>
+          </a:effectRef>
+          <a:fontRef idx="minor">
+            <a:schemeClr val="dk1"/>
+          </a:fontRef>
+        </p:style>
+        <p:txBody>
+          <a:bodyPr rtlCol="0" anchor="ctr"/>
+          <a:lstStyle/>
+          <a:p>
+            <a:pPr algn="ctr"/>
+            <a:endParaRPr lang="en-US"/>
+          </a:p>
+        </p:txBody>
+      </p:sp>
+      <p:sp>
+        <p:nvSpPr>
+          <p:cNvPr id="6" name="TextBox 5">
+            <a:extLst>
+              <a:ext uri="{FF2B5EF4-FFF2-40B4-BE49-F238E27FC236}">
+                <a16:creationId xmlns:a16="http://schemas.microsoft.com/office/drawing/2014/main" id="{76D31BD3-AEF3-7B52-E060-99F3383A2EC5}"/>
+              </a:ext>
+            </a:extLst>
+          </p:cNvPr>
+          <p:cNvSpPr txBox="1"/>
+          <p:nvPr/>
+        </p:nvSpPr>
+        <p:spPr>
+          <a:xfrm>
+            <a:off x="5491154" y="1125528"/>
+            <a:ext cx="604846" cy="369332"/>
+          </a:xfrm>
+          <a:prstGeom prst="rect">
+            <a:avLst/>
+          </a:prstGeom>
+          <a:noFill/>
+        </p:spPr>
+        <p:txBody>
+          <a:bodyPr wrap="none" rtlCol="0">
+            <a:spAutoFit/>
+          </a:bodyPr>
+          <a:lstStyle/>
+          <a:p>
+            <a:r>
+              <a:rPr lang="en-US" dirty="0"/>
+              <a:t>.row</a:t>
+            </a:r>
+          </a:p>
+        </p:txBody>
+      </p:sp>
+      <p:sp>
+        <p:nvSpPr>
+          <p:cNvPr id="8" name="Rectangle 7">
+            <a:extLst>
+              <a:ext uri="{FF2B5EF4-FFF2-40B4-BE49-F238E27FC236}">
+                <a16:creationId xmlns:a16="http://schemas.microsoft.com/office/drawing/2014/main" id="{F3E136BE-7F7F-F5ED-ACD8-6F1524DED1E6}"/>
+              </a:ext>
+            </a:extLst>
+          </p:cNvPr>
+          <p:cNvSpPr/>
+          <p:nvPr/>
+        </p:nvSpPr>
+        <p:spPr>
+          <a:xfrm>
+            <a:off x="1947426" y="1708742"/>
+            <a:ext cx="2544754" cy="481305"/>
+          </a:xfrm>
+          <a:prstGeom prst="rect">
+            <a:avLst/>
+          </a:prstGeom>
+        </p:spPr>
+        <p:style>
+          <a:lnRef idx="2">
+            <a:schemeClr val="accent1">
+              <a:shade val="15000"/>
+            </a:schemeClr>
+          </a:lnRef>
+          <a:fillRef idx="1">
+            <a:schemeClr val="accent1"/>
+          </a:fillRef>
+          <a:effectRef idx="0">
+            <a:schemeClr val="accent1"/>
+          </a:effectRef>
+          <a:fontRef idx="minor">
+            <a:schemeClr val="lt1"/>
+          </a:fontRef>
+        </p:style>
+        <p:txBody>
+          <a:bodyPr rtlCol="0" anchor="ctr"/>
+          <a:lstStyle/>
+          <a:p>
+            <a:pPr algn="ctr"/>
+            <a:r>
+              <a:rPr lang="en-US" dirty="0"/>
+              <a:t>.col-md-4</a:t>
+            </a:r>
+          </a:p>
+        </p:txBody>
+      </p:sp>
+      <p:sp>
+        <p:nvSpPr>
+          <p:cNvPr id="11" name="Rectangle 10">
+            <a:extLst>
+              <a:ext uri="{FF2B5EF4-FFF2-40B4-BE49-F238E27FC236}">
+                <a16:creationId xmlns:a16="http://schemas.microsoft.com/office/drawing/2014/main" id="{CE44636A-EEF5-B441-7440-CB181958BEBE}"/>
+              </a:ext>
+            </a:extLst>
+          </p:cNvPr>
+          <p:cNvSpPr/>
+          <p:nvPr/>
+        </p:nvSpPr>
+        <p:spPr>
+          <a:xfrm>
+            <a:off x="1778002" y="3046503"/>
+            <a:ext cx="8635996" cy="725714"/>
+          </a:xfrm>
+          <a:prstGeom prst="rect">
+            <a:avLst/>
+          </a:prstGeom>
+        </p:spPr>
+        <p:style>
+          <a:lnRef idx="2">
+            <a:schemeClr val="accent6"/>
+          </a:lnRef>
+          <a:fillRef idx="1">
+            <a:schemeClr val="lt1"/>
+          </a:fillRef>
+          <a:effectRef idx="0">
+            <a:schemeClr val="accent6"/>
+          </a:effectRef>
+          <a:fontRef idx="minor">
+            <a:schemeClr val="dk1"/>
+          </a:fontRef>
+        </p:style>
+        <p:txBody>
+          <a:bodyPr rtlCol="0" anchor="ctr"/>
+          <a:lstStyle/>
+          <a:p>
+            <a:pPr algn="ctr"/>
+            <a:endParaRPr lang="en-US"/>
+          </a:p>
+        </p:txBody>
+      </p:sp>
+      <p:sp>
+        <p:nvSpPr>
+          <p:cNvPr id="12" name="Rectangle 11">
+            <a:extLst>
+              <a:ext uri="{FF2B5EF4-FFF2-40B4-BE49-F238E27FC236}">
+                <a16:creationId xmlns:a16="http://schemas.microsoft.com/office/drawing/2014/main" id="{AC6918B4-67F4-29D4-736E-602A04F2BDBF}"/>
+              </a:ext>
+            </a:extLst>
+          </p:cNvPr>
+          <p:cNvSpPr/>
+          <p:nvPr/>
+        </p:nvSpPr>
+        <p:spPr>
+          <a:xfrm>
+            <a:off x="4823623" y="3130767"/>
+            <a:ext cx="2544754" cy="481305"/>
+          </a:xfrm>
+          <a:prstGeom prst="rect">
+            <a:avLst/>
+          </a:prstGeom>
+        </p:spPr>
+        <p:style>
+          <a:lnRef idx="2">
+            <a:schemeClr val="accent1">
+              <a:shade val="15000"/>
+            </a:schemeClr>
+          </a:lnRef>
+          <a:fillRef idx="1">
+            <a:schemeClr val="accent1"/>
+          </a:fillRef>
+          <a:effectRef idx="0">
+            <a:schemeClr val="accent1"/>
+          </a:effectRef>
+          <a:fontRef idx="minor">
+            <a:schemeClr val="lt1"/>
+          </a:fontRef>
+        </p:style>
+        <p:txBody>
+          <a:bodyPr rtlCol="0" anchor="ctr"/>
+          <a:lstStyle/>
+          <a:p>
+            <a:pPr algn="ctr"/>
+            <a:r>
+              <a:rPr lang="en-US" dirty="0"/>
+              <a:t>.col-md-4</a:t>
+            </a:r>
+          </a:p>
+        </p:txBody>
+      </p:sp>
+      <p:sp>
+        <p:nvSpPr>
+          <p:cNvPr id="13" name="TextBox 12">
+            <a:extLst>
+              <a:ext uri="{FF2B5EF4-FFF2-40B4-BE49-F238E27FC236}">
+                <a16:creationId xmlns:a16="http://schemas.microsoft.com/office/drawing/2014/main" id="{87728809-D21D-D231-708F-B1A1B8B38657}"/>
+              </a:ext>
+            </a:extLst>
+          </p:cNvPr>
+          <p:cNvSpPr txBox="1"/>
+          <p:nvPr/>
+        </p:nvSpPr>
+        <p:spPr>
+          <a:xfrm>
+            <a:off x="5491154" y="2530918"/>
+            <a:ext cx="604846" cy="369332"/>
+          </a:xfrm>
+          <a:prstGeom prst="rect">
+            <a:avLst/>
+          </a:prstGeom>
+          <a:noFill/>
+        </p:spPr>
+        <p:txBody>
+          <a:bodyPr wrap="none" rtlCol="0">
+            <a:spAutoFit/>
+          </a:bodyPr>
+          <a:lstStyle/>
+          <a:p>
+            <a:r>
+              <a:rPr lang="en-US" dirty="0"/>
+              <a:t>.row</a:t>
+            </a:r>
+          </a:p>
+        </p:txBody>
+      </p:sp>
+      <p:sp>
+        <p:nvSpPr>
+          <p:cNvPr id="14" name="Rectangle 13">
+            <a:extLst>
+              <a:ext uri="{FF2B5EF4-FFF2-40B4-BE49-F238E27FC236}">
+                <a16:creationId xmlns:a16="http://schemas.microsoft.com/office/drawing/2014/main" id="{2E509616-6F6C-2F1D-F880-5035834DF452}"/>
+              </a:ext>
+            </a:extLst>
+          </p:cNvPr>
+          <p:cNvSpPr/>
+          <p:nvPr/>
+        </p:nvSpPr>
+        <p:spPr>
+          <a:xfrm>
+            <a:off x="1778002" y="4920456"/>
+            <a:ext cx="8635996" cy="725714"/>
+          </a:xfrm>
+          <a:prstGeom prst="rect">
+            <a:avLst/>
+          </a:prstGeom>
+        </p:spPr>
+        <p:style>
+          <a:lnRef idx="2">
+            <a:schemeClr val="accent6"/>
+          </a:lnRef>
+          <a:fillRef idx="1">
+            <a:schemeClr val="lt1"/>
+          </a:fillRef>
+          <a:effectRef idx="0">
+            <a:schemeClr val="accent6"/>
+          </a:effectRef>
+          <a:fontRef idx="minor">
+            <a:schemeClr val="dk1"/>
+          </a:fontRef>
+        </p:style>
+        <p:txBody>
+          <a:bodyPr rtlCol="0" anchor="ctr"/>
+          <a:lstStyle/>
+          <a:p>
+            <a:pPr algn="ctr"/>
+            <a:endParaRPr lang="en-US"/>
+          </a:p>
+        </p:txBody>
+      </p:sp>
+      <p:sp>
+        <p:nvSpPr>
+          <p:cNvPr id="15" name="Rectangle 14">
+            <a:extLst>
+              <a:ext uri="{FF2B5EF4-FFF2-40B4-BE49-F238E27FC236}">
+                <a16:creationId xmlns:a16="http://schemas.microsoft.com/office/drawing/2014/main" id="{63136CDB-DA52-A871-A2D1-0938E5DF74D7}"/>
+              </a:ext>
+            </a:extLst>
+          </p:cNvPr>
+          <p:cNvSpPr/>
+          <p:nvPr/>
+        </p:nvSpPr>
+        <p:spPr>
+          <a:xfrm>
+            <a:off x="7755509" y="5042660"/>
+            <a:ext cx="2544754" cy="481305"/>
+          </a:xfrm>
+          <a:prstGeom prst="rect">
+            <a:avLst/>
+          </a:prstGeom>
+        </p:spPr>
+        <p:style>
+          <a:lnRef idx="2">
+            <a:schemeClr val="accent1">
+              <a:shade val="15000"/>
+            </a:schemeClr>
+          </a:lnRef>
+          <a:fillRef idx="1">
+            <a:schemeClr val="accent1"/>
+          </a:fillRef>
+          <a:effectRef idx="0">
+            <a:schemeClr val="accent1"/>
+          </a:effectRef>
+          <a:fontRef idx="minor">
+            <a:schemeClr val="lt1"/>
+          </a:fontRef>
+        </p:style>
+        <p:txBody>
+          <a:bodyPr rtlCol="0" anchor="ctr"/>
+          <a:lstStyle/>
+          <a:p>
+            <a:pPr algn="ctr"/>
+            <a:r>
+              <a:rPr lang="en-US" dirty="0"/>
+              <a:t>.col-md-4</a:t>
+            </a:r>
+          </a:p>
+        </p:txBody>
+      </p:sp>
+      <p:sp>
+        <p:nvSpPr>
+          <p:cNvPr id="16" name="TextBox 15">
+            <a:extLst>
+              <a:ext uri="{FF2B5EF4-FFF2-40B4-BE49-F238E27FC236}">
+                <a16:creationId xmlns:a16="http://schemas.microsoft.com/office/drawing/2014/main" id="{2047A5C0-3418-98F5-2CB6-E758DED6031A}"/>
+              </a:ext>
+            </a:extLst>
+          </p:cNvPr>
+          <p:cNvSpPr txBox="1"/>
+          <p:nvPr/>
+        </p:nvSpPr>
+        <p:spPr>
+          <a:xfrm>
+            <a:off x="5491154" y="4404871"/>
+            <a:ext cx="604846" cy="369332"/>
+          </a:xfrm>
+          <a:prstGeom prst="rect">
+            <a:avLst/>
+          </a:prstGeom>
+          <a:noFill/>
+        </p:spPr>
+        <p:txBody>
+          <a:bodyPr wrap="none" rtlCol="0">
+            <a:spAutoFit/>
+          </a:bodyPr>
+          <a:lstStyle/>
+          <a:p>
+            <a:r>
+              <a:rPr lang="en-US" dirty="0"/>
+              <a:t>.row</a:t>
+            </a:r>
+          </a:p>
+        </p:txBody>
+      </p:sp>
+      <p:sp>
+        <p:nvSpPr>
+          <p:cNvPr id="17" name="TextBox 16">
+            <a:extLst>
+              <a:ext uri="{FF2B5EF4-FFF2-40B4-BE49-F238E27FC236}">
+                <a16:creationId xmlns:a16="http://schemas.microsoft.com/office/drawing/2014/main" id="{C50C73EA-9BF9-8583-9607-4540F8BD29DC}"/>
+              </a:ext>
+            </a:extLst>
+          </p:cNvPr>
+          <p:cNvSpPr txBox="1"/>
+          <p:nvPr/>
+        </p:nvSpPr>
+        <p:spPr>
+          <a:xfrm>
+            <a:off x="8564778" y="5971481"/>
+            <a:ext cx="979114" cy="369332"/>
+          </a:xfrm>
+          <a:prstGeom prst="rect">
+            <a:avLst/>
+          </a:prstGeom>
+          <a:noFill/>
+        </p:spPr>
+        <p:txBody>
+          <a:bodyPr wrap="none" rtlCol="0">
+            <a:spAutoFit/>
+          </a:bodyPr>
+          <a:lstStyle/>
+          <a:p>
+            <a:r>
+              <a:rPr lang="en-US" dirty="0"/>
+              <a:t>.ml-auto</a:t>
+            </a:r>
+          </a:p>
+        </p:txBody>
+      </p:sp>
+      <p:sp>
+        <p:nvSpPr>
+          <p:cNvPr id="18" name="TextBox 17">
+            <a:extLst>
+              <a:ext uri="{FF2B5EF4-FFF2-40B4-BE49-F238E27FC236}">
+                <a16:creationId xmlns:a16="http://schemas.microsoft.com/office/drawing/2014/main" id="{F42BAAEF-A721-2839-1267-09F23EECF3D7}"/>
+              </a:ext>
+            </a:extLst>
+          </p:cNvPr>
+          <p:cNvSpPr txBox="1"/>
+          <p:nvPr/>
+        </p:nvSpPr>
+        <p:spPr>
+          <a:xfrm>
+            <a:off x="6227978" y="3856481"/>
+            <a:ext cx="926216" cy="369332"/>
+          </a:xfrm>
+          <a:prstGeom prst="rect">
+            <a:avLst/>
+          </a:prstGeom>
+          <a:noFill/>
+        </p:spPr>
+        <p:txBody>
+          <a:bodyPr wrap="none" rtlCol="0">
+            <a:spAutoFit/>
+          </a:bodyPr>
+          <a:lstStyle/>
+          <a:p>
+            <a:r>
+              <a:rPr lang="en-US" dirty="0"/>
+              <a:t>.m-auto</a:t>
+            </a:r>
+          </a:p>
+        </p:txBody>
+      </p:sp>
+      <p:sp>
+        <p:nvSpPr>
+          <p:cNvPr id="19" name="TextBox 18">
+            <a:extLst>
+              <a:ext uri="{FF2B5EF4-FFF2-40B4-BE49-F238E27FC236}">
+                <a16:creationId xmlns:a16="http://schemas.microsoft.com/office/drawing/2014/main" id="{1BA5E076-501B-9B9F-22D9-F602F722B5F9}"/>
+              </a:ext>
+            </a:extLst>
+          </p:cNvPr>
+          <p:cNvSpPr txBox="1"/>
+          <p:nvPr/>
+        </p:nvSpPr>
+        <p:spPr>
+          <a:xfrm>
+            <a:off x="5491154" y="5971481"/>
+            <a:ext cx="1006366" cy="369332"/>
+          </a:xfrm>
+          <a:prstGeom prst="rect">
+            <a:avLst/>
+          </a:prstGeom>
+          <a:noFill/>
+        </p:spPr>
+        <p:txBody>
+          <a:bodyPr wrap="none" rtlCol="0">
+            <a:spAutoFit/>
+          </a:bodyPr>
+          <a:lstStyle/>
+          <a:p>
+            <a:r>
+              <a:rPr lang="en-US" dirty="0"/>
+              <a:t>.</a:t>
+            </a:r>
+            <a:r>
+              <a:rPr lang="en-US" dirty="0" err="1"/>
+              <a:t>mr</a:t>
+            </a:r>
+            <a:r>
+              <a:rPr lang="en-US" dirty="0"/>
+              <a:t>-auto</a:t>
+            </a:r>
+          </a:p>
+        </p:txBody>
+      </p:sp>
+    </p:spTree>
+    <p:extLst>
+      <p:ext uri="{BB962C8B-B14F-4D97-AF65-F5344CB8AC3E}">
+        <p14:creationId xmlns:p14="http://schemas.microsoft.com/office/powerpoint/2010/main" val="3531564809"/>
+      </p:ext>
+    </p:extLst>
+  </p:cSld>
+  <p:clrMapOvr>
+    <a:masterClrMapping/>
+  </p:clrMapOvr>
+</p:sld>
+</file>
+
+<file path=ppt/slides/slide27.xml><?xml version="1.0" encoding="utf-8"?>
+<p:sld xmlns:a="http://schemas.openxmlformats.org/drawingml/2006/main" xmlns:r="http://schemas.openxmlformats.org/officeDocument/2006/relationships" xmlns:p="http://schemas.openxmlformats.org/presentationml/2006/main">
+  <p:cSld>
+    <p:spTree>
+      <p:nvGrpSpPr>
+        <p:cNvPr id="1" name=""/>
+        <p:cNvGrpSpPr/>
+        <p:nvPr/>
+      </p:nvGrpSpPr>
+      <p:grpSpPr>
+        <a:xfrm>
+          <a:off x="0" y="0"/>
+          <a:ext cx="0" cy="0"/>
+          <a:chOff x="0" y="0"/>
+          <a:chExt cx="0" cy="0"/>
+        </a:xfrm>
+      </p:grpSpPr>
+      <p:sp>
+        <p:nvSpPr>
+          <p:cNvPr id="2" name="Title 1">
+            <a:extLst>
+              <a:ext uri="{FF2B5EF4-FFF2-40B4-BE49-F238E27FC236}">
+                <a16:creationId xmlns:a16="http://schemas.microsoft.com/office/drawing/2014/main" id="{6B715C36-0805-4034-6207-0F89CBBE6961}"/>
+              </a:ext>
+            </a:extLst>
+          </p:cNvPr>
+          <p:cNvSpPr>
+            <a:spLocks noGrp="1"/>
+          </p:cNvSpPr>
+          <p:nvPr>
+            <p:ph type="title"/>
+          </p:nvPr>
+        </p:nvSpPr>
+        <p:spPr/>
+        <p:txBody>
+          <a:bodyPr/>
+          <a:lstStyle/>
+          <a:p>
+            <a:r>
+              <a:rPr lang="en-US" dirty="0"/>
+              <a:t>Margin auto classes</a:t>
+            </a:r>
+          </a:p>
+        </p:txBody>
+      </p:sp>
+      <p:sp>
+        <p:nvSpPr>
           <p:cNvPr id="3" name="Content Placeholder 2">
             <a:extLst>
               <a:ext uri="{FF2B5EF4-FFF2-40B4-BE49-F238E27FC236}">
-                <a16:creationId xmlns:a16="http://schemas.microsoft.com/office/drawing/2014/main" id="{21D6D806-83C3-3F3F-5764-232F821AC72A}"/>
+                <a16:creationId xmlns:a16="http://schemas.microsoft.com/office/drawing/2014/main" id="{648FEFAA-8094-D72D-F1E2-EF7BB18A560E}"/>
               </a:ext>
             </a:extLst>
           </p:cNvPr>
@@ -11754,19 +12314,1064 @@
             <p:ph idx="1"/>
           </p:nvPr>
         </p:nvSpPr>
-        <p:spPr/>
+        <p:spPr>
+          <a:xfrm>
+            <a:off x="838200" y="1825625"/>
+            <a:ext cx="4183743" cy="4351338"/>
+          </a:xfrm>
+        </p:spPr>
         <p:txBody>
           <a:bodyPr/>
           <a:lstStyle/>
           <a:p>
-            <a:endParaRPr lang="en-US"/>
+            <a:r>
+              <a:rPr lang="en-US" dirty="0"/>
+              <a:t>Extra large - .m-xl-auto</a:t>
+            </a:r>
+          </a:p>
+          <a:p>
+            <a:r>
+              <a:rPr lang="en-US" dirty="0"/>
+              <a:t>Large - .m-lg-auto</a:t>
+            </a:r>
+          </a:p>
+          <a:p>
+            <a:r>
+              <a:rPr lang="en-US" dirty="0"/>
+              <a:t>Medium - .m-md-auto</a:t>
+            </a:r>
+          </a:p>
+          <a:p>
+            <a:r>
+              <a:rPr lang="en-US" dirty="0"/>
+              <a:t>Small - .m-</a:t>
+            </a:r>
+            <a:r>
+              <a:rPr lang="en-US" dirty="0" err="1"/>
+              <a:t>sm</a:t>
+            </a:r>
+            <a:r>
+              <a:rPr lang="en-US" dirty="0"/>
+              <a:t>-auto</a:t>
+            </a:r>
+          </a:p>
+        </p:txBody>
+      </p:sp>
+      <p:sp>
+        <p:nvSpPr>
+          <p:cNvPr id="4" name="TextBox 3">
+            <a:extLst>
+              <a:ext uri="{FF2B5EF4-FFF2-40B4-BE49-F238E27FC236}">
+                <a16:creationId xmlns:a16="http://schemas.microsoft.com/office/drawing/2014/main" id="{D9B289A4-07F9-503A-D585-B54E452635E9}"/>
+              </a:ext>
+            </a:extLst>
+          </p:cNvPr>
+          <p:cNvSpPr txBox="1"/>
+          <p:nvPr/>
+        </p:nvSpPr>
+        <p:spPr>
+          <a:xfrm>
+            <a:off x="8577943" y="2278743"/>
+            <a:ext cx="520014" cy="369332"/>
+          </a:xfrm>
+          <a:prstGeom prst="rect">
+            <a:avLst/>
+          </a:prstGeom>
+          <a:noFill/>
+        </p:spPr>
+        <p:txBody>
+          <a:bodyPr wrap="none" rtlCol="0">
+            <a:spAutoFit/>
+          </a:bodyPr>
+          <a:lstStyle/>
+          <a:p>
+            <a:r>
+              <a:rPr lang="en-US" dirty="0"/>
+              <a:t>Top</a:t>
+            </a:r>
+          </a:p>
+        </p:txBody>
+      </p:sp>
+      <p:sp>
+        <p:nvSpPr>
+          <p:cNvPr id="5" name="TextBox 4">
+            <a:extLst>
+              <a:ext uri="{FF2B5EF4-FFF2-40B4-BE49-F238E27FC236}">
+                <a16:creationId xmlns:a16="http://schemas.microsoft.com/office/drawing/2014/main" id="{1C3A52B0-B1C0-DC79-7DF4-BC72EF1B0CEB}"/>
+              </a:ext>
+            </a:extLst>
+          </p:cNvPr>
+          <p:cNvSpPr txBox="1"/>
+          <p:nvPr/>
+        </p:nvSpPr>
+        <p:spPr>
+          <a:xfrm>
+            <a:off x="8577943" y="3631962"/>
+            <a:ext cx="886076" cy="369332"/>
+          </a:xfrm>
+          <a:prstGeom prst="rect">
+            <a:avLst/>
+          </a:prstGeom>
+          <a:noFill/>
+        </p:spPr>
+        <p:txBody>
+          <a:bodyPr wrap="none" rtlCol="0">
+            <a:spAutoFit/>
+          </a:bodyPr>
+          <a:lstStyle/>
+          <a:p>
+            <a:r>
+              <a:rPr lang="en-US" dirty="0"/>
+              <a:t>Bottom</a:t>
+            </a:r>
+          </a:p>
+        </p:txBody>
+      </p:sp>
+      <p:sp>
+        <p:nvSpPr>
+          <p:cNvPr id="6" name="TextBox 5">
+            <a:extLst>
+              <a:ext uri="{FF2B5EF4-FFF2-40B4-BE49-F238E27FC236}">
+                <a16:creationId xmlns:a16="http://schemas.microsoft.com/office/drawing/2014/main" id="{16A7B050-ED39-D9B6-774C-A26D3720F422}"/>
+              </a:ext>
+            </a:extLst>
+          </p:cNvPr>
+          <p:cNvSpPr txBox="1"/>
+          <p:nvPr/>
+        </p:nvSpPr>
+        <p:spPr>
+          <a:xfrm>
+            <a:off x="7503886" y="3059668"/>
+            <a:ext cx="543290" cy="369332"/>
+          </a:xfrm>
+          <a:prstGeom prst="rect">
+            <a:avLst/>
+          </a:prstGeom>
+          <a:noFill/>
+        </p:spPr>
+        <p:txBody>
+          <a:bodyPr wrap="none" rtlCol="0">
+            <a:spAutoFit/>
+          </a:bodyPr>
+          <a:lstStyle/>
+          <a:p>
+            <a:r>
+              <a:rPr lang="en-US" dirty="0"/>
+              <a:t>Left</a:t>
+            </a:r>
+          </a:p>
+        </p:txBody>
+      </p:sp>
+      <p:sp>
+        <p:nvSpPr>
+          <p:cNvPr id="7" name="TextBox 6">
+            <a:extLst>
+              <a:ext uri="{FF2B5EF4-FFF2-40B4-BE49-F238E27FC236}">
+                <a16:creationId xmlns:a16="http://schemas.microsoft.com/office/drawing/2014/main" id="{B970C4A1-F007-A15A-DDFB-1B8BF7037EAC}"/>
+              </a:ext>
+            </a:extLst>
+          </p:cNvPr>
+          <p:cNvSpPr txBox="1"/>
+          <p:nvPr/>
+        </p:nvSpPr>
+        <p:spPr>
+          <a:xfrm>
+            <a:off x="9985829" y="3059668"/>
+            <a:ext cx="668260" cy="369332"/>
+          </a:xfrm>
+          <a:prstGeom prst="rect">
+            <a:avLst/>
+          </a:prstGeom>
+          <a:noFill/>
+        </p:spPr>
+        <p:txBody>
+          <a:bodyPr wrap="none" rtlCol="0">
+            <a:spAutoFit/>
+          </a:bodyPr>
+          <a:lstStyle/>
+          <a:p>
+            <a:r>
+              <a:rPr lang="en-US" dirty="0"/>
+              <a:t>Right</a:t>
+            </a:r>
           </a:p>
         </p:txBody>
       </p:sp>
     </p:spTree>
     <p:extLst>
       <p:ext uri="{BB962C8B-B14F-4D97-AF65-F5344CB8AC3E}">
-        <p14:creationId xmlns:p14="http://schemas.microsoft.com/office/powerpoint/2010/main" val="3531564809"/>
+        <p14:creationId xmlns:p14="http://schemas.microsoft.com/office/powerpoint/2010/main" val="3419356147"/>
+      </p:ext>
+    </p:extLst>
+  </p:cSld>
+  <p:clrMapOvr>
+    <a:masterClrMapping/>
+  </p:clrMapOvr>
+</p:sld>
+</file>
+
+<file path=ppt/slides/slide28.xml><?xml version="1.0" encoding="utf-8"?>
+<p:sld xmlns:a="http://schemas.openxmlformats.org/drawingml/2006/main" xmlns:r="http://schemas.openxmlformats.org/officeDocument/2006/relationships" xmlns:p="http://schemas.openxmlformats.org/presentationml/2006/main">
+  <p:cSld>
+    <p:spTree>
+      <p:nvGrpSpPr>
+        <p:cNvPr id="1" name=""/>
+        <p:cNvGrpSpPr/>
+        <p:nvPr/>
+      </p:nvGrpSpPr>
+      <p:grpSpPr>
+        <a:xfrm>
+          <a:off x="0" y="0"/>
+          <a:ext cx="0" cy="0"/>
+          <a:chOff x="0" y="0"/>
+          <a:chExt cx="0" cy="0"/>
+        </a:xfrm>
+      </p:grpSpPr>
+      <p:sp>
+        <p:nvSpPr>
+          <p:cNvPr id="2" name="Title 1">
+            <a:extLst>
+              <a:ext uri="{FF2B5EF4-FFF2-40B4-BE49-F238E27FC236}">
+                <a16:creationId xmlns:a16="http://schemas.microsoft.com/office/drawing/2014/main" id="{DAE62B06-63CD-AF2E-D9AB-7C3D75BB9F27}"/>
+              </a:ext>
+            </a:extLst>
+          </p:cNvPr>
+          <p:cNvSpPr>
+            <a:spLocks noGrp="1"/>
+          </p:cNvSpPr>
+          <p:nvPr>
+            <p:ph type="title"/>
+          </p:nvPr>
+        </p:nvSpPr>
+        <p:spPr/>
+        <p:txBody>
+          <a:bodyPr/>
+          <a:lstStyle/>
+          <a:p>
+            <a:r>
+              <a:rPr lang="en-US" dirty="0"/>
+              <a:t>Margin classes for different Sides</a:t>
+            </a:r>
+          </a:p>
+        </p:txBody>
+      </p:sp>
+      <p:sp>
+        <p:nvSpPr>
+          <p:cNvPr id="3" name="Content Placeholder 2">
+            <a:extLst>
+              <a:ext uri="{FF2B5EF4-FFF2-40B4-BE49-F238E27FC236}">
+                <a16:creationId xmlns:a16="http://schemas.microsoft.com/office/drawing/2014/main" id="{3E5302AB-7AF2-F978-AC0B-CB3E6301E1D5}"/>
+              </a:ext>
+            </a:extLst>
+          </p:cNvPr>
+          <p:cNvSpPr>
+            <a:spLocks noGrp="1"/>
+          </p:cNvSpPr>
+          <p:nvPr>
+            <p:ph idx="1"/>
+          </p:nvPr>
+        </p:nvSpPr>
+        <p:spPr>
+          <a:xfrm>
+            <a:off x="838200" y="1825625"/>
+            <a:ext cx="3951514" cy="4351338"/>
+          </a:xfrm>
+        </p:spPr>
+        <p:txBody>
+          <a:bodyPr/>
+          <a:lstStyle/>
+          <a:p>
+            <a:r>
+              <a:rPr lang="en-US" dirty="0"/>
+              <a:t>Margin		.m-*</a:t>
+            </a:r>
+          </a:p>
+          <a:p>
+            <a:r>
+              <a:rPr lang="en-US" dirty="0"/>
+              <a:t>Margin-right	.</a:t>
+            </a:r>
+            <a:r>
+              <a:rPr lang="en-US" dirty="0" err="1"/>
+              <a:t>mr</a:t>
+            </a:r>
+            <a:r>
+              <a:rPr lang="en-US" dirty="0"/>
+              <a:t>-*</a:t>
+            </a:r>
+          </a:p>
+          <a:p>
+            <a:r>
+              <a:rPr lang="en-US" dirty="0"/>
+              <a:t>Margin-left	.ml-*</a:t>
+            </a:r>
+          </a:p>
+          <a:p>
+            <a:r>
+              <a:rPr lang="en-US" dirty="0"/>
+              <a:t>Margin-top	.mt-*</a:t>
+            </a:r>
+          </a:p>
+          <a:p>
+            <a:r>
+              <a:rPr lang="en-US" dirty="0"/>
+              <a:t>Margin-bottom	.mb-*</a:t>
+            </a:r>
+          </a:p>
+        </p:txBody>
+      </p:sp>
+      <p:sp>
+        <p:nvSpPr>
+          <p:cNvPr id="4" name="Content Placeholder 2">
+            <a:extLst>
+              <a:ext uri="{FF2B5EF4-FFF2-40B4-BE49-F238E27FC236}">
+                <a16:creationId xmlns:a16="http://schemas.microsoft.com/office/drawing/2014/main" id="{18E00298-2328-5F36-E0F0-F1A7D8AA5C28}"/>
+              </a:ext>
+            </a:extLst>
+          </p:cNvPr>
+          <p:cNvSpPr txBox="1">
+            <a:spLocks/>
+          </p:cNvSpPr>
+          <p:nvPr/>
+        </p:nvSpPr>
+        <p:spPr>
+          <a:xfrm>
+            <a:off x="6544131" y="1713595"/>
+            <a:ext cx="3951514" cy="4351338"/>
+          </a:xfrm>
+          <a:prstGeom prst="rect">
+            <a:avLst/>
+          </a:prstGeom>
+        </p:spPr>
+        <p:txBody>
+          <a:bodyPr vert="horz" lIns="91440" tIns="45720" rIns="91440" bIns="45720" rtlCol="0">
+            <a:normAutofit/>
+          </a:bodyPr>
+          <a:lstStyle>
+            <a:lvl1pPr marL="228600" indent="-228600" algn="l" defTabSz="914400" rtl="0" eaLnBrk="1" latinLnBrk="0" hangingPunct="1">
+              <a:lnSpc>
+                <a:spcPct val="90000"/>
+              </a:lnSpc>
+              <a:spcBef>
+                <a:spcPts val="1000"/>
+              </a:spcBef>
+              <a:buFont typeface="Arial" panose="020B0604020202020204" pitchFamily="34" charset="0"/>
+              <a:buChar char="•"/>
+              <a:defRPr sz="2800" kern="1200">
+                <a:solidFill>
+                  <a:schemeClr val="tx1"/>
+                </a:solidFill>
+                <a:latin typeface="+mn-lt"/>
+                <a:ea typeface="+mn-ea"/>
+                <a:cs typeface="+mn-cs"/>
+              </a:defRPr>
+            </a:lvl1pPr>
+            <a:lvl2pPr marL="685800" indent="-228600" algn="l" defTabSz="914400" rtl="0" eaLnBrk="1" latinLnBrk="0" hangingPunct="1">
+              <a:lnSpc>
+                <a:spcPct val="90000"/>
+              </a:lnSpc>
+              <a:spcBef>
+                <a:spcPts val="500"/>
+              </a:spcBef>
+              <a:buFont typeface="Arial" panose="020B0604020202020204" pitchFamily="34" charset="0"/>
+              <a:buChar char="•"/>
+              <a:defRPr sz="2400" kern="1200">
+                <a:solidFill>
+                  <a:schemeClr val="tx1"/>
+                </a:solidFill>
+                <a:latin typeface="+mn-lt"/>
+                <a:ea typeface="+mn-ea"/>
+                <a:cs typeface="+mn-cs"/>
+              </a:defRPr>
+            </a:lvl2pPr>
+            <a:lvl3pPr marL="1143000" indent="-228600" algn="l" defTabSz="914400" rtl="0" eaLnBrk="1" latinLnBrk="0" hangingPunct="1">
+              <a:lnSpc>
+                <a:spcPct val="90000"/>
+              </a:lnSpc>
+              <a:spcBef>
+                <a:spcPts val="500"/>
+              </a:spcBef>
+              <a:buFont typeface="Arial" panose="020B0604020202020204" pitchFamily="34" charset="0"/>
+              <a:buChar char="•"/>
+              <a:defRPr sz="2000" kern="1200">
+                <a:solidFill>
+                  <a:schemeClr val="tx1"/>
+                </a:solidFill>
+                <a:latin typeface="+mn-lt"/>
+                <a:ea typeface="+mn-ea"/>
+                <a:cs typeface="+mn-cs"/>
+              </a:defRPr>
+            </a:lvl3pPr>
+            <a:lvl4pPr marL="1600200" indent="-228600" algn="l" defTabSz="914400" rtl="0" eaLnBrk="1" latinLnBrk="0" hangingPunct="1">
+              <a:lnSpc>
+                <a:spcPct val="90000"/>
+              </a:lnSpc>
+              <a:spcBef>
+                <a:spcPts val="500"/>
+              </a:spcBef>
+              <a:buFont typeface="Arial" panose="020B0604020202020204" pitchFamily="34" charset="0"/>
+              <a:buChar char="•"/>
+              <a:defRPr sz="1800" kern="1200">
+                <a:solidFill>
+                  <a:schemeClr val="tx1"/>
+                </a:solidFill>
+                <a:latin typeface="+mn-lt"/>
+                <a:ea typeface="+mn-ea"/>
+                <a:cs typeface="+mn-cs"/>
+              </a:defRPr>
+            </a:lvl4pPr>
+            <a:lvl5pPr marL="2057400" indent="-228600" algn="l" defTabSz="914400" rtl="0" eaLnBrk="1" latinLnBrk="0" hangingPunct="1">
+              <a:lnSpc>
+                <a:spcPct val="90000"/>
+              </a:lnSpc>
+              <a:spcBef>
+                <a:spcPts val="500"/>
+              </a:spcBef>
+              <a:buFont typeface="Arial" panose="020B0604020202020204" pitchFamily="34" charset="0"/>
+              <a:buChar char="•"/>
+              <a:defRPr sz="1800" kern="1200">
+                <a:solidFill>
+                  <a:schemeClr val="tx1"/>
+                </a:solidFill>
+                <a:latin typeface="+mn-lt"/>
+                <a:ea typeface="+mn-ea"/>
+                <a:cs typeface="+mn-cs"/>
+              </a:defRPr>
+            </a:lvl5pPr>
+            <a:lvl6pPr marL="2514600" indent="-228600" algn="l" defTabSz="914400" rtl="0" eaLnBrk="1" latinLnBrk="0" hangingPunct="1">
+              <a:lnSpc>
+                <a:spcPct val="90000"/>
+              </a:lnSpc>
+              <a:spcBef>
+                <a:spcPts val="500"/>
+              </a:spcBef>
+              <a:buFont typeface="Arial" panose="020B0604020202020204" pitchFamily="34" charset="0"/>
+              <a:buChar char="•"/>
+              <a:defRPr sz="1800" kern="1200">
+                <a:solidFill>
+                  <a:schemeClr val="tx1"/>
+                </a:solidFill>
+                <a:latin typeface="+mn-lt"/>
+                <a:ea typeface="+mn-ea"/>
+                <a:cs typeface="+mn-cs"/>
+              </a:defRPr>
+            </a:lvl6pPr>
+            <a:lvl7pPr marL="2971800" indent="-228600" algn="l" defTabSz="914400" rtl="0" eaLnBrk="1" latinLnBrk="0" hangingPunct="1">
+              <a:lnSpc>
+                <a:spcPct val="90000"/>
+              </a:lnSpc>
+              <a:spcBef>
+                <a:spcPts val="500"/>
+              </a:spcBef>
+              <a:buFont typeface="Arial" panose="020B0604020202020204" pitchFamily="34" charset="0"/>
+              <a:buChar char="•"/>
+              <a:defRPr sz="1800" kern="1200">
+                <a:solidFill>
+                  <a:schemeClr val="tx1"/>
+                </a:solidFill>
+                <a:latin typeface="+mn-lt"/>
+                <a:ea typeface="+mn-ea"/>
+                <a:cs typeface="+mn-cs"/>
+              </a:defRPr>
+            </a:lvl7pPr>
+            <a:lvl8pPr marL="3429000" indent="-228600" algn="l" defTabSz="914400" rtl="0" eaLnBrk="1" latinLnBrk="0" hangingPunct="1">
+              <a:lnSpc>
+                <a:spcPct val="90000"/>
+              </a:lnSpc>
+              <a:spcBef>
+                <a:spcPts val="500"/>
+              </a:spcBef>
+              <a:buFont typeface="Arial" panose="020B0604020202020204" pitchFamily="34" charset="0"/>
+              <a:buChar char="•"/>
+              <a:defRPr sz="1800" kern="1200">
+                <a:solidFill>
+                  <a:schemeClr val="tx1"/>
+                </a:solidFill>
+                <a:latin typeface="+mn-lt"/>
+                <a:ea typeface="+mn-ea"/>
+                <a:cs typeface="+mn-cs"/>
+              </a:defRPr>
+            </a:lvl8pPr>
+            <a:lvl9pPr marL="3886200" indent="-228600" algn="l" defTabSz="914400" rtl="0" eaLnBrk="1" latinLnBrk="0" hangingPunct="1">
+              <a:lnSpc>
+                <a:spcPct val="90000"/>
+              </a:lnSpc>
+              <a:spcBef>
+                <a:spcPts val="500"/>
+              </a:spcBef>
+              <a:buFont typeface="Arial" panose="020B0604020202020204" pitchFamily="34" charset="0"/>
+              <a:buChar char="•"/>
+              <a:defRPr sz="1800" kern="1200">
+                <a:solidFill>
+                  <a:schemeClr val="tx1"/>
+                </a:solidFill>
+                <a:latin typeface="+mn-lt"/>
+                <a:ea typeface="+mn-ea"/>
+                <a:cs typeface="+mn-cs"/>
+              </a:defRPr>
+            </a:lvl9pPr>
+          </a:lstStyle>
+          <a:p>
+            <a:r>
+              <a:rPr lang="en-US" dirty="0"/>
+              <a:t>0 – 0 </a:t>
+            </a:r>
+            <a:r>
+              <a:rPr lang="en-US" dirty="0" err="1"/>
+              <a:t>px</a:t>
+            </a:r>
+            <a:endParaRPr lang="en-US" dirty="0"/>
+          </a:p>
+          <a:p>
+            <a:r>
+              <a:rPr lang="en-US" dirty="0"/>
+              <a:t>1 – 0.25 rem</a:t>
+            </a:r>
+          </a:p>
+          <a:p>
+            <a:r>
+              <a:rPr lang="en-US" dirty="0"/>
+              <a:t>2 – 0.50 rem</a:t>
+            </a:r>
+          </a:p>
+          <a:p>
+            <a:r>
+              <a:rPr lang="en-US" dirty="0"/>
+              <a:t>3 – 1 rem</a:t>
+            </a:r>
+          </a:p>
+          <a:p>
+            <a:r>
+              <a:rPr lang="en-US" dirty="0"/>
+              <a:t>4 – 1.5 rem</a:t>
+            </a:r>
+          </a:p>
+          <a:p>
+            <a:r>
+              <a:rPr lang="en-US" dirty="0"/>
+              <a:t>5 – 3 rem</a:t>
+            </a:r>
+          </a:p>
+          <a:p>
+            <a:endParaRPr lang="en-US" dirty="0"/>
+          </a:p>
+        </p:txBody>
+      </p:sp>
+      <p:sp>
+        <p:nvSpPr>
+          <p:cNvPr id="5" name="TextBox 4">
+            <a:extLst>
+              <a:ext uri="{FF2B5EF4-FFF2-40B4-BE49-F238E27FC236}">
+                <a16:creationId xmlns:a16="http://schemas.microsoft.com/office/drawing/2014/main" id="{948A3859-888B-88F0-7620-EB7B7BDFB395}"/>
+              </a:ext>
+            </a:extLst>
+          </p:cNvPr>
+          <p:cNvSpPr txBox="1"/>
+          <p:nvPr/>
+        </p:nvSpPr>
+        <p:spPr>
+          <a:xfrm flipH="1">
+            <a:off x="10319657" y="754743"/>
+            <a:ext cx="1521824" cy="369332"/>
+          </a:xfrm>
+          <a:prstGeom prst="rect">
+            <a:avLst/>
+          </a:prstGeom>
+          <a:noFill/>
+        </p:spPr>
+        <p:txBody>
+          <a:bodyPr wrap="square" rtlCol="0">
+            <a:spAutoFit/>
+          </a:bodyPr>
+          <a:lstStyle/>
+          <a:p>
+            <a:r>
+              <a:rPr lang="en-US" dirty="0"/>
+              <a:t>.m-xl-3</a:t>
+            </a:r>
+          </a:p>
+        </p:txBody>
+      </p:sp>
+    </p:spTree>
+    <p:extLst>
+      <p:ext uri="{BB962C8B-B14F-4D97-AF65-F5344CB8AC3E}">
+        <p14:creationId xmlns:p14="http://schemas.microsoft.com/office/powerpoint/2010/main" val="2182531604"/>
+      </p:ext>
+    </p:extLst>
+  </p:cSld>
+  <p:clrMapOvr>
+    <a:masterClrMapping/>
+  </p:clrMapOvr>
+</p:sld>
+</file>
+
+<file path=ppt/slides/slide29.xml><?xml version="1.0" encoding="utf-8"?>
+<p:sld xmlns:a="http://schemas.openxmlformats.org/drawingml/2006/main" xmlns:r="http://schemas.openxmlformats.org/officeDocument/2006/relationships" xmlns:p="http://schemas.openxmlformats.org/presentationml/2006/main">
+  <p:cSld>
+    <p:spTree>
+      <p:nvGrpSpPr>
+        <p:cNvPr id="1" name=""/>
+        <p:cNvGrpSpPr/>
+        <p:nvPr/>
+      </p:nvGrpSpPr>
+      <p:grpSpPr>
+        <a:xfrm>
+          <a:off x="0" y="0"/>
+          <a:ext cx="0" cy="0"/>
+          <a:chOff x="0" y="0"/>
+          <a:chExt cx="0" cy="0"/>
+        </a:xfrm>
+      </p:grpSpPr>
+      <p:sp>
+        <p:nvSpPr>
+          <p:cNvPr id="2" name="Title 1">
+            <a:extLst>
+              <a:ext uri="{FF2B5EF4-FFF2-40B4-BE49-F238E27FC236}">
+                <a16:creationId xmlns:a16="http://schemas.microsoft.com/office/drawing/2014/main" id="{FE773A0B-3CA0-0AC0-77C4-156DF52EEF5A}"/>
+              </a:ext>
+            </a:extLst>
+          </p:cNvPr>
+          <p:cNvSpPr>
+            <a:spLocks noGrp="1"/>
+          </p:cNvSpPr>
+          <p:nvPr>
+            <p:ph type="title"/>
+          </p:nvPr>
+        </p:nvSpPr>
+        <p:spPr/>
+        <p:txBody>
+          <a:bodyPr/>
+          <a:lstStyle/>
+          <a:p>
+            <a:r>
+              <a:rPr lang="en-US" dirty="0"/>
+              <a:t>Padding</a:t>
+            </a:r>
+          </a:p>
+        </p:txBody>
+      </p:sp>
+      <p:sp>
+        <p:nvSpPr>
+          <p:cNvPr id="4" name="Rectangle 3">
+            <a:extLst>
+              <a:ext uri="{FF2B5EF4-FFF2-40B4-BE49-F238E27FC236}">
+                <a16:creationId xmlns:a16="http://schemas.microsoft.com/office/drawing/2014/main" id="{E37CE9CB-12E3-533C-CCBB-12EB304C1D89}"/>
+              </a:ext>
+            </a:extLst>
+          </p:cNvPr>
+          <p:cNvSpPr/>
+          <p:nvPr/>
+        </p:nvSpPr>
+        <p:spPr>
+          <a:xfrm>
+            <a:off x="1778002" y="1574687"/>
+            <a:ext cx="8635996" cy="725714"/>
+          </a:xfrm>
+          <a:prstGeom prst="rect">
+            <a:avLst/>
+          </a:prstGeom>
+        </p:spPr>
+        <p:style>
+          <a:lnRef idx="2">
+            <a:schemeClr val="accent6"/>
+          </a:lnRef>
+          <a:fillRef idx="1">
+            <a:schemeClr val="lt1"/>
+          </a:fillRef>
+          <a:effectRef idx="0">
+            <a:schemeClr val="accent6"/>
+          </a:effectRef>
+          <a:fontRef idx="minor">
+            <a:schemeClr val="dk1"/>
+          </a:fontRef>
+        </p:style>
+        <p:txBody>
+          <a:bodyPr rtlCol="0" anchor="ctr"/>
+          <a:lstStyle/>
+          <a:p>
+            <a:pPr algn="ctr"/>
+            <a:endParaRPr lang="en-US"/>
+          </a:p>
+        </p:txBody>
+      </p:sp>
+      <p:sp>
+        <p:nvSpPr>
+          <p:cNvPr id="5" name="TextBox 4">
+            <a:extLst>
+              <a:ext uri="{FF2B5EF4-FFF2-40B4-BE49-F238E27FC236}">
+                <a16:creationId xmlns:a16="http://schemas.microsoft.com/office/drawing/2014/main" id="{5A309CD6-D457-4129-BA20-4BAC205442E7}"/>
+              </a:ext>
+            </a:extLst>
+          </p:cNvPr>
+          <p:cNvSpPr txBox="1"/>
+          <p:nvPr/>
+        </p:nvSpPr>
+        <p:spPr>
+          <a:xfrm>
+            <a:off x="5491154" y="1125528"/>
+            <a:ext cx="604846" cy="369332"/>
+          </a:xfrm>
+          <a:prstGeom prst="rect">
+            <a:avLst/>
+          </a:prstGeom>
+          <a:noFill/>
+        </p:spPr>
+        <p:txBody>
+          <a:bodyPr wrap="none" rtlCol="0">
+            <a:spAutoFit/>
+          </a:bodyPr>
+          <a:lstStyle/>
+          <a:p>
+            <a:r>
+              <a:rPr lang="en-US" dirty="0"/>
+              <a:t>.row</a:t>
+            </a:r>
+          </a:p>
+        </p:txBody>
+      </p:sp>
+      <p:sp>
+        <p:nvSpPr>
+          <p:cNvPr id="6" name="Rectangle 5">
+            <a:extLst>
+              <a:ext uri="{FF2B5EF4-FFF2-40B4-BE49-F238E27FC236}">
+                <a16:creationId xmlns:a16="http://schemas.microsoft.com/office/drawing/2014/main" id="{C48B6895-46F4-CDB7-5A25-2D1405B4BF60}"/>
+              </a:ext>
+            </a:extLst>
+          </p:cNvPr>
+          <p:cNvSpPr/>
+          <p:nvPr/>
+        </p:nvSpPr>
+        <p:spPr>
+          <a:xfrm>
+            <a:off x="1947426" y="1708742"/>
+            <a:ext cx="2544754" cy="481305"/>
+          </a:xfrm>
+          <a:prstGeom prst="rect">
+            <a:avLst/>
+          </a:prstGeom>
+        </p:spPr>
+        <p:style>
+          <a:lnRef idx="2">
+            <a:schemeClr val="accent1">
+              <a:shade val="15000"/>
+            </a:schemeClr>
+          </a:lnRef>
+          <a:fillRef idx="1">
+            <a:schemeClr val="accent1"/>
+          </a:fillRef>
+          <a:effectRef idx="0">
+            <a:schemeClr val="accent1"/>
+          </a:effectRef>
+          <a:fontRef idx="minor">
+            <a:schemeClr val="lt1"/>
+          </a:fontRef>
+        </p:style>
+        <p:txBody>
+          <a:bodyPr rtlCol="0" anchor="ctr"/>
+          <a:lstStyle/>
+          <a:p>
+            <a:pPr algn="ctr"/>
+            <a:r>
+              <a:rPr lang="en-US" dirty="0"/>
+              <a:t>.col-md-4</a:t>
+            </a:r>
+          </a:p>
+        </p:txBody>
+      </p:sp>
+      <p:sp>
+        <p:nvSpPr>
+          <p:cNvPr id="7" name="Rectangle 6">
+            <a:extLst>
+              <a:ext uri="{FF2B5EF4-FFF2-40B4-BE49-F238E27FC236}">
+                <a16:creationId xmlns:a16="http://schemas.microsoft.com/office/drawing/2014/main" id="{42E70137-C0D1-85F3-CBA3-BBD6A9D4AAFB}"/>
+              </a:ext>
+            </a:extLst>
+          </p:cNvPr>
+          <p:cNvSpPr/>
+          <p:nvPr/>
+        </p:nvSpPr>
+        <p:spPr>
+          <a:xfrm>
+            <a:off x="1608578" y="3621200"/>
+            <a:ext cx="8635996" cy="1528057"/>
+          </a:xfrm>
+          <a:prstGeom prst="rect">
+            <a:avLst/>
+          </a:prstGeom>
+        </p:spPr>
+        <p:style>
+          <a:lnRef idx="2">
+            <a:schemeClr val="accent6"/>
+          </a:lnRef>
+          <a:fillRef idx="1">
+            <a:schemeClr val="lt1"/>
+          </a:fillRef>
+          <a:effectRef idx="0">
+            <a:schemeClr val="accent6"/>
+          </a:effectRef>
+          <a:fontRef idx="minor">
+            <a:schemeClr val="dk1"/>
+          </a:fontRef>
+        </p:style>
+        <p:txBody>
+          <a:bodyPr rtlCol="0" anchor="ctr"/>
+          <a:lstStyle/>
+          <a:p>
+            <a:pPr algn="ctr"/>
+            <a:endParaRPr lang="en-US"/>
+          </a:p>
+        </p:txBody>
+      </p:sp>
+      <p:sp>
+        <p:nvSpPr>
+          <p:cNvPr id="8" name="TextBox 7">
+            <a:extLst>
+              <a:ext uri="{FF2B5EF4-FFF2-40B4-BE49-F238E27FC236}">
+                <a16:creationId xmlns:a16="http://schemas.microsoft.com/office/drawing/2014/main" id="{75AACC6B-2D41-90E1-3F33-45740A7F74EB}"/>
+              </a:ext>
+            </a:extLst>
+          </p:cNvPr>
+          <p:cNvSpPr txBox="1"/>
+          <p:nvPr/>
+        </p:nvSpPr>
+        <p:spPr>
+          <a:xfrm>
+            <a:off x="5321730" y="3172042"/>
+            <a:ext cx="604846" cy="369332"/>
+          </a:xfrm>
+          <a:prstGeom prst="rect">
+            <a:avLst/>
+          </a:prstGeom>
+          <a:noFill/>
+        </p:spPr>
+        <p:txBody>
+          <a:bodyPr wrap="none" rtlCol="0">
+            <a:spAutoFit/>
+          </a:bodyPr>
+          <a:lstStyle/>
+          <a:p>
+            <a:r>
+              <a:rPr lang="en-US" dirty="0"/>
+              <a:t>.row</a:t>
+            </a:r>
+          </a:p>
+        </p:txBody>
+      </p:sp>
+      <p:sp>
+        <p:nvSpPr>
+          <p:cNvPr id="9" name="Rectangle 8">
+            <a:extLst>
+              <a:ext uri="{FF2B5EF4-FFF2-40B4-BE49-F238E27FC236}">
+                <a16:creationId xmlns:a16="http://schemas.microsoft.com/office/drawing/2014/main" id="{E829E365-D0F4-93C1-B8D4-75248477CA42}"/>
+              </a:ext>
+            </a:extLst>
+          </p:cNvPr>
+          <p:cNvSpPr/>
+          <p:nvPr/>
+        </p:nvSpPr>
+        <p:spPr>
+          <a:xfrm>
+            <a:off x="1778002" y="3755256"/>
+            <a:ext cx="2576284" cy="1252173"/>
+          </a:xfrm>
+          <a:prstGeom prst="rect">
+            <a:avLst/>
+          </a:prstGeom>
+        </p:spPr>
+        <p:style>
+          <a:lnRef idx="2">
+            <a:schemeClr val="accent1">
+              <a:shade val="15000"/>
+            </a:schemeClr>
+          </a:lnRef>
+          <a:fillRef idx="1">
+            <a:schemeClr val="accent1"/>
+          </a:fillRef>
+          <a:effectRef idx="0">
+            <a:schemeClr val="accent1"/>
+          </a:effectRef>
+          <a:fontRef idx="minor">
+            <a:schemeClr val="lt1"/>
+          </a:fontRef>
+        </p:style>
+        <p:txBody>
+          <a:bodyPr rtlCol="0" anchor="ctr"/>
+          <a:lstStyle/>
+          <a:p>
+            <a:pPr algn="ctr"/>
+            <a:r>
+              <a:rPr lang="en-US" dirty="0"/>
+              <a:t>.col-md-4</a:t>
+            </a:r>
+          </a:p>
+        </p:txBody>
+      </p:sp>
+      <p:cxnSp>
+        <p:nvCxnSpPr>
+          <p:cNvPr id="11" name="Straight Arrow Connector 10">
+            <a:extLst>
+              <a:ext uri="{FF2B5EF4-FFF2-40B4-BE49-F238E27FC236}">
+                <a16:creationId xmlns:a16="http://schemas.microsoft.com/office/drawing/2014/main" id="{856E88BC-52E0-5AFF-428A-D840E19A1D79}"/>
+              </a:ext>
+            </a:extLst>
+          </p:cNvPr>
+          <p:cNvCxnSpPr/>
+          <p:nvPr/>
+        </p:nvCxnSpPr>
+        <p:spPr>
+          <a:xfrm>
+            <a:off x="1947426" y="4368800"/>
+            <a:ext cx="592574" cy="0"/>
+          </a:xfrm>
+          <a:prstGeom prst="straightConnector1">
+            <a:avLst/>
+          </a:prstGeom>
+          <a:ln>
+            <a:tailEnd type="triangle"/>
+          </a:ln>
+        </p:spPr>
+        <p:style>
+          <a:lnRef idx="1">
+            <a:schemeClr val="accent2"/>
+          </a:lnRef>
+          <a:fillRef idx="0">
+            <a:schemeClr val="accent2"/>
+          </a:fillRef>
+          <a:effectRef idx="0">
+            <a:schemeClr val="accent2"/>
+          </a:effectRef>
+          <a:fontRef idx="minor">
+            <a:schemeClr val="tx1"/>
+          </a:fontRef>
+        </p:style>
+      </p:cxnSp>
+      <p:cxnSp>
+        <p:nvCxnSpPr>
+          <p:cNvPr id="12" name="Straight Arrow Connector 11">
+            <a:extLst>
+              <a:ext uri="{FF2B5EF4-FFF2-40B4-BE49-F238E27FC236}">
+                <a16:creationId xmlns:a16="http://schemas.microsoft.com/office/drawing/2014/main" id="{673BF789-BC46-CE14-30DA-683C7972DC1D}"/>
+              </a:ext>
+            </a:extLst>
+          </p:cNvPr>
+          <p:cNvCxnSpPr>
+            <a:cxnSpLocks/>
+          </p:cNvCxnSpPr>
+          <p:nvPr/>
+        </p:nvCxnSpPr>
+        <p:spPr>
+          <a:xfrm flipH="1">
+            <a:off x="3556001" y="4381342"/>
+            <a:ext cx="798285" cy="0"/>
+          </a:xfrm>
+          <a:prstGeom prst="straightConnector1">
+            <a:avLst/>
+          </a:prstGeom>
+          <a:ln>
+            <a:tailEnd type="triangle"/>
+          </a:ln>
+        </p:spPr>
+        <p:style>
+          <a:lnRef idx="1">
+            <a:schemeClr val="accent2"/>
+          </a:lnRef>
+          <a:fillRef idx="0">
+            <a:schemeClr val="accent2"/>
+          </a:fillRef>
+          <a:effectRef idx="0">
+            <a:schemeClr val="accent2"/>
+          </a:effectRef>
+          <a:fontRef idx="minor">
+            <a:schemeClr val="tx1"/>
+          </a:fontRef>
+        </p:style>
+      </p:cxnSp>
+      <p:cxnSp>
+        <p:nvCxnSpPr>
+          <p:cNvPr id="13" name="Straight Arrow Connector 12">
+            <a:extLst>
+              <a:ext uri="{FF2B5EF4-FFF2-40B4-BE49-F238E27FC236}">
+                <a16:creationId xmlns:a16="http://schemas.microsoft.com/office/drawing/2014/main" id="{D72F4390-F110-F1F9-5025-1CE8D18497B2}"/>
+              </a:ext>
+            </a:extLst>
+          </p:cNvPr>
+          <p:cNvCxnSpPr>
+            <a:cxnSpLocks/>
+          </p:cNvCxnSpPr>
+          <p:nvPr/>
+        </p:nvCxnSpPr>
+        <p:spPr>
+          <a:xfrm>
+            <a:off x="3205290" y="3867943"/>
+            <a:ext cx="0" cy="399257"/>
+          </a:xfrm>
+          <a:prstGeom prst="straightConnector1">
+            <a:avLst/>
+          </a:prstGeom>
+          <a:ln>
+            <a:tailEnd type="triangle"/>
+          </a:ln>
+        </p:spPr>
+        <p:style>
+          <a:lnRef idx="1">
+            <a:schemeClr val="accent2"/>
+          </a:lnRef>
+          <a:fillRef idx="0">
+            <a:schemeClr val="accent2"/>
+          </a:fillRef>
+          <a:effectRef idx="0">
+            <a:schemeClr val="accent2"/>
+          </a:effectRef>
+          <a:fontRef idx="minor">
+            <a:schemeClr val="tx1"/>
+          </a:fontRef>
+        </p:style>
+      </p:cxnSp>
+      <p:cxnSp>
+        <p:nvCxnSpPr>
+          <p:cNvPr id="14" name="Straight Arrow Connector 13">
+            <a:extLst>
+              <a:ext uri="{FF2B5EF4-FFF2-40B4-BE49-F238E27FC236}">
+                <a16:creationId xmlns:a16="http://schemas.microsoft.com/office/drawing/2014/main" id="{C91DB9D9-A2C1-4079-4E1C-DB997888E215}"/>
+              </a:ext>
+            </a:extLst>
+          </p:cNvPr>
+          <p:cNvCxnSpPr>
+            <a:cxnSpLocks/>
+          </p:cNvCxnSpPr>
+          <p:nvPr/>
+        </p:nvCxnSpPr>
+        <p:spPr>
+          <a:xfrm flipV="1">
+            <a:off x="3114571" y="4567029"/>
+            <a:ext cx="14514" cy="435428"/>
+          </a:xfrm>
+          <a:prstGeom prst="straightConnector1">
+            <a:avLst/>
+          </a:prstGeom>
+          <a:ln>
+            <a:tailEnd type="triangle"/>
+          </a:ln>
+        </p:spPr>
+        <p:style>
+          <a:lnRef idx="1">
+            <a:schemeClr val="accent2"/>
+          </a:lnRef>
+          <a:fillRef idx="0">
+            <a:schemeClr val="accent2"/>
+          </a:fillRef>
+          <a:effectRef idx="0">
+            <a:schemeClr val="accent2"/>
+          </a:effectRef>
+          <a:fontRef idx="minor">
+            <a:schemeClr val="tx1"/>
+          </a:fontRef>
+        </p:style>
+      </p:cxnSp>
+    </p:spTree>
+    <p:extLst>
+      <p:ext uri="{BB962C8B-B14F-4D97-AF65-F5344CB8AC3E}">
+        <p14:creationId xmlns:p14="http://schemas.microsoft.com/office/powerpoint/2010/main" val="3603933712"/>
       </p:ext>
     </p:extLst>
   </p:cSld>
@@ -12161,6 +13766,701 @@
     <p:extLst>
       <p:ext uri="{BB962C8B-B14F-4D97-AF65-F5344CB8AC3E}">
         <p14:creationId xmlns:p14="http://schemas.microsoft.com/office/powerpoint/2010/main" val="3824646657"/>
+      </p:ext>
+    </p:extLst>
+  </p:cSld>
+  <p:clrMapOvr>
+    <a:masterClrMapping/>
+  </p:clrMapOvr>
+</p:sld>
+</file>
+
+<file path=ppt/slides/slide30.xml><?xml version="1.0" encoding="utf-8"?>
+<p:sld xmlns:a="http://schemas.openxmlformats.org/drawingml/2006/main" xmlns:r="http://schemas.openxmlformats.org/officeDocument/2006/relationships" xmlns:p="http://schemas.openxmlformats.org/presentationml/2006/main">
+  <p:cSld>
+    <p:spTree>
+      <p:nvGrpSpPr>
+        <p:cNvPr id="1" name=""/>
+        <p:cNvGrpSpPr/>
+        <p:nvPr/>
+      </p:nvGrpSpPr>
+      <p:grpSpPr>
+        <a:xfrm>
+          <a:off x="0" y="0"/>
+          <a:ext cx="0" cy="0"/>
+          <a:chOff x="0" y="0"/>
+          <a:chExt cx="0" cy="0"/>
+        </a:xfrm>
+      </p:grpSpPr>
+      <p:sp>
+        <p:nvSpPr>
+          <p:cNvPr id="2" name="Title 1">
+            <a:extLst>
+              <a:ext uri="{FF2B5EF4-FFF2-40B4-BE49-F238E27FC236}">
+                <a16:creationId xmlns:a16="http://schemas.microsoft.com/office/drawing/2014/main" id="{DAE62B06-63CD-AF2E-D9AB-7C3D75BB9F27}"/>
+              </a:ext>
+            </a:extLst>
+          </p:cNvPr>
+          <p:cNvSpPr>
+            <a:spLocks noGrp="1"/>
+          </p:cNvSpPr>
+          <p:nvPr>
+            <p:ph type="title"/>
+          </p:nvPr>
+        </p:nvSpPr>
+        <p:spPr/>
+        <p:txBody>
+          <a:bodyPr/>
+          <a:lstStyle/>
+          <a:p>
+            <a:r>
+              <a:rPr lang="en-US" dirty="0"/>
+              <a:t>padding classes for different Sides</a:t>
+            </a:r>
+          </a:p>
+        </p:txBody>
+      </p:sp>
+      <p:sp>
+        <p:nvSpPr>
+          <p:cNvPr id="3" name="Content Placeholder 2">
+            <a:extLst>
+              <a:ext uri="{FF2B5EF4-FFF2-40B4-BE49-F238E27FC236}">
+                <a16:creationId xmlns:a16="http://schemas.microsoft.com/office/drawing/2014/main" id="{3E5302AB-7AF2-F978-AC0B-CB3E6301E1D5}"/>
+              </a:ext>
+            </a:extLst>
+          </p:cNvPr>
+          <p:cNvSpPr>
+            <a:spLocks noGrp="1"/>
+          </p:cNvSpPr>
+          <p:nvPr>
+            <p:ph idx="1"/>
+          </p:nvPr>
+        </p:nvSpPr>
+        <p:spPr>
+          <a:xfrm>
+            <a:off x="838200" y="1825625"/>
+            <a:ext cx="3951514" cy="4351338"/>
+          </a:xfrm>
+        </p:spPr>
+        <p:txBody>
+          <a:bodyPr/>
+          <a:lstStyle/>
+          <a:p>
+            <a:r>
+              <a:rPr lang="en-US" dirty="0"/>
+              <a:t>padding		.p-*</a:t>
+            </a:r>
+          </a:p>
+          <a:p>
+            <a:r>
+              <a:rPr lang="en-US" dirty="0"/>
+              <a:t>padding-right	.pr-*</a:t>
+            </a:r>
+          </a:p>
+          <a:p>
+            <a:r>
+              <a:rPr lang="en-US" dirty="0"/>
+              <a:t>padding-left	.pl-*</a:t>
+            </a:r>
+          </a:p>
+          <a:p>
+            <a:r>
+              <a:rPr lang="en-US" dirty="0"/>
+              <a:t>padding-top	.pt-*</a:t>
+            </a:r>
+          </a:p>
+          <a:p>
+            <a:r>
+              <a:rPr lang="en-US" dirty="0"/>
+              <a:t>padding-bottom	.pb-*</a:t>
+            </a:r>
+          </a:p>
+        </p:txBody>
+      </p:sp>
+      <p:sp>
+        <p:nvSpPr>
+          <p:cNvPr id="4" name="Content Placeholder 2">
+            <a:extLst>
+              <a:ext uri="{FF2B5EF4-FFF2-40B4-BE49-F238E27FC236}">
+                <a16:creationId xmlns:a16="http://schemas.microsoft.com/office/drawing/2014/main" id="{18E00298-2328-5F36-E0F0-F1A7D8AA5C28}"/>
+              </a:ext>
+            </a:extLst>
+          </p:cNvPr>
+          <p:cNvSpPr txBox="1">
+            <a:spLocks/>
+          </p:cNvSpPr>
+          <p:nvPr/>
+        </p:nvSpPr>
+        <p:spPr>
+          <a:xfrm>
+            <a:off x="6544131" y="1713595"/>
+            <a:ext cx="3951514" cy="4351338"/>
+          </a:xfrm>
+          <a:prstGeom prst="rect">
+            <a:avLst/>
+          </a:prstGeom>
+        </p:spPr>
+        <p:txBody>
+          <a:bodyPr vert="horz" lIns="91440" tIns="45720" rIns="91440" bIns="45720" rtlCol="0">
+            <a:normAutofit/>
+          </a:bodyPr>
+          <a:lstStyle>
+            <a:lvl1pPr marL="228600" indent="-228600" algn="l" defTabSz="914400" rtl="0" eaLnBrk="1" latinLnBrk="0" hangingPunct="1">
+              <a:lnSpc>
+                <a:spcPct val="90000"/>
+              </a:lnSpc>
+              <a:spcBef>
+                <a:spcPts val="1000"/>
+              </a:spcBef>
+              <a:buFont typeface="Arial" panose="020B0604020202020204" pitchFamily="34" charset="0"/>
+              <a:buChar char="•"/>
+              <a:defRPr sz="2800" kern="1200">
+                <a:solidFill>
+                  <a:schemeClr val="tx1"/>
+                </a:solidFill>
+                <a:latin typeface="+mn-lt"/>
+                <a:ea typeface="+mn-ea"/>
+                <a:cs typeface="+mn-cs"/>
+              </a:defRPr>
+            </a:lvl1pPr>
+            <a:lvl2pPr marL="685800" indent="-228600" algn="l" defTabSz="914400" rtl="0" eaLnBrk="1" latinLnBrk="0" hangingPunct="1">
+              <a:lnSpc>
+                <a:spcPct val="90000"/>
+              </a:lnSpc>
+              <a:spcBef>
+                <a:spcPts val="500"/>
+              </a:spcBef>
+              <a:buFont typeface="Arial" panose="020B0604020202020204" pitchFamily="34" charset="0"/>
+              <a:buChar char="•"/>
+              <a:defRPr sz="2400" kern="1200">
+                <a:solidFill>
+                  <a:schemeClr val="tx1"/>
+                </a:solidFill>
+                <a:latin typeface="+mn-lt"/>
+                <a:ea typeface="+mn-ea"/>
+                <a:cs typeface="+mn-cs"/>
+              </a:defRPr>
+            </a:lvl2pPr>
+            <a:lvl3pPr marL="1143000" indent="-228600" algn="l" defTabSz="914400" rtl="0" eaLnBrk="1" latinLnBrk="0" hangingPunct="1">
+              <a:lnSpc>
+                <a:spcPct val="90000"/>
+              </a:lnSpc>
+              <a:spcBef>
+                <a:spcPts val="500"/>
+              </a:spcBef>
+              <a:buFont typeface="Arial" panose="020B0604020202020204" pitchFamily="34" charset="0"/>
+              <a:buChar char="•"/>
+              <a:defRPr sz="2000" kern="1200">
+                <a:solidFill>
+                  <a:schemeClr val="tx1"/>
+                </a:solidFill>
+                <a:latin typeface="+mn-lt"/>
+                <a:ea typeface="+mn-ea"/>
+                <a:cs typeface="+mn-cs"/>
+              </a:defRPr>
+            </a:lvl3pPr>
+            <a:lvl4pPr marL="1600200" indent="-228600" algn="l" defTabSz="914400" rtl="0" eaLnBrk="1" latinLnBrk="0" hangingPunct="1">
+              <a:lnSpc>
+                <a:spcPct val="90000"/>
+              </a:lnSpc>
+              <a:spcBef>
+                <a:spcPts val="500"/>
+              </a:spcBef>
+              <a:buFont typeface="Arial" panose="020B0604020202020204" pitchFamily="34" charset="0"/>
+              <a:buChar char="•"/>
+              <a:defRPr sz="1800" kern="1200">
+                <a:solidFill>
+                  <a:schemeClr val="tx1"/>
+                </a:solidFill>
+                <a:latin typeface="+mn-lt"/>
+                <a:ea typeface="+mn-ea"/>
+                <a:cs typeface="+mn-cs"/>
+              </a:defRPr>
+            </a:lvl4pPr>
+            <a:lvl5pPr marL="2057400" indent="-228600" algn="l" defTabSz="914400" rtl="0" eaLnBrk="1" latinLnBrk="0" hangingPunct="1">
+              <a:lnSpc>
+                <a:spcPct val="90000"/>
+              </a:lnSpc>
+              <a:spcBef>
+                <a:spcPts val="500"/>
+              </a:spcBef>
+              <a:buFont typeface="Arial" panose="020B0604020202020204" pitchFamily="34" charset="0"/>
+              <a:buChar char="•"/>
+              <a:defRPr sz="1800" kern="1200">
+                <a:solidFill>
+                  <a:schemeClr val="tx1"/>
+                </a:solidFill>
+                <a:latin typeface="+mn-lt"/>
+                <a:ea typeface="+mn-ea"/>
+                <a:cs typeface="+mn-cs"/>
+              </a:defRPr>
+            </a:lvl5pPr>
+            <a:lvl6pPr marL="2514600" indent="-228600" algn="l" defTabSz="914400" rtl="0" eaLnBrk="1" latinLnBrk="0" hangingPunct="1">
+              <a:lnSpc>
+                <a:spcPct val="90000"/>
+              </a:lnSpc>
+              <a:spcBef>
+                <a:spcPts val="500"/>
+              </a:spcBef>
+              <a:buFont typeface="Arial" panose="020B0604020202020204" pitchFamily="34" charset="0"/>
+              <a:buChar char="•"/>
+              <a:defRPr sz="1800" kern="1200">
+                <a:solidFill>
+                  <a:schemeClr val="tx1"/>
+                </a:solidFill>
+                <a:latin typeface="+mn-lt"/>
+                <a:ea typeface="+mn-ea"/>
+                <a:cs typeface="+mn-cs"/>
+              </a:defRPr>
+            </a:lvl6pPr>
+            <a:lvl7pPr marL="2971800" indent="-228600" algn="l" defTabSz="914400" rtl="0" eaLnBrk="1" latinLnBrk="0" hangingPunct="1">
+              <a:lnSpc>
+                <a:spcPct val="90000"/>
+              </a:lnSpc>
+              <a:spcBef>
+                <a:spcPts val="500"/>
+              </a:spcBef>
+              <a:buFont typeface="Arial" panose="020B0604020202020204" pitchFamily="34" charset="0"/>
+              <a:buChar char="•"/>
+              <a:defRPr sz="1800" kern="1200">
+                <a:solidFill>
+                  <a:schemeClr val="tx1"/>
+                </a:solidFill>
+                <a:latin typeface="+mn-lt"/>
+                <a:ea typeface="+mn-ea"/>
+                <a:cs typeface="+mn-cs"/>
+              </a:defRPr>
+            </a:lvl7pPr>
+            <a:lvl8pPr marL="3429000" indent="-228600" algn="l" defTabSz="914400" rtl="0" eaLnBrk="1" latinLnBrk="0" hangingPunct="1">
+              <a:lnSpc>
+                <a:spcPct val="90000"/>
+              </a:lnSpc>
+              <a:spcBef>
+                <a:spcPts val="500"/>
+              </a:spcBef>
+              <a:buFont typeface="Arial" panose="020B0604020202020204" pitchFamily="34" charset="0"/>
+              <a:buChar char="•"/>
+              <a:defRPr sz="1800" kern="1200">
+                <a:solidFill>
+                  <a:schemeClr val="tx1"/>
+                </a:solidFill>
+                <a:latin typeface="+mn-lt"/>
+                <a:ea typeface="+mn-ea"/>
+                <a:cs typeface="+mn-cs"/>
+              </a:defRPr>
+            </a:lvl8pPr>
+            <a:lvl9pPr marL="3886200" indent="-228600" algn="l" defTabSz="914400" rtl="0" eaLnBrk="1" latinLnBrk="0" hangingPunct="1">
+              <a:lnSpc>
+                <a:spcPct val="90000"/>
+              </a:lnSpc>
+              <a:spcBef>
+                <a:spcPts val="500"/>
+              </a:spcBef>
+              <a:buFont typeface="Arial" panose="020B0604020202020204" pitchFamily="34" charset="0"/>
+              <a:buChar char="•"/>
+              <a:defRPr sz="1800" kern="1200">
+                <a:solidFill>
+                  <a:schemeClr val="tx1"/>
+                </a:solidFill>
+                <a:latin typeface="+mn-lt"/>
+                <a:ea typeface="+mn-ea"/>
+                <a:cs typeface="+mn-cs"/>
+              </a:defRPr>
+            </a:lvl9pPr>
+          </a:lstStyle>
+          <a:p>
+            <a:r>
+              <a:rPr lang="en-US" dirty="0"/>
+              <a:t>0 – 0 </a:t>
+            </a:r>
+            <a:r>
+              <a:rPr lang="en-US" dirty="0" err="1"/>
+              <a:t>px</a:t>
+            </a:r>
+            <a:endParaRPr lang="en-US" dirty="0"/>
+          </a:p>
+          <a:p>
+            <a:r>
+              <a:rPr lang="en-US" dirty="0"/>
+              <a:t>1 – 0.25 rem</a:t>
+            </a:r>
+          </a:p>
+          <a:p>
+            <a:r>
+              <a:rPr lang="en-US" dirty="0"/>
+              <a:t>2 – 0.50 rem</a:t>
+            </a:r>
+          </a:p>
+          <a:p>
+            <a:r>
+              <a:rPr lang="en-US" dirty="0"/>
+              <a:t>3 – 1 rem</a:t>
+            </a:r>
+          </a:p>
+          <a:p>
+            <a:r>
+              <a:rPr lang="en-US" dirty="0"/>
+              <a:t>4 – 1.5 rem</a:t>
+            </a:r>
+          </a:p>
+          <a:p>
+            <a:r>
+              <a:rPr lang="en-US" dirty="0"/>
+              <a:t>5 – 3 rem</a:t>
+            </a:r>
+          </a:p>
+          <a:p>
+            <a:endParaRPr lang="en-US" dirty="0"/>
+          </a:p>
+        </p:txBody>
+      </p:sp>
+      <p:sp>
+        <p:nvSpPr>
+          <p:cNvPr id="5" name="TextBox 4">
+            <a:extLst>
+              <a:ext uri="{FF2B5EF4-FFF2-40B4-BE49-F238E27FC236}">
+                <a16:creationId xmlns:a16="http://schemas.microsoft.com/office/drawing/2014/main" id="{948A3859-888B-88F0-7620-EB7B7BDFB395}"/>
+              </a:ext>
+            </a:extLst>
+          </p:cNvPr>
+          <p:cNvSpPr txBox="1"/>
+          <p:nvPr/>
+        </p:nvSpPr>
+        <p:spPr>
+          <a:xfrm flipH="1">
+            <a:off x="10319657" y="754743"/>
+            <a:ext cx="1521824" cy="369332"/>
+          </a:xfrm>
+          <a:prstGeom prst="rect">
+            <a:avLst/>
+          </a:prstGeom>
+          <a:noFill/>
+        </p:spPr>
+        <p:txBody>
+          <a:bodyPr wrap="square" rtlCol="0">
+            <a:spAutoFit/>
+          </a:bodyPr>
+          <a:lstStyle/>
+          <a:p>
+            <a:r>
+              <a:rPr lang="en-US" dirty="0"/>
+              <a:t>.m-xl-3</a:t>
+            </a:r>
+          </a:p>
+        </p:txBody>
+      </p:sp>
+      <p:sp>
+        <p:nvSpPr>
+          <p:cNvPr id="6" name="Content Placeholder 2">
+            <a:extLst>
+              <a:ext uri="{FF2B5EF4-FFF2-40B4-BE49-F238E27FC236}">
+                <a16:creationId xmlns:a16="http://schemas.microsoft.com/office/drawing/2014/main" id="{80A17F53-B0C6-95ED-E29B-867DF0974667}"/>
+              </a:ext>
+            </a:extLst>
+          </p:cNvPr>
+          <p:cNvSpPr txBox="1">
+            <a:spLocks/>
+          </p:cNvSpPr>
+          <p:nvPr/>
+        </p:nvSpPr>
+        <p:spPr>
+          <a:xfrm>
+            <a:off x="838200" y="4542971"/>
+            <a:ext cx="4809670" cy="2119086"/>
+          </a:xfrm>
+          <a:prstGeom prst="rect">
+            <a:avLst/>
+          </a:prstGeom>
+        </p:spPr>
+        <p:txBody>
+          <a:bodyPr vert="horz" lIns="91440" tIns="45720" rIns="91440" bIns="45720" rtlCol="0">
+            <a:normAutofit/>
+          </a:bodyPr>
+          <a:lstStyle>
+            <a:lvl1pPr marL="228600" indent="-228600" algn="l" defTabSz="914400" rtl="0" eaLnBrk="1" latinLnBrk="0" hangingPunct="1">
+              <a:lnSpc>
+                <a:spcPct val="90000"/>
+              </a:lnSpc>
+              <a:spcBef>
+                <a:spcPts val="1000"/>
+              </a:spcBef>
+              <a:buFont typeface="Arial" panose="020B0604020202020204" pitchFamily="34" charset="0"/>
+              <a:buChar char="•"/>
+              <a:defRPr sz="2800" kern="1200">
+                <a:solidFill>
+                  <a:schemeClr val="tx1"/>
+                </a:solidFill>
+                <a:latin typeface="+mn-lt"/>
+                <a:ea typeface="+mn-ea"/>
+                <a:cs typeface="+mn-cs"/>
+              </a:defRPr>
+            </a:lvl1pPr>
+            <a:lvl2pPr marL="685800" indent="-228600" algn="l" defTabSz="914400" rtl="0" eaLnBrk="1" latinLnBrk="0" hangingPunct="1">
+              <a:lnSpc>
+                <a:spcPct val="90000"/>
+              </a:lnSpc>
+              <a:spcBef>
+                <a:spcPts val="500"/>
+              </a:spcBef>
+              <a:buFont typeface="Arial" panose="020B0604020202020204" pitchFamily="34" charset="0"/>
+              <a:buChar char="•"/>
+              <a:defRPr sz="2400" kern="1200">
+                <a:solidFill>
+                  <a:schemeClr val="tx1"/>
+                </a:solidFill>
+                <a:latin typeface="+mn-lt"/>
+                <a:ea typeface="+mn-ea"/>
+                <a:cs typeface="+mn-cs"/>
+              </a:defRPr>
+            </a:lvl2pPr>
+            <a:lvl3pPr marL="1143000" indent="-228600" algn="l" defTabSz="914400" rtl="0" eaLnBrk="1" latinLnBrk="0" hangingPunct="1">
+              <a:lnSpc>
+                <a:spcPct val="90000"/>
+              </a:lnSpc>
+              <a:spcBef>
+                <a:spcPts val="500"/>
+              </a:spcBef>
+              <a:buFont typeface="Arial" panose="020B0604020202020204" pitchFamily="34" charset="0"/>
+              <a:buChar char="•"/>
+              <a:defRPr sz="2000" kern="1200">
+                <a:solidFill>
+                  <a:schemeClr val="tx1"/>
+                </a:solidFill>
+                <a:latin typeface="+mn-lt"/>
+                <a:ea typeface="+mn-ea"/>
+                <a:cs typeface="+mn-cs"/>
+              </a:defRPr>
+            </a:lvl3pPr>
+            <a:lvl4pPr marL="1600200" indent="-228600" algn="l" defTabSz="914400" rtl="0" eaLnBrk="1" latinLnBrk="0" hangingPunct="1">
+              <a:lnSpc>
+                <a:spcPct val="90000"/>
+              </a:lnSpc>
+              <a:spcBef>
+                <a:spcPts val="500"/>
+              </a:spcBef>
+              <a:buFont typeface="Arial" panose="020B0604020202020204" pitchFamily="34" charset="0"/>
+              <a:buChar char="•"/>
+              <a:defRPr sz="1800" kern="1200">
+                <a:solidFill>
+                  <a:schemeClr val="tx1"/>
+                </a:solidFill>
+                <a:latin typeface="+mn-lt"/>
+                <a:ea typeface="+mn-ea"/>
+                <a:cs typeface="+mn-cs"/>
+              </a:defRPr>
+            </a:lvl4pPr>
+            <a:lvl5pPr marL="2057400" indent="-228600" algn="l" defTabSz="914400" rtl="0" eaLnBrk="1" latinLnBrk="0" hangingPunct="1">
+              <a:lnSpc>
+                <a:spcPct val="90000"/>
+              </a:lnSpc>
+              <a:spcBef>
+                <a:spcPts val="500"/>
+              </a:spcBef>
+              <a:buFont typeface="Arial" panose="020B0604020202020204" pitchFamily="34" charset="0"/>
+              <a:buChar char="•"/>
+              <a:defRPr sz="1800" kern="1200">
+                <a:solidFill>
+                  <a:schemeClr val="tx1"/>
+                </a:solidFill>
+                <a:latin typeface="+mn-lt"/>
+                <a:ea typeface="+mn-ea"/>
+                <a:cs typeface="+mn-cs"/>
+              </a:defRPr>
+            </a:lvl5pPr>
+            <a:lvl6pPr marL="2514600" indent="-228600" algn="l" defTabSz="914400" rtl="0" eaLnBrk="1" latinLnBrk="0" hangingPunct="1">
+              <a:lnSpc>
+                <a:spcPct val="90000"/>
+              </a:lnSpc>
+              <a:spcBef>
+                <a:spcPts val="500"/>
+              </a:spcBef>
+              <a:buFont typeface="Arial" panose="020B0604020202020204" pitchFamily="34" charset="0"/>
+              <a:buChar char="•"/>
+              <a:defRPr sz="1800" kern="1200">
+                <a:solidFill>
+                  <a:schemeClr val="tx1"/>
+                </a:solidFill>
+                <a:latin typeface="+mn-lt"/>
+                <a:ea typeface="+mn-ea"/>
+                <a:cs typeface="+mn-cs"/>
+              </a:defRPr>
+            </a:lvl6pPr>
+            <a:lvl7pPr marL="2971800" indent="-228600" algn="l" defTabSz="914400" rtl="0" eaLnBrk="1" latinLnBrk="0" hangingPunct="1">
+              <a:lnSpc>
+                <a:spcPct val="90000"/>
+              </a:lnSpc>
+              <a:spcBef>
+                <a:spcPts val="500"/>
+              </a:spcBef>
+              <a:buFont typeface="Arial" panose="020B0604020202020204" pitchFamily="34" charset="0"/>
+              <a:buChar char="•"/>
+              <a:defRPr sz="1800" kern="1200">
+                <a:solidFill>
+                  <a:schemeClr val="tx1"/>
+                </a:solidFill>
+                <a:latin typeface="+mn-lt"/>
+                <a:ea typeface="+mn-ea"/>
+                <a:cs typeface="+mn-cs"/>
+              </a:defRPr>
+            </a:lvl7pPr>
+            <a:lvl8pPr marL="3429000" indent="-228600" algn="l" defTabSz="914400" rtl="0" eaLnBrk="1" latinLnBrk="0" hangingPunct="1">
+              <a:lnSpc>
+                <a:spcPct val="90000"/>
+              </a:lnSpc>
+              <a:spcBef>
+                <a:spcPts val="500"/>
+              </a:spcBef>
+              <a:buFont typeface="Arial" panose="020B0604020202020204" pitchFamily="34" charset="0"/>
+              <a:buChar char="•"/>
+              <a:defRPr sz="1800" kern="1200">
+                <a:solidFill>
+                  <a:schemeClr val="tx1"/>
+                </a:solidFill>
+                <a:latin typeface="+mn-lt"/>
+                <a:ea typeface="+mn-ea"/>
+                <a:cs typeface="+mn-cs"/>
+              </a:defRPr>
+            </a:lvl8pPr>
+            <a:lvl9pPr marL="3886200" indent="-228600" algn="l" defTabSz="914400" rtl="0" eaLnBrk="1" latinLnBrk="0" hangingPunct="1">
+              <a:lnSpc>
+                <a:spcPct val="90000"/>
+              </a:lnSpc>
+              <a:spcBef>
+                <a:spcPts val="500"/>
+              </a:spcBef>
+              <a:buFont typeface="Arial" panose="020B0604020202020204" pitchFamily="34" charset="0"/>
+              <a:buChar char="•"/>
+              <a:defRPr sz="1800" kern="1200">
+                <a:solidFill>
+                  <a:schemeClr val="tx1"/>
+                </a:solidFill>
+                <a:latin typeface="+mn-lt"/>
+                <a:ea typeface="+mn-ea"/>
+                <a:cs typeface="+mn-cs"/>
+              </a:defRPr>
+            </a:lvl9pPr>
+          </a:lstStyle>
+          <a:p>
+            <a:r>
+              <a:rPr lang="en-US" dirty="0"/>
+              <a:t>Extra large - .p-xl-*</a:t>
+            </a:r>
+          </a:p>
+          <a:p>
+            <a:r>
+              <a:rPr lang="en-US" dirty="0"/>
+              <a:t>Large - .p-lg-*</a:t>
+            </a:r>
+          </a:p>
+          <a:p>
+            <a:r>
+              <a:rPr lang="en-US" dirty="0"/>
+              <a:t>Medium - .p-md-*</a:t>
+            </a:r>
+          </a:p>
+          <a:p>
+            <a:r>
+              <a:rPr lang="en-US" dirty="0"/>
+              <a:t>Small - .p-</a:t>
+            </a:r>
+            <a:r>
+              <a:rPr lang="en-US" dirty="0" err="1"/>
+              <a:t>sm</a:t>
+            </a:r>
+            <a:r>
+              <a:rPr lang="en-US" dirty="0"/>
+              <a:t>-*</a:t>
+            </a:r>
+          </a:p>
+        </p:txBody>
+      </p:sp>
+    </p:spTree>
+    <p:extLst>
+      <p:ext uri="{BB962C8B-B14F-4D97-AF65-F5344CB8AC3E}">
+        <p14:creationId xmlns:p14="http://schemas.microsoft.com/office/powerpoint/2010/main" val="1798742471"/>
+      </p:ext>
+    </p:extLst>
+  </p:cSld>
+  <p:clrMapOvr>
+    <a:masterClrMapping/>
+  </p:clrMapOvr>
+</p:sld>
+</file>
+
+<file path=ppt/slides/slide31.xml><?xml version="1.0" encoding="utf-8"?>
+<p:sld xmlns:a="http://schemas.openxmlformats.org/drawingml/2006/main" xmlns:r="http://schemas.openxmlformats.org/officeDocument/2006/relationships" xmlns:p="http://schemas.openxmlformats.org/presentationml/2006/main">
+  <p:cSld>
+    <p:spTree>
+      <p:nvGrpSpPr>
+        <p:cNvPr id="1" name=""/>
+        <p:cNvGrpSpPr/>
+        <p:nvPr/>
+      </p:nvGrpSpPr>
+      <p:grpSpPr>
+        <a:xfrm>
+          <a:off x="0" y="0"/>
+          <a:ext cx="0" cy="0"/>
+          <a:chOff x="0" y="0"/>
+          <a:chExt cx="0" cy="0"/>
+        </a:xfrm>
+      </p:grpSpPr>
+      <p:sp>
+        <p:nvSpPr>
+          <p:cNvPr id="2" name="Title 1">
+            <a:extLst>
+              <a:ext uri="{FF2B5EF4-FFF2-40B4-BE49-F238E27FC236}">
+                <a16:creationId xmlns:a16="http://schemas.microsoft.com/office/drawing/2014/main" id="{A2FDB892-FD0C-C77C-2F32-938699EB1466}"/>
+              </a:ext>
+            </a:extLst>
+          </p:cNvPr>
+          <p:cNvSpPr>
+            <a:spLocks noGrp="1"/>
+          </p:cNvSpPr>
+          <p:nvPr>
+            <p:ph type="title"/>
+          </p:nvPr>
+        </p:nvSpPr>
+        <p:spPr/>
+        <p:txBody>
+          <a:bodyPr/>
+          <a:lstStyle/>
+          <a:p>
+            <a:r>
+              <a:rPr lang="en-US" dirty="0"/>
+              <a:t>Template Design</a:t>
+            </a:r>
+          </a:p>
+        </p:txBody>
+      </p:sp>
+      <p:sp>
+        <p:nvSpPr>
+          <p:cNvPr id="3" name="Content Placeholder 2">
+            <a:extLst>
+              <a:ext uri="{FF2B5EF4-FFF2-40B4-BE49-F238E27FC236}">
+                <a16:creationId xmlns:a16="http://schemas.microsoft.com/office/drawing/2014/main" id="{B2C1A769-0AD8-3F74-8287-52EC6E3B113A}"/>
+              </a:ext>
+            </a:extLst>
+          </p:cNvPr>
+          <p:cNvSpPr>
+            <a:spLocks noGrp="1"/>
+          </p:cNvSpPr>
+          <p:nvPr>
+            <p:ph idx="1"/>
+          </p:nvPr>
+        </p:nvSpPr>
+        <p:spPr/>
+        <p:txBody>
+          <a:bodyPr/>
+          <a:lstStyle/>
+          <a:p>
+            <a:endParaRPr lang="en-US"/>
+          </a:p>
+        </p:txBody>
+      </p:sp>
+    </p:spTree>
+    <p:extLst>
+      <p:ext uri="{BB962C8B-B14F-4D97-AF65-F5344CB8AC3E}">
+        <p14:creationId xmlns:p14="http://schemas.microsoft.com/office/powerpoint/2010/main" val="2738011466"/>
       </p:ext>
     </p:extLst>
   </p:cSld>
